--- a/Air-BNB  Travel Data Analysis Report.pptx
+++ b/Air-BNB  Travel Data Analysis Report.pptx
@@ -1,44 +1,48 @@
 
 <file path=ppt/presentation.xml><?xml version="1.0" encoding="utf-8"?>
-<p:presentation xmlns:a="http://schemas.openxmlformats.org/drawingml/2006/main" xmlns:r="http://schemas.openxmlformats.org/officeDocument/2006/relationships" xmlns:mc="http://schemas.openxmlformats.org/markup-compatibility/2006" xmlns:mv="urn:schemas-microsoft-com:mac:vml" xmlns:p="http://schemas.openxmlformats.org/presentationml/2006/main" xmlns:c="http://schemas.openxmlformats.org/drawingml/2006/chart" xmlns:dgm="http://schemas.openxmlformats.org/drawingml/2006/diagram" xmlns:o="urn:schemas-microsoft-com:office:office" xmlns:v="urn:schemas-microsoft-com:vml" xmlns:pvml="urn:schemas-microsoft-com:office:powerpoint" xmlns:com="http://schemas.openxmlformats.org/drawingml/2006/compatibility" xmlns:p14="http://schemas.microsoft.com/office/powerpoint/2010/main" xmlns:p15="http://schemas.microsoft.com/office/powerpoint/2012/main" xmlns:ahyp="http://schemas.microsoft.com/office/drawing/2018/hyperlinkcolor" autoCompressPictures="0" embedTrueTypeFonts="1" strictFirstAndLastChars="0" saveSubsetFonts="1">
+<p:presentation xmlns:a="http://schemas.openxmlformats.org/drawingml/2006/main" xmlns:r="http://schemas.openxmlformats.org/officeDocument/2006/relationships" xmlns:p="http://schemas.openxmlformats.org/presentationml/2006/main" strictFirstAndLastChars="0" embedTrueTypeFonts="1" saveSubsetFonts="1" autoCompressPictures="0">
   <p:sldMasterIdLst>
-    <p:sldMasterId id="2147483659" r:id="rId4"/>
+    <p:sldMasterId id="2147483659" r:id="rId1"/>
   </p:sldMasterIdLst>
   <p:notesMasterIdLst>
-    <p:notesMasterId r:id="rId5"/>
+    <p:notesMasterId r:id="rId14"/>
   </p:notesMasterIdLst>
   <p:sldIdLst>
-    <p:sldId id="256" r:id="rId6"/>
-    <p:sldId id="257" r:id="rId7"/>
-    <p:sldId id="258" r:id="rId8"/>
-    <p:sldId id="259" r:id="rId9"/>
-    <p:sldId id="260" r:id="rId10"/>
-    <p:sldId id="261" r:id="rId11"/>
-    <p:sldId id="262" r:id="rId12"/>
-    <p:sldId id="263" r:id="rId13"/>
-    <p:sldId id="264" r:id="rId14"/>
-    <p:sldId id="265" r:id="rId15"/>
-    <p:sldId id="266" r:id="rId16"/>
-    <p:sldId id="267" r:id="rId17"/>
+    <p:sldId id="268" r:id="rId2"/>
+    <p:sldId id="257" r:id="rId3"/>
+    <p:sldId id="258" r:id="rId4"/>
+    <p:sldId id="259" r:id="rId5"/>
+    <p:sldId id="260" r:id="rId6"/>
+    <p:sldId id="261" r:id="rId7"/>
+    <p:sldId id="262" r:id="rId8"/>
+    <p:sldId id="263" r:id="rId9"/>
+    <p:sldId id="264" r:id="rId10"/>
+    <p:sldId id="265" r:id="rId11"/>
+    <p:sldId id="266" r:id="rId12"/>
+    <p:sldId id="267" r:id="rId13"/>
   </p:sldIdLst>
-  <p:sldSz cy="5143500" cx="9144000"/>
+  <p:sldSz cx="9144000" cy="5143500" type="screen16x9"/>
   <p:notesSz cx="6858000" cy="9144000"/>
   <p:embeddedFontLst>
     <p:embeddedFont>
-      <p:font typeface="Amatic SC"/>
+      <p:font typeface="Amatic SC" panose="00000500000000000000" pitchFamily="2" charset="-79"/>
+      <p:regular r:id="rId15"/>
+      <p:bold r:id="rId16"/>
+    </p:embeddedFont>
+    <p:embeddedFont>
+      <p:font typeface="Impact" panose="020B0806030902050204" pitchFamily="34" charset="0"/>
+      <p:regular r:id="rId17"/>
+    </p:embeddedFont>
+    <p:embeddedFont>
+      <p:font typeface="Source Code Pro" panose="020B0509030403020204" pitchFamily="49" charset="0"/>
       <p:regular r:id="rId18"/>
       <p:bold r:id="rId19"/>
-    </p:embeddedFont>
-    <p:embeddedFont>
-      <p:font typeface="Source Code Pro"/>
-      <p:regular r:id="rId20"/>
-      <p:bold r:id="rId21"/>
-      <p:italic r:id="rId22"/>
-      <p:boldItalic r:id="rId23"/>
+      <p:italic r:id="rId20"/>
+      <p:boldItalic r:id="rId21"/>
     </p:embeddedFont>
   </p:embeddedFontLst>
   <p:defaultTextStyle>
-    <a:defPPr lvl="0" marR="0" rtl="0" algn="l">
+    <a:defPPr marR="0" lvl="0" algn="l" rtl="0">
       <a:lnSpc>
         <a:spcPct val="100000"/>
       </a:lnSpc>
@@ -49,7 +53,7 @@
         <a:spcPts val="0"/>
       </a:spcAft>
     </a:defPPr>
-    <a:lvl1pPr lvl="0" marR="0" rtl="0" algn="l">
+    <a:lvl1pPr marR="0" lvl="0" algn="l" rtl="0">
       <a:lnSpc>
         <a:spcPct val="100000"/>
       </a:lnSpc>
@@ -63,7 +67,7 @@
         <a:srgbClr val="000000"/>
       </a:buClr>
       <a:buFont typeface="Arial"/>
-      <a:defRPr b="0" i="0" sz="1400" u="none" cap="none" strike="noStrike">
+      <a:defRPr sz="1400" b="0" i="0" u="none" strike="noStrike" cap="none">
         <a:solidFill>
           <a:srgbClr val="000000"/>
         </a:solidFill>
@@ -73,7 +77,7 @@
         <a:sym typeface="Arial"/>
       </a:defRPr>
     </a:lvl1pPr>
-    <a:lvl2pPr lvl="1" marR="0" rtl="0" algn="l">
+    <a:lvl2pPr marR="0" lvl="1" algn="l" rtl="0">
       <a:lnSpc>
         <a:spcPct val="100000"/>
       </a:lnSpc>
@@ -87,7 +91,7 @@
         <a:srgbClr val="000000"/>
       </a:buClr>
       <a:buFont typeface="Arial"/>
-      <a:defRPr b="0" i="0" sz="1400" u="none" cap="none" strike="noStrike">
+      <a:defRPr sz="1400" b="0" i="0" u="none" strike="noStrike" cap="none">
         <a:solidFill>
           <a:srgbClr val="000000"/>
         </a:solidFill>
@@ -97,7 +101,7 @@
         <a:sym typeface="Arial"/>
       </a:defRPr>
     </a:lvl2pPr>
-    <a:lvl3pPr lvl="2" marR="0" rtl="0" algn="l">
+    <a:lvl3pPr marR="0" lvl="2" algn="l" rtl="0">
       <a:lnSpc>
         <a:spcPct val="100000"/>
       </a:lnSpc>
@@ -111,7 +115,7 @@
         <a:srgbClr val="000000"/>
       </a:buClr>
       <a:buFont typeface="Arial"/>
-      <a:defRPr b="0" i="0" sz="1400" u="none" cap="none" strike="noStrike">
+      <a:defRPr sz="1400" b="0" i="0" u="none" strike="noStrike" cap="none">
         <a:solidFill>
           <a:srgbClr val="000000"/>
         </a:solidFill>
@@ -121,7 +125,7 @@
         <a:sym typeface="Arial"/>
       </a:defRPr>
     </a:lvl3pPr>
-    <a:lvl4pPr lvl="3" marR="0" rtl="0" algn="l">
+    <a:lvl4pPr marR="0" lvl="3" algn="l" rtl="0">
       <a:lnSpc>
         <a:spcPct val="100000"/>
       </a:lnSpc>
@@ -135,7 +139,7 @@
         <a:srgbClr val="000000"/>
       </a:buClr>
       <a:buFont typeface="Arial"/>
-      <a:defRPr b="0" i="0" sz="1400" u="none" cap="none" strike="noStrike">
+      <a:defRPr sz="1400" b="0" i="0" u="none" strike="noStrike" cap="none">
         <a:solidFill>
           <a:srgbClr val="000000"/>
         </a:solidFill>
@@ -145,7 +149,7 @@
         <a:sym typeface="Arial"/>
       </a:defRPr>
     </a:lvl4pPr>
-    <a:lvl5pPr lvl="4" marR="0" rtl="0" algn="l">
+    <a:lvl5pPr marR="0" lvl="4" algn="l" rtl="0">
       <a:lnSpc>
         <a:spcPct val="100000"/>
       </a:lnSpc>
@@ -159,7 +163,7 @@
         <a:srgbClr val="000000"/>
       </a:buClr>
       <a:buFont typeface="Arial"/>
-      <a:defRPr b="0" i="0" sz="1400" u="none" cap="none" strike="noStrike">
+      <a:defRPr sz="1400" b="0" i="0" u="none" strike="noStrike" cap="none">
         <a:solidFill>
           <a:srgbClr val="000000"/>
         </a:solidFill>
@@ -169,7 +173,7 @@
         <a:sym typeface="Arial"/>
       </a:defRPr>
     </a:lvl5pPr>
-    <a:lvl6pPr lvl="5" marR="0" rtl="0" algn="l">
+    <a:lvl6pPr marR="0" lvl="5" algn="l" rtl="0">
       <a:lnSpc>
         <a:spcPct val="100000"/>
       </a:lnSpc>
@@ -183,7 +187,7 @@
         <a:srgbClr val="000000"/>
       </a:buClr>
       <a:buFont typeface="Arial"/>
-      <a:defRPr b="0" i="0" sz="1400" u="none" cap="none" strike="noStrike">
+      <a:defRPr sz="1400" b="0" i="0" u="none" strike="noStrike" cap="none">
         <a:solidFill>
           <a:srgbClr val="000000"/>
         </a:solidFill>
@@ -193,7 +197,7 @@
         <a:sym typeface="Arial"/>
       </a:defRPr>
     </a:lvl6pPr>
-    <a:lvl7pPr lvl="6" marR="0" rtl="0" algn="l">
+    <a:lvl7pPr marR="0" lvl="6" algn="l" rtl="0">
       <a:lnSpc>
         <a:spcPct val="100000"/>
       </a:lnSpc>
@@ -207,7 +211,7 @@
         <a:srgbClr val="000000"/>
       </a:buClr>
       <a:buFont typeface="Arial"/>
-      <a:defRPr b="0" i="0" sz="1400" u="none" cap="none" strike="noStrike">
+      <a:defRPr sz="1400" b="0" i="0" u="none" strike="noStrike" cap="none">
         <a:solidFill>
           <a:srgbClr val="000000"/>
         </a:solidFill>
@@ -217,7 +221,7 @@
         <a:sym typeface="Arial"/>
       </a:defRPr>
     </a:lvl7pPr>
-    <a:lvl8pPr lvl="7" marR="0" rtl="0" algn="l">
+    <a:lvl8pPr marR="0" lvl="7" algn="l" rtl="0">
       <a:lnSpc>
         <a:spcPct val="100000"/>
       </a:lnSpc>
@@ -231,7 +235,7 @@
         <a:srgbClr val="000000"/>
       </a:buClr>
       <a:buFont typeface="Arial"/>
-      <a:defRPr b="0" i="0" sz="1400" u="none" cap="none" strike="noStrike">
+      <a:defRPr sz="1400" b="0" i="0" u="none" strike="noStrike" cap="none">
         <a:solidFill>
           <a:srgbClr val="000000"/>
         </a:solidFill>
@@ -241,7 +245,7 @@
         <a:sym typeface="Arial"/>
       </a:defRPr>
     </a:lvl8pPr>
-    <a:lvl9pPr lvl="8" marR="0" rtl="0" algn="l">
+    <a:lvl9pPr marR="0" lvl="8" algn="l" rtl="0">
       <a:lnSpc>
         <a:spcPct val="100000"/>
       </a:lnSpc>
@@ -255,7 +259,7 @@
         <a:srgbClr val="000000"/>
       </a:buClr>
       <a:buFont typeface="Arial"/>
-      <a:defRPr b="0" i="0" sz="1400" u="none" cap="none" strike="noStrike">
+      <a:defRPr sz="1400" b="0" i="0" u="none" strike="noStrike" cap="none">
         <a:solidFill>
           <a:srgbClr val="000000"/>
         </a:solidFill>
@@ -268,7 +272,7 @@
   </p:defaultTextStyle>
   <p:extLst>
     <p:ext uri="{EFAFB233-063F-42B5-8137-9DF3F51BA10A}">
-      <p15:sldGuideLst>
+      <p15:sldGuideLst xmlns:p15="http://schemas.microsoft.com/office/powerpoint/2012/main">
         <p15:guide id="1" orient="horz" pos="1620">
           <p15:clr>
             <a:srgbClr val="747775"/>
@@ -286,11 +290,16 @@
 </file>
 
 <file path=ppt/notesMasters/notesMaster1.xml><?xml version="1.0" encoding="utf-8"?>
-<p:notesMaster xmlns:a="http://schemas.openxmlformats.org/drawingml/2006/main" xmlns:r="http://schemas.openxmlformats.org/officeDocument/2006/relationships" xmlns:mc="http://schemas.openxmlformats.org/markup-compatibility/2006" xmlns:mv="urn:schemas-microsoft-com:mac:vml" xmlns:p="http://schemas.openxmlformats.org/presentationml/2006/main" xmlns:c="http://schemas.openxmlformats.org/drawingml/2006/chart" xmlns:dgm="http://schemas.openxmlformats.org/drawingml/2006/diagram" xmlns:o="urn:schemas-microsoft-com:office:office" xmlns:v="urn:schemas-microsoft-com:vml" xmlns:pvml="urn:schemas-microsoft-com:office:powerpoint" xmlns:com="http://schemas.openxmlformats.org/drawingml/2006/compatibility" xmlns:p14="http://schemas.microsoft.com/office/powerpoint/2010/main" xmlns:p15="http://schemas.microsoft.com/office/powerpoint/2012/main" xmlns:ahyp="http://schemas.microsoft.com/office/drawing/2018/hyperlinkcolor">
+<p:notesMaster xmlns:a="http://schemas.openxmlformats.org/drawingml/2006/main" xmlns:r="http://schemas.openxmlformats.org/officeDocument/2006/relationships" xmlns:p="http://schemas.openxmlformats.org/presentationml/2006/main">
   <p:cSld>
+    <p:bg>
+      <p:bgRef idx="1001">
+        <a:schemeClr val="bg1"/>
+      </p:bgRef>
+    </p:bg>
     <p:spTree>
       <p:nvGrpSpPr>
-        <p:cNvPr id="2" name="Shape 2"/>
+        <p:cNvPr id="1" name="Shape 2"/>
         <p:cNvGrpSpPr/>
         <p:nvPr/>
       </p:nvGrpSpPr>
@@ -305,9 +314,11 @@
       <p:sp>
         <p:nvSpPr>
           <p:cNvPr id="3" name="Google Shape;3;n"/>
-          <p:cNvSpPr/>
+          <p:cNvSpPr>
+            <a:spLocks noGrp="1" noRot="1" noChangeAspect="1"/>
+          </p:cNvSpPr>
           <p:nvPr>
-            <p:ph idx="2" type="sldImg"/>
+            <p:ph type="sldImg" idx="2"/>
           </p:nvPr>
         </p:nvSpPr>
         <p:spPr>
@@ -316,9 +327,13 @@
             <a:ext cx="6096075" cy="3429000"/>
           </a:xfrm>
           <a:custGeom>
-            <a:rect b="b" l="l" r="r" t="t"/>
+            <a:avLst/>
+            <a:gdLst/>
+            <a:ahLst/>
+            <a:cxnLst/>
+            <a:rect l="l" t="t" r="r" b="b"/>
             <a:pathLst>
-              <a:path extrusionOk="0" h="120000" w="120000">
+              <a:path w="120000" h="120000" extrusionOk="0">
                 <a:moveTo>
                   <a:pt x="0" y="0"/>
                 </a:moveTo>
@@ -336,23 +351,25 @@
             </a:pathLst>
           </a:custGeom>
           <a:noFill/>
-          <a:ln cap="flat" cmpd="sng" w="9525">
+          <a:ln w="9525" cap="flat" cmpd="sng">
             <a:solidFill>
               <a:srgbClr val="000000"/>
             </a:solidFill>
             <a:prstDash val="solid"/>
             <a:round/>
-            <a:headEnd len="sm" w="sm" type="none"/>
-            <a:tailEnd len="sm" w="sm" type="none"/>
+            <a:headEnd type="none" w="sm" len="sm"/>
+            <a:tailEnd type="none" w="sm" len="sm"/>
           </a:ln>
         </p:spPr>
       </p:sp>
       <p:sp>
         <p:nvSpPr>
           <p:cNvPr id="4" name="Google Shape;4;n"/>
-          <p:cNvSpPr txBox="1"/>
+          <p:cNvSpPr txBox="1">
+            <a:spLocks noGrp="1"/>
+          </p:cNvSpPr>
           <p:nvPr>
-            <p:ph idx="1" type="body"/>
+            <p:ph type="body" idx="1"/>
           </p:nvPr>
         </p:nvSpPr>
         <p:spPr>
@@ -369,11 +386,11 @@
           </a:ln>
         </p:spPr>
         <p:txBody>
-          <a:bodyPr anchorCtr="0" anchor="t" bIns="91425" lIns="91425" spcFirstLastPara="1" rIns="91425" wrap="square" tIns="91425">
+          <a:bodyPr spcFirstLastPara="1" wrap="square" lIns="91425" tIns="91425" rIns="91425" bIns="91425" anchor="t" anchorCtr="0">
             <a:noAutofit/>
           </a:bodyPr>
           <a:lstStyle>
-            <a:lvl1pPr indent="-298450" lvl="0" marL="457200">
+            <a:lvl1pPr marL="457200" lvl="0" indent="-298450">
               <a:spcBef>
                 <a:spcPts val="0"/>
               </a:spcBef>
@@ -384,7 +401,7 @@
               <a:buChar char="●"/>
               <a:defRPr sz="1100"/>
             </a:lvl1pPr>
-            <a:lvl2pPr indent="-298450" lvl="1" marL="914400">
+            <a:lvl2pPr marL="914400" lvl="1" indent="-298450">
               <a:spcBef>
                 <a:spcPts val="0"/>
               </a:spcBef>
@@ -395,7 +412,7 @@
               <a:buChar char="○"/>
               <a:defRPr sz="1100"/>
             </a:lvl2pPr>
-            <a:lvl3pPr indent="-298450" lvl="2" marL="1371600">
+            <a:lvl3pPr marL="1371600" lvl="2" indent="-298450">
               <a:spcBef>
                 <a:spcPts val="0"/>
               </a:spcBef>
@@ -406,7 +423,7 @@
               <a:buChar char="■"/>
               <a:defRPr sz="1100"/>
             </a:lvl3pPr>
-            <a:lvl4pPr indent="-298450" lvl="3" marL="1828800">
+            <a:lvl4pPr marL="1828800" lvl="3" indent="-298450">
               <a:spcBef>
                 <a:spcPts val="0"/>
               </a:spcBef>
@@ -417,7 +434,7 @@
               <a:buChar char="●"/>
               <a:defRPr sz="1100"/>
             </a:lvl4pPr>
-            <a:lvl5pPr indent="-298450" lvl="4" marL="2286000">
+            <a:lvl5pPr marL="2286000" lvl="4" indent="-298450">
               <a:spcBef>
                 <a:spcPts val="0"/>
               </a:spcBef>
@@ -428,7 +445,7 @@
               <a:buChar char="○"/>
               <a:defRPr sz="1100"/>
             </a:lvl5pPr>
-            <a:lvl6pPr indent="-298450" lvl="5" marL="2743200">
+            <a:lvl6pPr marL="2743200" lvl="5" indent="-298450">
               <a:spcBef>
                 <a:spcPts val="0"/>
               </a:spcBef>
@@ -439,7 +456,7 @@
               <a:buChar char="■"/>
               <a:defRPr sz="1100"/>
             </a:lvl6pPr>
-            <a:lvl7pPr indent="-298450" lvl="6" marL="3200400">
+            <a:lvl7pPr marL="3200400" lvl="6" indent="-298450">
               <a:spcBef>
                 <a:spcPts val="0"/>
               </a:spcBef>
@@ -450,7 +467,7 @@
               <a:buChar char="●"/>
               <a:defRPr sz="1100"/>
             </a:lvl7pPr>
-            <a:lvl8pPr indent="-298450" lvl="7" marL="3657600">
+            <a:lvl8pPr marL="3657600" lvl="7" indent="-298450">
               <a:spcBef>
                 <a:spcPts val="0"/>
               </a:spcBef>
@@ -461,7 +478,7 @@
               <a:buChar char="○"/>
               <a:defRPr sz="1100"/>
             </a:lvl8pPr>
-            <a:lvl9pPr indent="-298450" lvl="8" marL="4114800">
+            <a:lvl9pPr marL="4114800" lvl="8" indent="-298450">
               <a:spcBef>
                 <a:spcPts val="0"/>
               </a:spcBef>
@@ -473,14 +490,16 @@
               <a:defRPr sz="1100"/>
             </a:lvl9pPr>
           </a:lstStyle>
-          <a:p/>
+          <a:p>
+            <a:endParaRPr/>
+          </a:p>
         </p:txBody>
       </p:sp>
     </p:spTree>
   </p:cSld>
-  <p:clrMap accent1="accent1" accent2="accent2" accent3="accent3" accent4="accent4" accent5="accent5" accent6="accent6" bg1="lt1" bg2="dk2" tx1="dk1" tx2="lt2" folHlink="folHlink" hlink="hlink"/>
+  <p:clrMap bg1="lt1" tx1="dk1" bg2="dk2" tx2="lt2" accent1="accent1" accent2="accent2" accent3="accent3" accent4="accent4" accent5="accent5" accent6="accent6" hlink="hlink" folHlink="folHlink"/>
   <p:notesStyle>
-    <a:defPPr lvl="0" marR="0" rtl="0" algn="l">
+    <a:defPPr marR="0" lvl="0" algn="l" rtl="0">
       <a:lnSpc>
         <a:spcPct val="100000"/>
       </a:lnSpc>
@@ -491,7 +510,7 @@
         <a:spcPts val="0"/>
       </a:spcAft>
     </a:defPPr>
-    <a:lvl1pPr lvl="0" marR="0" rtl="0" algn="l">
+    <a:lvl1pPr marR="0" lvl="0" algn="l" rtl="0">
       <a:lnSpc>
         <a:spcPct val="100000"/>
       </a:lnSpc>
@@ -505,7 +524,7 @@
         <a:srgbClr val="000000"/>
       </a:buClr>
       <a:buFont typeface="Arial"/>
-      <a:defRPr b="0" i="0" sz="1400" u="none" cap="none" strike="noStrike">
+      <a:defRPr sz="1400" b="0" i="0" u="none" strike="noStrike" cap="none">
         <a:solidFill>
           <a:srgbClr val="000000"/>
         </a:solidFill>
@@ -515,7 +534,7 @@
         <a:sym typeface="Arial"/>
       </a:defRPr>
     </a:lvl1pPr>
-    <a:lvl2pPr lvl="1" marR="0" rtl="0" algn="l">
+    <a:lvl2pPr marR="0" lvl="1" algn="l" rtl="0">
       <a:lnSpc>
         <a:spcPct val="100000"/>
       </a:lnSpc>
@@ -529,7 +548,7 @@
         <a:srgbClr val="000000"/>
       </a:buClr>
       <a:buFont typeface="Arial"/>
-      <a:defRPr b="0" i="0" sz="1400" u="none" cap="none" strike="noStrike">
+      <a:defRPr sz="1400" b="0" i="0" u="none" strike="noStrike" cap="none">
         <a:solidFill>
           <a:srgbClr val="000000"/>
         </a:solidFill>
@@ -539,7 +558,7 @@
         <a:sym typeface="Arial"/>
       </a:defRPr>
     </a:lvl2pPr>
-    <a:lvl3pPr lvl="2" marR="0" rtl="0" algn="l">
+    <a:lvl3pPr marR="0" lvl="2" algn="l" rtl="0">
       <a:lnSpc>
         <a:spcPct val="100000"/>
       </a:lnSpc>
@@ -553,7 +572,7 @@
         <a:srgbClr val="000000"/>
       </a:buClr>
       <a:buFont typeface="Arial"/>
-      <a:defRPr b="0" i="0" sz="1400" u="none" cap="none" strike="noStrike">
+      <a:defRPr sz="1400" b="0" i="0" u="none" strike="noStrike" cap="none">
         <a:solidFill>
           <a:srgbClr val="000000"/>
         </a:solidFill>
@@ -563,7 +582,7 @@
         <a:sym typeface="Arial"/>
       </a:defRPr>
     </a:lvl3pPr>
-    <a:lvl4pPr lvl="3" marR="0" rtl="0" algn="l">
+    <a:lvl4pPr marR="0" lvl="3" algn="l" rtl="0">
       <a:lnSpc>
         <a:spcPct val="100000"/>
       </a:lnSpc>
@@ -577,7 +596,7 @@
         <a:srgbClr val="000000"/>
       </a:buClr>
       <a:buFont typeface="Arial"/>
-      <a:defRPr b="0" i="0" sz="1400" u="none" cap="none" strike="noStrike">
+      <a:defRPr sz="1400" b="0" i="0" u="none" strike="noStrike" cap="none">
         <a:solidFill>
           <a:srgbClr val="000000"/>
         </a:solidFill>
@@ -587,7 +606,7 @@
         <a:sym typeface="Arial"/>
       </a:defRPr>
     </a:lvl4pPr>
-    <a:lvl5pPr lvl="4" marR="0" rtl="0" algn="l">
+    <a:lvl5pPr marR="0" lvl="4" algn="l" rtl="0">
       <a:lnSpc>
         <a:spcPct val="100000"/>
       </a:lnSpc>
@@ -601,7 +620,7 @@
         <a:srgbClr val="000000"/>
       </a:buClr>
       <a:buFont typeface="Arial"/>
-      <a:defRPr b="0" i="0" sz="1400" u="none" cap="none" strike="noStrike">
+      <a:defRPr sz="1400" b="0" i="0" u="none" strike="noStrike" cap="none">
         <a:solidFill>
           <a:srgbClr val="000000"/>
         </a:solidFill>
@@ -611,7 +630,7 @@
         <a:sym typeface="Arial"/>
       </a:defRPr>
     </a:lvl5pPr>
-    <a:lvl6pPr lvl="5" marR="0" rtl="0" algn="l">
+    <a:lvl6pPr marR="0" lvl="5" algn="l" rtl="0">
       <a:lnSpc>
         <a:spcPct val="100000"/>
       </a:lnSpc>
@@ -625,7 +644,7 @@
         <a:srgbClr val="000000"/>
       </a:buClr>
       <a:buFont typeface="Arial"/>
-      <a:defRPr b="0" i="0" sz="1400" u="none" cap="none" strike="noStrike">
+      <a:defRPr sz="1400" b="0" i="0" u="none" strike="noStrike" cap="none">
         <a:solidFill>
           <a:srgbClr val="000000"/>
         </a:solidFill>
@@ -635,7 +654,7 @@
         <a:sym typeface="Arial"/>
       </a:defRPr>
     </a:lvl6pPr>
-    <a:lvl7pPr lvl="6" marR="0" rtl="0" algn="l">
+    <a:lvl7pPr marR="0" lvl="6" algn="l" rtl="0">
       <a:lnSpc>
         <a:spcPct val="100000"/>
       </a:lnSpc>
@@ -649,7 +668,7 @@
         <a:srgbClr val="000000"/>
       </a:buClr>
       <a:buFont typeface="Arial"/>
-      <a:defRPr b="0" i="0" sz="1400" u="none" cap="none" strike="noStrike">
+      <a:defRPr sz="1400" b="0" i="0" u="none" strike="noStrike" cap="none">
         <a:solidFill>
           <a:srgbClr val="000000"/>
         </a:solidFill>
@@ -659,7 +678,7 @@
         <a:sym typeface="Arial"/>
       </a:defRPr>
     </a:lvl7pPr>
-    <a:lvl8pPr lvl="7" marR="0" rtl="0" algn="l">
+    <a:lvl8pPr marR="0" lvl="7" algn="l" rtl="0">
       <a:lnSpc>
         <a:spcPct val="100000"/>
       </a:lnSpc>
@@ -673,7 +692,7 @@
         <a:srgbClr val="000000"/>
       </a:buClr>
       <a:buFont typeface="Arial"/>
-      <a:defRPr b="0" i="0" sz="1400" u="none" cap="none" strike="noStrike">
+      <a:defRPr sz="1400" b="0" i="0" u="none" strike="noStrike" cap="none">
         <a:solidFill>
           <a:srgbClr val="000000"/>
         </a:solidFill>
@@ -683,7 +702,7 @@
         <a:sym typeface="Arial"/>
       </a:defRPr>
     </a:lvl8pPr>
-    <a:lvl9pPr lvl="8" marR="0" rtl="0" algn="l">
+    <a:lvl9pPr marR="0" lvl="8" algn="l" rtl="0">
       <a:lnSpc>
         <a:spcPct val="100000"/>
       </a:lnSpc>
@@ -697,7 +716,7 @@
         <a:srgbClr val="000000"/>
       </a:buClr>
       <a:buFont typeface="Arial"/>
-      <a:defRPr b="0" i="0" sz="1400" u="none" cap="none" strike="noStrike">
+      <a:defRPr sz="1400" b="0" i="0" u="none" strike="noStrike" cap="none">
         <a:solidFill>
           <a:srgbClr val="000000"/>
         </a:solidFill>
@@ -712,11 +731,11 @@
 </file>
 
 <file path=ppt/notesSlides/notesSlide1.xml><?xml version="1.0" encoding="utf-8"?>
-<p:notes xmlns:a="http://schemas.openxmlformats.org/drawingml/2006/main" xmlns:r="http://schemas.openxmlformats.org/officeDocument/2006/relationships" xmlns:mc="http://schemas.openxmlformats.org/markup-compatibility/2006" xmlns:mv="urn:schemas-microsoft-com:mac:vml" xmlns:p="http://schemas.openxmlformats.org/presentationml/2006/main" xmlns:c="http://schemas.openxmlformats.org/drawingml/2006/chart" xmlns:dgm="http://schemas.openxmlformats.org/drawingml/2006/diagram" xmlns:o="urn:schemas-microsoft-com:office:office" xmlns:v="urn:schemas-microsoft-com:vml" xmlns:pvml="urn:schemas-microsoft-com:office:powerpoint" xmlns:com="http://schemas.openxmlformats.org/drawingml/2006/compatibility" xmlns:p14="http://schemas.microsoft.com/office/powerpoint/2010/main" xmlns:p15="http://schemas.microsoft.com/office/powerpoint/2012/main" xmlns:ahyp="http://schemas.microsoft.com/office/drawing/2018/hyperlinkcolor" showMasterPhAnim="0" showMasterSp="0">
+<p:notes xmlns:a="http://schemas.openxmlformats.org/drawingml/2006/main" xmlns:r="http://schemas.openxmlformats.org/officeDocument/2006/relationships" xmlns:p="http://schemas.openxmlformats.org/presentationml/2006/main" showMasterSp="0" showMasterPhAnim="0">
   <p:cSld>
     <p:spTree>
       <p:nvGrpSpPr>
-        <p:cNvPr id="52" name="Shape 52"/>
+        <p:cNvPr id="1" name="Shape 52"/>
         <p:cNvGrpSpPr/>
         <p:nvPr/>
       </p:nvGrpSpPr>
@@ -731,20 +750,26 @@
       <p:sp>
         <p:nvSpPr>
           <p:cNvPr id="53" name="Google Shape;53;p:notes"/>
-          <p:cNvSpPr/>
+          <p:cNvSpPr>
+            <a:spLocks noGrp="1" noRot="1" noChangeAspect="1"/>
+          </p:cNvSpPr>
           <p:nvPr>
-            <p:ph idx="2" type="sldImg"/>
+            <p:ph type="sldImg" idx="2"/>
           </p:nvPr>
         </p:nvSpPr>
         <p:spPr>
           <a:xfrm>
-            <a:off x="381300" y="685800"/>
-            <a:ext cx="6096075" cy="3429000"/>
+            <a:off x="381000" y="685800"/>
+            <a:ext cx="6096000" cy="3429000"/>
           </a:xfrm>
           <a:custGeom>
-            <a:rect b="b" l="l" r="r" t="t"/>
+            <a:avLst/>
+            <a:gdLst/>
+            <a:ahLst/>
+            <a:cxnLst/>
+            <a:rect l="l" t="t" r="r" b="b"/>
             <a:pathLst>
-              <a:path extrusionOk="0" h="120000" w="120000">
+              <a:path w="120000" h="120000" extrusionOk="0">
                 <a:moveTo>
                   <a:pt x="0" y="0"/>
                 </a:moveTo>
@@ -766,9 +791,11 @@
       <p:sp>
         <p:nvSpPr>
           <p:cNvPr id="54" name="Google Shape;54;p:notes"/>
-          <p:cNvSpPr txBox="1"/>
+          <p:cNvSpPr txBox="1">
+            <a:spLocks noGrp="1"/>
+          </p:cNvSpPr>
           <p:nvPr>
-            <p:ph idx="1" type="body"/>
+            <p:ph type="body" idx="1"/>
           </p:nvPr>
         </p:nvSpPr>
         <p:spPr>
@@ -781,12 +808,12 @@
           </a:prstGeom>
         </p:spPr>
         <p:txBody>
-          <a:bodyPr anchorCtr="0" anchor="t" bIns="91425" lIns="91425" spcFirstLastPara="1" rIns="91425" wrap="square" tIns="91425">
+          <a:bodyPr spcFirstLastPara="1" wrap="square" lIns="91425" tIns="91425" rIns="91425" bIns="91425" anchor="t" anchorCtr="0">
             <a:noAutofit/>
           </a:bodyPr>
           <a:lstStyle/>
           <a:p>
-            <a:pPr indent="0" lvl="0" marL="0" rtl="0" algn="l">
+            <a:pPr marL="0" lvl="0" indent="0" algn="l" rtl="0">
               <a:spcBef>
                 <a:spcPts val="0"/>
               </a:spcBef>
@@ -795,14 +822,16 @@
               </a:spcAft>
               <a:buNone/>
             </a:pPr>
-            <a:r>
-              <a:t/>
-            </a:r>
             <a:endParaRPr/>
           </a:p>
         </p:txBody>
       </p:sp>
     </p:spTree>
+    <p:extLst>
+      <p:ext uri="{BB962C8B-B14F-4D97-AF65-F5344CB8AC3E}">
+        <p14:creationId xmlns:p14="http://schemas.microsoft.com/office/powerpoint/2010/main" val="2151116275"/>
+      </p:ext>
+    </p:extLst>
   </p:cSld>
   <p:clrMapOvr>
     <a:masterClrMapping/>
@@ -811,11 +840,11 @@
 </file>
 
 <file path=ppt/notesSlides/notesSlide10.xml><?xml version="1.0" encoding="utf-8"?>
-<p:notes xmlns:a="http://schemas.openxmlformats.org/drawingml/2006/main" xmlns:r="http://schemas.openxmlformats.org/officeDocument/2006/relationships" xmlns:mc="http://schemas.openxmlformats.org/markup-compatibility/2006" xmlns:mv="urn:schemas-microsoft-com:mac:vml" xmlns:p="http://schemas.openxmlformats.org/presentationml/2006/main" xmlns:c="http://schemas.openxmlformats.org/drawingml/2006/chart" xmlns:dgm="http://schemas.openxmlformats.org/drawingml/2006/diagram" xmlns:o="urn:schemas-microsoft-com:office:office" xmlns:v="urn:schemas-microsoft-com:vml" xmlns:pvml="urn:schemas-microsoft-com:office:powerpoint" xmlns:com="http://schemas.openxmlformats.org/drawingml/2006/compatibility" xmlns:p14="http://schemas.microsoft.com/office/powerpoint/2010/main" xmlns:p15="http://schemas.microsoft.com/office/powerpoint/2012/main" xmlns:ahyp="http://schemas.microsoft.com/office/drawing/2018/hyperlinkcolor" showMasterPhAnim="0" showMasterSp="0">
+<p:notes xmlns:a="http://schemas.openxmlformats.org/drawingml/2006/main" xmlns:r="http://schemas.openxmlformats.org/officeDocument/2006/relationships" xmlns:p="http://schemas.openxmlformats.org/presentationml/2006/main" showMasterSp="0" showMasterPhAnim="0">
   <p:cSld>
     <p:spTree>
       <p:nvGrpSpPr>
-        <p:cNvPr id="135" name="Shape 135"/>
+        <p:cNvPr id="1" name="Shape 135"/>
         <p:cNvGrpSpPr/>
         <p:nvPr/>
       </p:nvGrpSpPr>
@@ -830,9 +859,11 @@
       <p:sp>
         <p:nvSpPr>
           <p:cNvPr id="136" name="Google Shape;136;g24ed643876b_0_234:notes"/>
-          <p:cNvSpPr/>
+          <p:cNvSpPr>
+            <a:spLocks noGrp="1" noRot="1" noChangeAspect="1"/>
+          </p:cNvSpPr>
           <p:nvPr>
-            <p:ph idx="2" type="sldImg"/>
+            <p:ph type="sldImg" idx="2"/>
           </p:nvPr>
         </p:nvSpPr>
         <p:spPr>
@@ -841,9 +872,13 @@
             <a:ext cx="6096000" cy="3429000"/>
           </a:xfrm>
           <a:custGeom>
-            <a:rect b="b" l="l" r="r" t="t"/>
+            <a:avLst/>
+            <a:gdLst/>
+            <a:ahLst/>
+            <a:cxnLst/>
+            <a:rect l="l" t="t" r="r" b="b"/>
             <a:pathLst>
-              <a:path extrusionOk="0" h="120000" w="120000">
+              <a:path w="120000" h="120000" extrusionOk="0">
                 <a:moveTo>
                   <a:pt x="0" y="0"/>
                 </a:moveTo>
@@ -865,9 +900,11 @@
       <p:sp>
         <p:nvSpPr>
           <p:cNvPr id="137" name="Google Shape;137;g24ed643876b_0_234:notes"/>
-          <p:cNvSpPr txBox="1"/>
+          <p:cNvSpPr txBox="1">
+            <a:spLocks noGrp="1"/>
+          </p:cNvSpPr>
           <p:nvPr>
-            <p:ph idx="1" type="body"/>
+            <p:ph type="body" idx="1"/>
           </p:nvPr>
         </p:nvSpPr>
         <p:spPr>
@@ -880,12 +917,12 @@
           </a:prstGeom>
         </p:spPr>
         <p:txBody>
-          <a:bodyPr anchorCtr="0" anchor="t" bIns="91425" lIns="91425" spcFirstLastPara="1" rIns="91425" wrap="square" tIns="91425">
+          <a:bodyPr spcFirstLastPara="1" wrap="square" lIns="91425" tIns="91425" rIns="91425" bIns="91425" anchor="t" anchorCtr="0">
             <a:noAutofit/>
           </a:bodyPr>
           <a:lstStyle/>
           <a:p>
-            <a:pPr indent="0" lvl="0" marL="0" rtl="0" algn="l">
+            <a:pPr marL="0" lvl="0" indent="0" algn="l" rtl="0">
               <a:spcBef>
                 <a:spcPts val="0"/>
               </a:spcBef>
@@ -894,9 +931,6 @@
               </a:spcAft>
               <a:buNone/>
             </a:pPr>
-            <a:r>
-              <a:t/>
-            </a:r>
             <a:endParaRPr/>
           </a:p>
         </p:txBody>
@@ -910,11 +944,11 @@
 </file>
 
 <file path=ppt/notesSlides/notesSlide11.xml><?xml version="1.0" encoding="utf-8"?>
-<p:notes xmlns:a="http://schemas.openxmlformats.org/drawingml/2006/main" xmlns:r="http://schemas.openxmlformats.org/officeDocument/2006/relationships" xmlns:mc="http://schemas.openxmlformats.org/markup-compatibility/2006" xmlns:mv="urn:schemas-microsoft-com:mac:vml" xmlns:p="http://schemas.openxmlformats.org/presentationml/2006/main" xmlns:c="http://schemas.openxmlformats.org/drawingml/2006/chart" xmlns:dgm="http://schemas.openxmlformats.org/drawingml/2006/diagram" xmlns:o="urn:schemas-microsoft-com:office:office" xmlns:v="urn:schemas-microsoft-com:vml" xmlns:pvml="urn:schemas-microsoft-com:office:powerpoint" xmlns:com="http://schemas.openxmlformats.org/drawingml/2006/compatibility" xmlns:p14="http://schemas.microsoft.com/office/powerpoint/2010/main" xmlns:p15="http://schemas.microsoft.com/office/powerpoint/2012/main" xmlns:ahyp="http://schemas.microsoft.com/office/drawing/2018/hyperlinkcolor" showMasterPhAnim="0" showMasterSp="0">
+<p:notes xmlns:a="http://schemas.openxmlformats.org/drawingml/2006/main" xmlns:r="http://schemas.openxmlformats.org/officeDocument/2006/relationships" xmlns:p="http://schemas.openxmlformats.org/presentationml/2006/main" showMasterSp="0" showMasterPhAnim="0">
   <p:cSld>
     <p:spTree>
       <p:nvGrpSpPr>
-        <p:cNvPr id="147" name="Shape 147"/>
+        <p:cNvPr id="1" name="Shape 147"/>
         <p:cNvGrpSpPr/>
         <p:nvPr/>
       </p:nvGrpSpPr>
@@ -929,9 +963,11 @@
       <p:sp>
         <p:nvSpPr>
           <p:cNvPr id="148" name="Google Shape;148;g24ed643876b_0_259:notes"/>
-          <p:cNvSpPr/>
+          <p:cNvSpPr>
+            <a:spLocks noGrp="1" noRot="1" noChangeAspect="1"/>
+          </p:cNvSpPr>
           <p:nvPr>
-            <p:ph idx="2" type="sldImg"/>
+            <p:ph type="sldImg" idx="2"/>
           </p:nvPr>
         </p:nvSpPr>
         <p:spPr>
@@ -940,9 +976,13 @@
             <a:ext cx="6096000" cy="3429000"/>
           </a:xfrm>
           <a:custGeom>
-            <a:rect b="b" l="l" r="r" t="t"/>
+            <a:avLst/>
+            <a:gdLst/>
+            <a:ahLst/>
+            <a:cxnLst/>
+            <a:rect l="l" t="t" r="r" b="b"/>
             <a:pathLst>
-              <a:path extrusionOk="0" h="120000" w="120000">
+              <a:path w="120000" h="120000" extrusionOk="0">
                 <a:moveTo>
                   <a:pt x="0" y="0"/>
                 </a:moveTo>
@@ -964,9 +1004,11 @@
       <p:sp>
         <p:nvSpPr>
           <p:cNvPr id="149" name="Google Shape;149;g24ed643876b_0_259:notes"/>
-          <p:cNvSpPr txBox="1"/>
+          <p:cNvSpPr txBox="1">
+            <a:spLocks noGrp="1"/>
+          </p:cNvSpPr>
           <p:nvPr>
-            <p:ph idx="1" type="body"/>
+            <p:ph type="body" idx="1"/>
           </p:nvPr>
         </p:nvSpPr>
         <p:spPr>
@@ -979,12 +1021,12 @@
           </a:prstGeom>
         </p:spPr>
         <p:txBody>
-          <a:bodyPr anchorCtr="0" anchor="t" bIns="91425" lIns="91425" spcFirstLastPara="1" rIns="91425" wrap="square" tIns="91425">
+          <a:bodyPr spcFirstLastPara="1" wrap="square" lIns="91425" tIns="91425" rIns="91425" bIns="91425" anchor="t" anchorCtr="0">
             <a:noAutofit/>
           </a:bodyPr>
           <a:lstStyle/>
           <a:p>
-            <a:pPr indent="0" lvl="0" marL="0" rtl="0" algn="l">
+            <a:pPr marL="0" lvl="0" indent="0" algn="l" rtl="0">
               <a:spcBef>
                 <a:spcPts val="0"/>
               </a:spcBef>
@@ -993,9 +1035,6 @@
               </a:spcAft>
               <a:buNone/>
             </a:pPr>
-            <a:r>
-              <a:t/>
-            </a:r>
             <a:endParaRPr/>
           </a:p>
         </p:txBody>
@@ -1009,11 +1048,11 @@
 </file>
 
 <file path=ppt/notesSlides/notesSlide12.xml><?xml version="1.0" encoding="utf-8"?>
-<p:notes xmlns:a="http://schemas.openxmlformats.org/drawingml/2006/main" xmlns:r="http://schemas.openxmlformats.org/officeDocument/2006/relationships" xmlns:mc="http://schemas.openxmlformats.org/markup-compatibility/2006" xmlns:mv="urn:schemas-microsoft-com:mac:vml" xmlns:p="http://schemas.openxmlformats.org/presentationml/2006/main" xmlns:c="http://schemas.openxmlformats.org/drawingml/2006/chart" xmlns:dgm="http://schemas.openxmlformats.org/drawingml/2006/diagram" xmlns:o="urn:schemas-microsoft-com:office:office" xmlns:v="urn:schemas-microsoft-com:vml" xmlns:pvml="urn:schemas-microsoft-com:office:powerpoint" xmlns:com="http://schemas.openxmlformats.org/drawingml/2006/compatibility" xmlns:p14="http://schemas.microsoft.com/office/powerpoint/2010/main" xmlns:p15="http://schemas.microsoft.com/office/powerpoint/2012/main" xmlns:ahyp="http://schemas.microsoft.com/office/drawing/2018/hyperlinkcolor" showMasterPhAnim="0" showMasterSp="0">
+<p:notes xmlns:a="http://schemas.openxmlformats.org/drawingml/2006/main" xmlns:r="http://schemas.openxmlformats.org/officeDocument/2006/relationships" xmlns:p="http://schemas.openxmlformats.org/presentationml/2006/main" showMasterSp="0" showMasterPhAnim="0">
   <p:cSld>
     <p:spTree>
       <p:nvGrpSpPr>
-        <p:cNvPr id="156" name="Shape 156"/>
+        <p:cNvPr id="1" name="Shape 156"/>
         <p:cNvGrpSpPr/>
         <p:nvPr/>
       </p:nvGrpSpPr>
@@ -1028,9 +1067,11 @@
       <p:sp>
         <p:nvSpPr>
           <p:cNvPr id="157" name="Google Shape;157;g24ed643876b_0_248:notes"/>
-          <p:cNvSpPr/>
+          <p:cNvSpPr>
+            <a:spLocks noGrp="1" noRot="1" noChangeAspect="1"/>
+          </p:cNvSpPr>
           <p:nvPr>
-            <p:ph idx="2" type="sldImg"/>
+            <p:ph type="sldImg" idx="2"/>
           </p:nvPr>
         </p:nvSpPr>
         <p:spPr>
@@ -1039,9 +1080,13 @@
             <a:ext cx="6096000" cy="3429000"/>
           </a:xfrm>
           <a:custGeom>
-            <a:rect b="b" l="l" r="r" t="t"/>
+            <a:avLst/>
+            <a:gdLst/>
+            <a:ahLst/>
+            <a:cxnLst/>
+            <a:rect l="l" t="t" r="r" b="b"/>
             <a:pathLst>
-              <a:path extrusionOk="0" h="120000" w="120000">
+              <a:path w="120000" h="120000" extrusionOk="0">
                 <a:moveTo>
                   <a:pt x="0" y="0"/>
                 </a:moveTo>
@@ -1063,9 +1108,11 @@
       <p:sp>
         <p:nvSpPr>
           <p:cNvPr id="158" name="Google Shape;158;g24ed643876b_0_248:notes"/>
-          <p:cNvSpPr txBox="1"/>
+          <p:cNvSpPr txBox="1">
+            <a:spLocks noGrp="1"/>
+          </p:cNvSpPr>
           <p:nvPr>
-            <p:ph idx="1" type="body"/>
+            <p:ph type="body" idx="1"/>
           </p:nvPr>
         </p:nvSpPr>
         <p:spPr>
@@ -1078,12 +1125,12 @@
           </a:prstGeom>
         </p:spPr>
         <p:txBody>
-          <a:bodyPr anchorCtr="0" anchor="t" bIns="91425" lIns="91425" spcFirstLastPara="1" rIns="91425" wrap="square" tIns="91425">
+          <a:bodyPr spcFirstLastPara="1" wrap="square" lIns="91425" tIns="91425" rIns="91425" bIns="91425" anchor="t" anchorCtr="0">
             <a:noAutofit/>
           </a:bodyPr>
           <a:lstStyle/>
           <a:p>
-            <a:pPr indent="0" lvl="0" marL="0" rtl="0" algn="l">
+            <a:pPr marL="0" lvl="0" indent="0" algn="l" rtl="0">
               <a:spcBef>
                 <a:spcPts val="0"/>
               </a:spcBef>
@@ -1092,9 +1139,6 @@
               </a:spcAft>
               <a:buNone/>
             </a:pPr>
-            <a:r>
-              <a:t/>
-            </a:r>
             <a:endParaRPr/>
           </a:p>
         </p:txBody>
@@ -1108,11 +1152,11 @@
 </file>
 
 <file path=ppt/notesSlides/notesSlide2.xml><?xml version="1.0" encoding="utf-8"?>
-<p:notes xmlns:a="http://schemas.openxmlformats.org/drawingml/2006/main" xmlns:r="http://schemas.openxmlformats.org/officeDocument/2006/relationships" xmlns:mc="http://schemas.openxmlformats.org/markup-compatibility/2006" xmlns:mv="urn:schemas-microsoft-com:mac:vml" xmlns:p="http://schemas.openxmlformats.org/presentationml/2006/main" xmlns:c="http://schemas.openxmlformats.org/drawingml/2006/chart" xmlns:dgm="http://schemas.openxmlformats.org/drawingml/2006/diagram" xmlns:o="urn:schemas-microsoft-com:office:office" xmlns:v="urn:schemas-microsoft-com:vml" xmlns:pvml="urn:schemas-microsoft-com:office:powerpoint" xmlns:com="http://schemas.openxmlformats.org/drawingml/2006/compatibility" xmlns:p14="http://schemas.microsoft.com/office/powerpoint/2010/main" xmlns:p15="http://schemas.microsoft.com/office/powerpoint/2012/main" xmlns:ahyp="http://schemas.microsoft.com/office/drawing/2018/hyperlinkcolor" showMasterPhAnim="0" showMasterSp="0">
+<p:notes xmlns:a="http://schemas.openxmlformats.org/drawingml/2006/main" xmlns:r="http://schemas.openxmlformats.org/officeDocument/2006/relationships" xmlns:p="http://schemas.openxmlformats.org/presentationml/2006/main" showMasterSp="0" showMasterPhAnim="0">
   <p:cSld>
     <p:spTree>
       <p:nvGrpSpPr>
-        <p:cNvPr id="58" name="Shape 58"/>
+        <p:cNvPr id="1" name="Shape 58"/>
         <p:cNvGrpSpPr/>
         <p:nvPr/>
       </p:nvGrpSpPr>
@@ -1127,9 +1171,11 @@
       <p:sp>
         <p:nvSpPr>
           <p:cNvPr id="59" name="Google Shape;59;g24ed643876b_0_113:notes"/>
-          <p:cNvSpPr/>
+          <p:cNvSpPr>
+            <a:spLocks noGrp="1" noRot="1" noChangeAspect="1"/>
+          </p:cNvSpPr>
           <p:nvPr>
-            <p:ph idx="2" type="sldImg"/>
+            <p:ph type="sldImg" idx="2"/>
           </p:nvPr>
         </p:nvSpPr>
         <p:spPr>
@@ -1138,9 +1184,13 @@
             <a:ext cx="6096000" cy="3429000"/>
           </a:xfrm>
           <a:custGeom>
-            <a:rect b="b" l="l" r="r" t="t"/>
+            <a:avLst/>
+            <a:gdLst/>
+            <a:ahLst/>
+            <a:cxnLst/>
+            <a:rect l="l" t="t" r="r" b="b"/>
             <a:pathLst>
-              <a:path extrusionOk="0" h="120000" w="120000">
+              <a:path w="120000" h="120000" extrusionOk="0">
                 <a:moveTo>
                   <a:pt x="0" y="0"/>
                 </a:moveTo>
@@ -1162,9 +1212,11 @@
       <p:sp>
         <p:nvSpPr>
           <p:cNvPr id="60" name="Google Shape;60;g24ed643876b_0_113:notes"/>
-          <p:cNvSpPr txBox="1"/>
+          <p:cNvSpPr txBox="1">
+            <a:spLocks noGrp="1"/>
+          </p:cNvSpPr>
           <p:nvPr>
-            <p:ph idx="1" type="body"/>
+            <p:ph type="body" idx="1"/>
           </p:nvPr>
         </p:nvSpPr>
         <p:spPr>
@@ -1177,12 +1229,12 @@
           </a:prstGeom>
         </p:spPr>
         <p:txBody>
-          <a:bodyPr anchorCtr="0" anchor="t" bIns="91425" lIns="91425" spcFirstLastPara="1" rIns="91425" wrap="square" tIns="91425">
+          <a:bodyPr spcFirstLastPara="1" wrap="square" lIns="91425" tIns="91425" rIns="91425" bIns="91425" anchor="t" anchorCtr="0">
             <a:noAutofit/>
           </a:bodyPr>
           <a:lstStyle/>
           <a:p>
-            <a:pPr indent="0" lvl="0" marL="0" rtl="0" algn="l">
+            <a:pPr marL="0" lvl="0" indent="0" algn="l" rtl="0">
               <a:spcBef>
                 <a:spcPts val="0"/>
               </a:spcBef>
@@ -1191,9 +1243,6 @@
               </a:spcAft>
               <a:buNone/>
             </a:pPr>
-            <a:r>
-              <a:t/>
-            </a:r>
             <a:endParaRPr/>
           </a:p>
         </p:txBody>
@@ -1207,11 +1256,11 @@
 </file>
 
 <file path=ppt/notesSlides/notesSlide3.xml><?xml version="1.0" encoding="utf-8"?>
-<p:notes xmlns:a="http://schemas.openxmlformats.org/drawingml/2006/main" xmlns:r="http://schemas.openxmlformats.org/officeDocument/2006/relationships" xmlns:mc="http://schemas.openxmlformats.org/markup-compatibility/2006" xmlns:mv="urn:schemas-microsoft-com:mac:vml" xmlns:p="http://schemas.openxmlformats.org/presentationml/2006/main" xmlns:c="http://schemas.openxmlformats.org/drawingml/2006/chart" xmlns:dgm="http://schemas.openxmlformats.org/drawingml/2006/diagram" xmlns:o="urn:schemas-microsoft-com:office:office" xmlns:v="urn:schemas-microsoft-com:vml" xmlns:pvml="urn:schemas-microsoft-com:office:powerpoint" xmlns:com="http://schemas.openxmlformats.org/drawingml/2006/compatibility" xmlns:p14="http://schemas.microsoft.com/office/powerpoint/2010/main" xmlns:p15="http://schemas.microsoft.com/office/powerpoint/2012/main" xmlns:ahyp="http://schemas.microsoft.com/office/drawing/2018/hyperlinkcolor" showMasterPhAnim="0" showMasterSp="0">
+<p:notes xmlns:a="http://schemas.openxmlformats.org/drawingml/2006/main" xmlns:r="http://schemas.openxmlformats.org/officeDocument/2006/relationships" xmlns:p="http://schemas.openxmlformats.org/presentationml/2006/main" showMasterSp="0" showMasterPhAnim="0">
   <p:cSld>
     <p:spTree>
       <p:nvGrpSpPr>
-        <p:cNvPr id="68" name="Shape 68"/>
+        <p:cNvPr id="1" name="Shape 68"/>
         <p:cNvGrpSpPr/>
         <p:nvPr/>
       </p:nvGrpSpPr>
@@ -1226,9 +1275,11 @@
       <p:sp>
         <p:nvSpPr>
           <p:cNvPr id="69" name="Google Shape;69;g24ed643876b_0_107:notes"/>
-          <p:cNvSpPr/>
+          <p:cNvSpPr>
+            <a:spLocks noGrp="1" noRot="1" noChangeAspect="1"/>
+          </p:cNvSpPr>
           <p:nvPr>
-            <p:ph idx="2" type="sldImg"/>
+            <p:ph type="sldImg" idx="2"/>
           </p:nvPr>
         </p:nvSpPr>
         <p:spPr>
@@ -1237,9 +1288,13 @@
             <a:ext cx="6096000" cy="3429000"/>
           </a:xfrm>
           <a:custGeom>
-            <a:rect b="b" l="l" r="r" t="t"/>
+            <a:avLst/>
+            <a:gdLst/>
+            <a:ahLst/>
+            <a:cxnLst/>
+            <a:rect l="l" t="t" r="r" b="b"/>
             <a:pathLst>
-              <a:path extrusionOk="0" h="120000" w="120000">
+              <a:path w="120000" h="120000" extrusionOk="0">
                 <a:moveTo>
                   <a:pt x="0" y="0"/>
                 </a:moveTo>
@@ -1261,9 +1316,11 @@
       <p:sp>
         <p:nvSpPr>
           <p:cNvPr id="70" name="Google Shape;70;g24ed643876b_0_107:notes"/>
-          <p:cNvSpPr txBox="1"/>
+          <p:cNvSpPr txBox="1">
+            <a:spLocks noGrp="1"/>
+          </p:cNvSpPr>
           <p:nvPr>
-            <p:ph idx="1" type="body"/>
+            <p:ph type="body" idx="1"/>
           </p:nvPr>
         </p:nvSpPr>
         <p:spPr>
@@ -1276,12 +1333,12 @@
           </a:prstGeom>
         </p:spPr>
         <p:txBody>
-          <a:bodyPr anchorCtr="0" anchor="t" bIns="91425" lIns="91425" spcFirstLastPara="1" rIns="91425" wrap="square" tIns="91425">
+          <a:bodyPr spcFirstLastPara="1" wrap="square" lIns="91425" tIns="91425" rIns="91425" bIns="91425" anchor="t" anchorCtr="0">
             <a:noAutofit/>
           </a:bodyPr>
           <a:lstStyle/>
           <a:p>
-            <a:pPr indent="0" lvl="0" marL="0" rtl="0" algn="l">
+            <a:pPr marL="0" lvl="0" indent="0" algn="l" rtl="0">
               <a:spcBef>
                 <a:spcPts val="0"/>
               </a:spcBef>
@@ -1290,9 +1347,6 @@
               </a:spcAft>
               <a:buNone/>
             </a:pPr>
-            <a:r>
-              <a:t/>
-            </a:r>
             <a:endParaRPr/>
           </a:p>
         </p:txBody>
@@ -1306,11 +1360,11 @@
 </file>
 
 <file path=ppt/notesSlides/notesSlide4.xml><?xml version="1.0" encoding="utf-8"?>
-<p:notes xmlns:a="http://schemas.openxmlformats.org/drawingml/2006/main" xmlns:r="http://schemas.openxmlformats.org/officeDocument/2006/relationships" xmlns:mc="http://schemas.openxmlformats.org/markup-compatibility/2006" xmlns:mv="urn:schemas-microsoft-com:mac:vml" xmlns:p="http://schemas.openxmlformats.org/presentationml/2006/main" xmlns:c="http://schemas.openxmlformats.org/drawingml/2006/chart" xmlns:dgm="http://schemas.openxmlformats.org/drawingml/2006/diagram" xmlns:o="urn:schemas-microsoft-com:office:office" xmlns:v="urn:schemas-microsoft-com:vml" xmlns:pvml="urn:schemas-microsoft-com:office:powerpoint" xmlns:com="http://schemas.openxmlformats.org/drawingml/2006/compatibility" xmlns:p14="http://schemas.microsoft.com/office/powerpoint/2010/main" xmlns:p15="http://schemas.microsoft.com/office/powerpoint/2012/main" xmlns:ahyp="http://schemas.microsoft.com/office/drawing/2018/hyperlinkcolor" showMasterPhAnim="0" showMasterSp="0">
+<p:notes xmlns:a="http://schemas.openxmlformats.org/drawingml/2006/main" xmlns:r="http://schemas.openxmlformats.org/officeDocument/2006/relationships" xmlns:p="http://schemas.openxmlformats.org/presentationml/2006/main" showMasterSp="0" showMasterPhAnim="0">
   <p:cSld>
     <p:spTree>
       <p:nvGrpSpPr>
-        <p:cNvPr id="78" name="Shape 78"/>
+        <p:cNvPr id="1" name="Shape 78"/>
         <p:cNvGrpSpPr/>
         <p:nvPr/>
       </p:nvGrpSpPr>
@@ -1325,9 +1379,11 @@
       <p:sp>
         <p:nvSpPr>
           <p:cNvPr id="79" name="Google Shape;79;g24ed643876b_0_135:notes"/>
-          <p:cNvSpPr/>
+          <p:cNvSpPr>
+            <a:spLocks noGrp="1" noRot="1" noChangeAspect="1"/>
+          </p:cNvSpPr>
           <p:nvPr>
-            <p:ph idx="2" type="sldImg"/>
+            <p:ph type="sldImg" idx="2"/>
           </p:nvPr>
         </p:nvSpPr>
         <p:spPr>
@@ -1336,9 +1392,13 @@
             <a:ext cx="6096000" cy="3429000"/>
           </a:xfrm>
           <a:custGeom>
-            <a:rect b="b" l="l" r="r" t="t"/>
+            <a:avLst/>
+            <a:gdLst/>
+            <a:ahLst/>
+            <a:cxnLst/>
+            <a:rect l="l" t="t" r="r" b="b"/>
             <a:pathLst>
-              <a:path extrusionOk="0" h="120000" w="120000">
+              <a:path w="120000" h="120000" extrusionOk="0">
                 <a:moveTo>
                   <a:pt x="0" y="0"/>
                 </a:moveTo>
@@ -1360,9 +1420,11 @@
       <p:sp>
         <p:nvSpPr>
           <p:cNvPr id="80" name="Google Shape;80;g24ed643876b_0_135:notes"/>
-          <p:cNvSpPr txBox="1"/>
+          <p:cNvSpPr txBox="1">
+            <a:spLocks noGrp="1"/>
+          </p:cNvSpPr>
           <p:nvPr>
-            <p:ph idx="1" type="body"/>
+            <p:ph type="body" idx="1"/>
           </p:nvPr>
         </p:nvSpPr>
         <p:spPr>
@@ -1375,12 +1437,12 @@
           </a:prstGeom>
         </p:spPr>
         <p:txBody>
-          <a:bodyPr anchorCtr="0" anchor="t" bIns="91425" lIns="91425" spcFirstLastPara="1" rIns="91425" wrap="square" tIns="91425">
+          <a:bodyPr spcFirstLastPara="1" wrap="square" lIns="91425" tIns="91425" rIns="91425" bIns="91425" anchor="t" anchorCtr="0">
             <a:noAutofit/>
           </a:bodyPr>
           <a:lstStyle/>
           <a:p>
-            <a:pPr indent="0" lvl="0" marL="0" rtl="0" algn="l">
+            <a:pPr marL="0" lvl="0" indent="0" algn="l" rtl="0">
               <a:spcBef>
                 <a:spcPts val="0"/>
               </a:spcBef>
@@ -1389,9 +1451,6 @@
               </a:spcAft>
               <a:buNone/>
             </a:pPr>
-            <a:r>
-              <a:t/>
-            </a:r>
             <a:endParaRPr/>
           </a:p>
         </p:txBody>
@@ -1405,11 +1464,11 @@
 </file>
 
 <file path=ppt/notesSlides/notesSlide5.xml><?xml version="1.0" encoding="utf-8"?>
-<p:notes xmlns:a="http://schemas.openxmlformats.org/drawingml/2006/main" xmlns:r="http://schemas.openxmlformats.org/officeDocument/2006/relationships" xmlns:mc="http://schemas.openxmlformats.org/markup-compatibility/2006" xmlns:mv="urn:schemas-microsoft-com:mac:vml" xmlns:p="http://schemas.openxmlformats.org/presentationml/2006/main" xmlns:c="http://schemas.openxmlformats.org/drawingml/2006/chart" xmlns:dgm="http://schemas.openxmlformats.org/drawingml/2006/diagram" xmlns:o="urn:schemas-microsoft-com:office:office" xmlns:v="urn:schemas-microsoft-com:vml" xmlns:pvml="urn:schemas-microsoft-com:office:powerpoint" xmlns:com="http://schemas.openxmlformats.org/drawingml/2006/compatibility" xmlns:p14="http://schemas.microsoft.com/office/powerpoint/2010/main" xmlns:p15="http://schemas.microsoft.com/office/powerpoint/2012/main" xmlns:ahyp="http://schemas.microsoft.com/office/drawing/2018/hyperlinkcolor" showMasterPhAnim="0" showMasterSp="0">
+<p:notes xmlns:a="http://schemas.openxmlformats.org/drawingml/2006/main" xmlns:r="http://schemas.openxmlformats.org/officeDocument/2006/relationships" xmlns:p="http://schemas.openxmlformats.org/presentationml/2006/main" showMasterSp="0" showMasterPhAnim="0">
   <p:cSld>
     <p:spTree>
       <p:nvGrpSpPr>
-        <p:cNvPr id="85" name="Shape 85"/>
+        <p:cNvPr id="1" name="Shape 85"/>
         <p:cNvGrpSpPr/>
         <p:nvPr/>
       </p:nvGrpSpPr>
@@ -1424,9 +1483,11 @@
       <p:sp>
         <p:nvSpPr>
           <p:cNvPr id="86" name="Google Shape;86;g24ed643876b_0_147:notes"/>
-          <p:cNvSpPr/>
+          <p:cNvSpPr>
+            <a:spLocks noGrp="1" noRot="1" noChangeAspect="1"/>
+          </p:cNvSpPr>
           <p:nvPr>
-            <p:ph idx="2" type="sldImg"/>
+            <p:ph type="sldImg" idx="2"/>
           </p:nvPr>
         </p:nvSpPr>
         <p:spPr>
@@ -1435,9 +1496,13 @@
             <a:ext cx="6096000" cy="3429000"/>
           </a:xfrm>
           <a:custGeom>
-            <a:rect b="b" l="l" r="r" t="t"/>
+            <a:avLst/>
+            <a:gdLst/>
+            <a:ahLst/>
+            <a:cxnLst/>
+            <a:rect l="l" t="t" r="r" b="b"/>
             <a:pathLst>
-              <a:path extrusionOk="0" h="120000" w="120000">
+              <a:path w="120000" h="120000" extrusionOk="0">
                 <a:moveTo>
                   <a:pt x="0" y="0"/>
                 </a:moveTo>
@@ -1459,9 +1524,11 @@
       <p:sp>
         <p:nvSpPr>
           <p:cNvPr id="87" name="Google Shape;87;g24ed643876b_0_147:notes"/>
-          <p:cNvSpPr txBox="1"/>
+          <p:cNvSpPr txBox="1">
+            <a:spLocks noGrp="1"/>
+          </p:cNvSpPr>
           <p:nvPr>
-            <p:ph idx="1" type="body"/>
+            <p:ph type="body" idx="1"/>
           </p:nvPr>
         </p:nvSpPr>
         <p:spPr>
@@ -1474,12 +1541,12 @@
           </a:prstGeom>
         </p:spPr>
         <p:txBody>
-          <a:bodyPr anchorCtr="0" anchor="t" bIns="91425" lIns="91425" spcFirstLastPara="1" rIns="91425" wrap="square" tIns="91425">
+          <a:bodyPr spcFirstLastPara="1" wrap="square" lIns="91425" tIns="91425" rIns="91425" bIns="91425" anchor="t" anchorCtr="0">
             <a:noAutofit/>
           </a:bodyPr>
           <a:lstStyle/>
           <a:p>
-            <a:pPr indent="0" lvl="0" marL="0" rtl="0" algn="l">
+            <a:pPr marL="0" lvl="0" indent="0" algn="l" rtl="0">
               <a:spcBef>
                 <a:spcPts val="0"/>
               </a:spcBef>
@@ -1488,9 +1555,6 @@
               </a:spcAft>
               <a:buNone/>
             </a:pPr>
-            <a:r>
-              <a:t/>
-            </a:r>
             <a:endParaRPr/>
           </a:p>
         </p:txBody>
@@ -1504,11 +1568,11 @@
 </file>
 
 <file path=ppt/notesSlides/notesSlide6.xml><?xml version="1.0" encoding="utf-8"?>
-<p:notes xmlns:a="http://schemas.openxmlformats.org/drawingml/2006/main" xmlns:r="http://schemas.openxmlformats.org/officeDocument/2006/relationships" xmlns:mc="http://schemas.openxmlformats.org/markup-compatibility/2006" xmlns:mv="urn:schemas-microsoft-com:mac:vml" xmlns:p="http://schemas.openxmlformats.org/presentationml/2006/main" xmlns:c="http://schemas.openxmlformats.org/drawingml/2006/chart" xmlns:dgm="http://schemas.openxmlformats.org/drawingml/2006/diagram" xmlns:o="urn:schemas-microsoft-com:office:office" xmlns:v="urn:schemas-microsoft-com:vml" xmlns:pvml="urn:schemas-microsoft-com:office:powerpoint" xmlns:com="http://schemas.openxmlformats.org/drawingml/2006/compatibility" xmlns:p14="http://schemas.microsoft.com/office/powerpoint/2010/main" xmlns:p15="http://schemas.microsoft.com/office/powerpoint/2012/main" xmlns:ahyp="http://schemas.microsoft.com/office/drawing/2018/hyperlinkcolor" showMasterPhAnim="0" showMasterSp="0">
+<p:notes xmlns:a="http://schemas.openxmlformats.org/drawingml/2006/main" xmlns:r="http://schemas.openxmlformats.org/officeDocument/2006/relationships" xmlns:p="http://schemas.openxmlformats.org/presentationml/2006/main" showMasterSp="0" showMasterPhAnim="0">
   <p:cSld>
     <p:spTree>
       <p:nvGrpSpPr>
-        <p:cNvPr id="95" name="Shape 95"/>
+        <p:cNvPr id="1" name="Shape 95"/>
         <p:cNvGrpSpPr/>
         <p:nvPr/>
       </p:nvGrpSpPr>
@@ -1523,20 +1587,26 @@
       <p:sp>
         <p:nvSpPr>
           <p:cNvPr id="96" name="Google Shape;96;g24ed643876b_0_180:notes"/>
-          <p:cNvSpPr/>
+          <p:cNvSpPr>
+            <a:spLocks noGrp="1" noRot="1" noChangeAspect="1"/>
+          </p:cNvSpPr>
           <p:nvPr>
-            <p:ph idx="2" type="sldImg"/>
+            <p:ph type="sldImg" idx="2"/>
           </p:nvPr>
         </p:nvSpPr>
         <p:spPr>
           <a:xfrm>
-            <a:off x="381300" y="685800"/>
+            <a:off x="381000" y="685800"/>
             <a:ext cx="6096000" cy="3429000"/>
           </a:xfrm>
           <a:custGeom>
-            <a:rect b="b" l="l" r="r" t="t"/>
+            <a:avLst/>
+            <a:gdLst/>
+            <a:ahLst/>
+            <a:cxnLst/>
+            <a:rect l="l" t="t" r="r" b="b"/>
             <a:pathLst>
-              <a:path extrusionOk="0" h="120000" w="120000">
+              <a:path w="120000" h="120000" extrusionOk="0">
                 <a:moveTo>
                   <a:pt x="0" y="0"/>
                 </a:moveTo>
@@ -1558,9 +1628,11 @@
       <p:sp>
         <p:nvSpPr>
           <p:cNvPr id="97" name="Google Shape;97;g24ed643876b_0_180:notes"/>
-          <p:cNvSpPr txBox="1"/>
+          <p:cNvSpPr txBox="1">
+            <a:spLocks noGrp="1"/>
+          </p:cNvSpPr>
           <p:nvPr>
-            <p:ph idx="1" type="body"/>
+            <p:ph type="body" idx="1"/>
           </p:nvPr>
         </p:nvSpPr>
         <p:spPr>
@@ -1573,12 +1645,12 @@
           </a:prstGeom>
         </p:spPr>
         <p:txBody>
-          <a:bodyPr anchorCtr="0" anchor="t" bIns="91425" lIns="91425" spcFirstLastPara="1" rIns="91425" wrap="square" tIns="91425">
+          <a:bodyPr spcFirstLastPara="1" wrap="square" lIns="91425" tIns="91425" rIns="91425" bIns="91425" anchor="t" anchorCtr="0">
             <a:noAutofit/>
           </a:bodyPr>
           <a:lstStyle/>
           <a:p>
-            <a:pPr indent="0" lvl="0" marL="0" rtl="0" algn="l">
+            <a:pPr marL="0" lvl="0" indent="0" algn="l" rtl="0">
               <a:spcBef>
                 <a:spcPts val="0"/>
               </a:spcBef>
@@ -1587,9 +1659,6 @@
               </a:spcAft>
               <a:buNone/>
             </a:pPr>
-            <a:r>
-              <a:t/>
-            </a:r>
             <a:endParaRPr/>
           </a:p>
         </p:txBody>
@@ -1603,11 +1672,11 @@
 </file>
 
 <file path=ppt/notesSlides/notesSlide7.xml><?xml version="1.0" encoding="utf-8"?>
-<p:notes xmlns:a="http://schemas.openxmlformats.org/drawingml/2006/main" xmlns:r="http://schemas.openxmlformats.org/officeDocument/2006/relationships" xmlns:mc="http://schemas.openxmlformats.org/markup-compatibility/2006" xmlns:mv="urn:schemas-microsoft-com:mac:vml" xmlns:p="http://schemas.openxmlformats.org/presentationml/2006/main" xmlns:c="http://schemas.openxmlformats.org/drawingml/2006/chart" xmlns:dgm="http://schemas.openxmlformats.org/drawingml/2006/diagram" xmlns:o="urn:schemas-microsoft-com:office:office" xmlns:v="urn:schemas-microsoft-com:vml" xmlns:pvml="urn:schemas-microsoft-com:office:powerpoint" xmlns:com="http://schemas.openxmlformats.org/drawingml/2006/compatibility" xmlns:p14="http://schemas.microsoft.com/office/powerpoint/2010/main" xmlns:p15="http://schemas.microsoft.com/office/powerpoint/2012/main" xmlns:ahyp="http://schemas.microsoft.com/office/drawing/2018/hyperlinkcolor" showMasterPhAnim="0" showMasterSp="0">
+<p:notes xmlns:a="http://schemas.openxmlformats.org/drawingml/2006/main" xmlns:r="http://schemas.openxmlformats.org/officeDocument/2006/relationships" xmlns:p="http://schemas.openxmlformats.org/presentationml/2006/main" showMasterSp="0" showMasterPhAnim="0">
   <p:cSld>
     <p:spTree>
       <p:nvGrpSpPr>
-        <p:cNvPr id="104" name="Shape 104"/>
+        <p:cNvPr id="1" name="Shape 104"/>
         <p:cNvGrpSpPr/>
         <p:nvPr/>
       </p:nvGrpSpPr>
@@ -1622,9 +1691,11 @@
       <p:sp>
         <p:nvSpPr>
           <p:cNvPr id="105" name="Google Shape;105;g24ed643876b_0_208:notes"/>
-          <p:cNvSpPr/>
+          <p:cNvSpPr>
+            <a:spLocks noGrp="1" noRot="1" noChangeAspect="1"/>
+          </p:cNvSpPr>
           <p:nvPr>
-            <p:ph idx="2" type="sldImg"/>
+            <p:ph type="sldImg" idx="2"/>
           </p:nvPr>
         </p:nvSpPr>
         <p:spPr>
@@ -1633,9 +1704,13 @@
             <a:ext cx="6096000" cy="3429000"/>
           </a:xfrm>
           <a:custGeom>
-            <a:rect b="b" l="l" r="r" t="t"/>
+            <a:avLst/>
+            <a:gdLst/>
+            <a:ahLst/>
+            <a:cxnLst/>
+            <a:rect l="l" t="t" r="r" b="b"/>
             <a:pathLst>
-              <a:path extrusionOk="0" h="120000" w="120000">
+              <a:path w="120000" h="120000" extrusionOk="0">
                 <a:moveTo>
                   <a:pt x="0" y="0"/>
                 </a:moveTo>
@@ -1657,9 +1732,11 @@
       <p:sp>
         <p:nvSpPr>
           <p:cNvPr id="106" name="Google Shape;106;g24ed643876b_0_208:notes"/>
-          <p:cNvSpPr txBox="1"/>
+          <p:cNvSpPr txBox="1">
+            <a:spLocks noGrp="1"/>
+          </p:cNvSpPr>
           <p:nvPr>
-            <p:ph idx="1" type="body"/>
+            <p:ph type="body" idx="1"/>
           </p:nvPr>
         </p:nvSpPr>
         <p:spPr>
@@ -1672,12 +1749,12 @@
           </a:prstGeom>
         </p:spPr>
         <p:txBody>
-          <a:bodyPr anchorCtr="0" anchor="t" bIns="91425" lIns="91425" spcFirstLastPara="1" rIns="91425" wrap="square" tIns="91425">
+          <a:bodyPr spcFirstLastPara="1" wrap="square" lIns="91425" tIns="91425" rIns="91425" bIns="91425" anchor="t" anchorCtr="0">
             <a:noAutofit/>
           </a:bodyPr>
           <a:lstStyle/>
           <a:p>
-            <a:pPr indent="0" lvl="0" marL="0" rtl="0" algn="l">
+            <a:pPr marL="0" lvl="0" indent="0" algn="l" rtl="0">
               <a:spcBef>
                 <a:spcPts val="0"/>
               </a:spcBef>
@@ -1686,9 +1763,6 @@
               </a:spcAft>
               <a:buNone/>
             </a:pPr>
-            <a:r>
-              <a:t/>
-            </a:r>
             <a:endParaRPr/>
           </a:p>
         </p:txBody>
@@ -1702,11 +1776,11 @@
 </file>
 
 <file path=ppt/notesSlides/notesSlide8.xml><?xml version="1.0" encoding="utf-8"?>
-<p:notes xmlns:a="http://schemas.openxmlformats.org/drawingml/2006/main" xmlns:r="http://schemas.openxmlformats.org/officeDocument/2006/relationships" xmlns:mc="http://schemas.openxmlformats.org/markup-compatibility/2006" xmlns:mv="urn:schemas-microsoft-com:mac:vml" xmlns:p="http://schemas.openxmlformats.org/presentationml/2006/main" xmlns:c="http://schemas.openxmlformats.org/drawingml/2006/chart" xmlns:dgm="http://schemas.openxmlformats.org/drawingml/2006/diagram" xmlns:o="urn:schemas-microsoft-com:office:office" xmlns:v="urn:schemas-microsoft-com:vml" xmlns:pvml="urn:schemas-microsoft-com:office:powerpoint" xmlns:com="http://schemas.openxmlformats.org/drawingml/2006/compatibility" xmlns:p14="http://schemas.microsoft.com/office/powerpoint/2010/main" xmlns:p15="http://schemas.microsoft.com/office/powerpoint/2012/main" xmlns:ahyp="http://schemas.microsoft.com/office/drawing/2018/hyperlinkcolor" showMasterPhAnim="0" showMasterSp="0">
+<p:notes xmlns:a="http://schemas.openxmlformats.org/drawingml/2006/main" xmlns:r="http://schemas.openxmlformats.org/officeDocument/2006/relationships" xmlns:p="http://schemas.openxmlformats.org/presentationml/2006/main" showMasterSp="0" showMasterPhAnim="0">
   <p:cSld>
     <p:spTree>
       <p:nvGrpSpPr>
-        <p:cNvPr id="114" name="Shape 114"/>
+        <p:cNvPr id="1" name="Shape 114"/>
         <p:cNvGrpSpPr/>
         <p:nvPr/>
       </p:nvGrpSpPr>
@@ -1721,9 +1795,11 @@
       <p:sp>
         <p:nvSpPr>
           <p:cNvPr id="115" name="Google Shape;115;g24ed643876b_0_220:notes"/>
-          <p:cNvSpPr/>
+          <p:cNvSpPr>
+            <a:spLocks noGrp="1" noRot="1" noChangeAspect="1"/>
+          </p:cNvSpPr>
           <p:nvPr>
-            <p:ph idx="2" type="sldImg"/>
+            <p:ph type="sldImg" idx="2"/>
           </p:nvPr>
         </p:nvSpPr>
         <p:spPr>
@@ -1732,9 +1808,13 @@
             <a:ext cx="6096000" cy="3429000"/>
           </a:xfrm>
           <a:custGeom>
-            <a:rect b="b" l="l" r="r" t="t"/>
+            <a:avLst/>
+            <a:gdLst/>
+            <a:ahLst/>
+            <a:cxnLst/>
+            <a:rect l="l" t="t" r="r" b="b"/>
             <a:pathLst>
-              <a:path extrusionOk="0" h="120000" w="120000">
+              <a:path w="120000" h="120000" extrusionOk="0">
                 <a:moveTo>
                   <a:pt x="0" y="0"/>
                 </a:moveTo>
@@ -1756,9 +1836,11 @@
       <p:sp>
         <p:nvSpPr>
           <p:cNvPr id="116" name="Google Shape;116;g24ed643876b_0_220:notes"/>
-          <p:cNvSpPr txBox="1"/>
+          <p:cNvSpPr txBox="1">
+            <a:spLocks noGrp="1"/>
+          </p:cNvSpPr>
           <p:nvPr>
-            <p:ph idx="1" type="body"/>
+            <p:ph type="body" idx="1"/>
           </p:nvPr>
         </p:nvSpPr>
         <p:spPr>
@@ -1771,12 +1853,12 @@
           </a:prstGeom>
         </p:spPr>
         <p:txBody>
-          <a:bodyPr anchorCtr="0" anchor="t" bIns="91425" lIns="91425" spcFirstLastPara="1" rIns="91425" wrap="square" tIns="91425">
+          <a:bodyPr spcFirstLastPara="1" wrap="square" lIns="91425" tIns="91425" rIns="91425" bIns="91425" anchor="t" anchorCtr="0">
             <a:noAutofit/>
           </a:bodyPr>
           <a:lstStyle/>
           <a:p>
-            <a:pPr indent="0" lvl="0" marL="0" rtl="0" algn="l">
+            <a:pPr marL="0" lvl="0" indent="0" algn="l" rtl="0">
               <a:spcBef>
                 <a:spcPts val="0"/>
               </a:spcBef>
@@ -1785,9 +1867,6 @@
               </a:spcAft>
               <a:buNone/>
             </a:pPr>
-            <a:r>
-              <a:t/>
-            </a:r>
             <a:endParaRPr/>
           </a:p>
         </p:txBody>
@@ -1801,11 +1880,11 @@
 </file>
 
 <file path=ppt/notesSlides/notesSlide9.xml><?xml version="1.0" encoding="utf-8"?>
-<p:notes xmlns:a="http://schemas.openxmlformats.org/drawingml/2006/main" xmlns:r="http://schemas.openxmlformats.org/officeDocument/2006/relationships" xmlns:mc="http://schemas.openxmlformats.org/markup-compatibility/2006" xmlns:mv="urn:schemas-microsoft-com:mac:vml" xmlns:p="http://schemas.openxmlformats.org/presentationml/2006/main" xmlns:c="http://schemas.openxmlformats.org/drawingml/2006/chart" xmlns:dgm="http://schemas.openxmlformats.org/drawingml/2006/diagram" xmlns:o="urn:schemas-microsoft-com:office:office" xmlns:v="urn:schemas-microsoft-com:vml" xmlns:pvml="urn:schemas-microsoft-com:office:powerpoint" xmlns:com="http://schemas.openxmlformats.org/drawingml/2006/compatibility" xmlns:p14="http://schemas.microsoft.com/office/powerpoint/2010/main" xmlns:p15="http://schemas.microsoft.com/office/powerpoint/2012/main" xmlns:ahyp="http://schemas.microsoft.com/office/drawing/2018/hyperlinkcolor" showMasterPhAnim="0" showMasterSp="0">
+<p:notes xmlns:a="http://schemas.openxmlformats.org/drawingml/2006/main" xmlns:r="http://schemas.openxmlformats.org/officeDocument/2006/relationships" xmlns:p="http://schemas.openxmlformats.org/presentationml/2006/main" showMasterSp="0" showMasterPhAnim="0">
   <p:cSld>
     <p:spTree>
       <p:nvGrpSpPr>
-        <p:cNvPr id="126" name="Shape 126"/>
+        <p:cNvPr id="1" name="Shape 126"/>
         <p:cNvGrpSpPr/>
         <p:nvPr/>
       </p:nvGrpSpPr>
@@ -1820,9 +1899,11 @@
       <p:sp>
         <p:nvSpPr>
           <p:cNvPr id="127" name="Google Shape;127;g24ed643876b_0_190:notes"/>
-          <p:cNvSpPr/>
+          <p:cNvSpPr>
+            <a:spLocks noGrp="1" noRot="1" noChangeAspect="1"/>
+          </p:cNvSpPr>
           <p:nvPr>
-            <p:ph idx="2" type="sldImg"/>
+            <p:ph type="sldImg" idx="2"/>
           </p:nvPr>
         </p:nvSpPr>
         <p:spPr>
@@ -1831,9 +1912,13 @@
             <a:ext cx="6096000" cy="3429000"/>
           </a:xfrm>
           <a:custGeom>
-            <a:rect b="b" l="l" r="r" t="t"/>
+            <a:avLst/>
+            <a:gdLst/>
+            <a:ahLst/>
+            <a:cxnLst/>
+            <a:rect l="l" t="t" r="r" b="b"/>
             <a:pathLst>
-              <a:path extrusionOk="0" h="120000" w="120000">
+              <a:path w="120000" h="120000" extrusionOk="0">
                 <a:moveTo>
                   <a:pt x="0" y="0"/>
                 </a:moveTo>
@@ -1855,9 +1940,11 @@
       <p:sp>
         <p:nvSpPr>
           <p:cNvPr id="128" name="Google Shape;128;g24ed643876b_0_190:notes"/>
-          <p:cNvSpPr txBox="1"/>
+          <p:cNvSpPr txBox="1">
+            <a:spLocks noGrp="1"/>
+          </p:cNvSpPr>
           <p:nvPr>
-            <p:ph idx="1" type="body"/>
+            <p:ph type="body" idx="1"/>
           </p:nvPr>
         </p:nvSpPr>
         <p:spPr>
@@ -1870,12 +1957,12 @@
           </a:prstGeom>
         </p:spPr>
         <p:txBody>
-          <a:bodyPr anchorCtr="0" anchor="t" bIns="91425" lIns="91425" spcFirstLastPara="1" rIns="91425" wrap="square" tIns="91425">
+          <a:bodyPr spcFirstLastPara="1" wrap="square" lIns="91425" tIns="91425" rIns="91425" bIns="91425" anchor="t" anchorCtr="0">
             <a:noAutofit/>
           </a:bodyPr>
           <a:lstStyle/>
           <a:p>
-            <a:pPr indent="0" lvl="0" marL="0" rtl="0" algn="l">
+            <a:pPr marL="0" lvl="0" indent="0" algn="l" rtl="0">
               <a:spcBef>
                 <a:spcPts val="0"/>
               </a:spcBef>
@@ -1884,9 +1971,6 @@
               </a:spcAft>
               <a:buNone/>
             </a:pPr>
-            <a:r>
-              <a:t/>
-            </a:r>
             <a:endParaRPr/>
           </a:p>
         </p:txBody>
@@ -1900,18 +1984,19 @@
 </file>
 
 <file path=ppt/slideLayouts/slideLayout1.xml><?xml version="1.0" encoding="utf-8"?>
-<p:sldLayout xmlns:a="http://schemas.openxmlformats.org/drawingml/2006/main" xmlns:r="http://schemas.openxmlformats.org/officeDocument/2006/relationships" xmlns:mc="http://schemas.openxmlformats.org/markup-compatibility/2006" xmlns:mv="urn:schemas-microsoft-com:mac:vml" xmlns:p="http://schemas.openxmlformats.org/presentationml/2006/main" xmlns:c="http://schemas.openxmlformats.org/drawingml/2006/chart" xmlns:dgm="http://schemas.openxmlformats.org/drawingml/2006/diagram" xmlns:o="urn:schemas-microsoft-com:office:office" xmlns:v="urn:schemas-microsoft-com:vml" xmlns:pvml="urn:schemas-microsoft-com:office:powerpoint" xmlns:com="http://schemas.openxmlformats.org/drawingml/2006/compatibility" xmlns:p14="http://schemas.microsoft.com/office/powerpoint/2010/main" xmlns:p15="http://schemas.microsoft.com/office/powerpoint/2012/main" xmlns:ahyp="http://schemas.microsoft.com/office/drawing/2018/hyperlinkcolor" matchingName="Title slide" type="title">
+<p:sldLayout xmlns:a="http://schemas.openxmlformats.org/drawingml/2006/main" xmlns:r="http://schemas.openxmlformats.org/officeDocument/2006/relationships" xmlns:p="http://schemas.openxmlformats.org/presentationml/2006/main" matchingName="Title slide" type="title">
   <p:cSld name="TITLE">
     <p:bg>
       <p:bgPr>
         <a:solidFill>
           <a:schemeClr val="dk1"/>
         </a:solidFill>
+        <a:effectLst/>
       </p:bgPr>
     </p:bg>
     <p:spTree>
       <p:nvGrpSpPr>
-        <p:cNvPr id="9" name="Shape 9"/>
+        <p:cNvPr id="1" name="Shape 9"/>
         <p:cNvGrpSpPr/>
         <p:nvPr/>
       </p:nvGrpSpPr>
@@ -1945,12 +2030,12 @@
           </a:ln>
         </p:spPr>
         <p:txBody>
-          <a:bodyPr anchorCtr="0" anchor="ctr" bIns="91425" lIns="91425" spcFirstLastPara="1" rIns="91425" wrap="square" tIns="91425">
+          <a:bodyPr spcFirstLastPara="1" wrap="square" lIns="91425" tIns="91425" rIns="91425" bIns="91425" anchor="ctr" anchorCtr="0">
             <a:noAutofit/>
           </a:bodyPr>
           <a:lstStyle/>
           <a:p>
-            <a:pPr indent="0" lvl="0" marL="0" rtl="0" algn="l">
+            <a:pPr marL="0" lvl="0" indent="0" algn="l" rtl="0">
               <a:spcBef>
                 <a:spcPts val="0"/>
               </a:spcBef>
@@ -1959,9 +2044,6 @@
               </a:spcAft>
               <a:buNone/>
             </a:pPr>
-            <a:r>
-              <a:t/>
-            </a:r>
             <a:endParaRPr/>
           </a:p>
         </p:txBody>
@@ -1969,7 +2051,9 @@
       <p:sp>
         <p:nvSpPr>
           <p:cNvPr id="11" name="Google Shape;11;p2"/>
-          <p:cNvSpPr txBox="1"/>
+          <p:cNvSpPr txBox="1">
+            <a:spLocks noGrp="1"/>
+          </p:cNvSpPr>
           <p:nvPr>
             <p:ph type="ctrTitle"/>
           </p:nvPr>
@@ -1984,7 +2068,7 @@
           </a:prstGeom>
         </p:spPr>
         <p:txBody>
-          <a:bodyPr anchorCtr="0" anchor="ctr" bIns="91425" lIns="91425" spcFirstLastPara="1" rIns="91425" wrap="square" tIns="91425">
+          <a:bodyPr spcFirstLastPara="1" wrap="square" lIns="91425" tIns="91425" rIns="91425" bIns="91425" anchor="ctr" anchorCtr="0">
             <a:normAutofit/>
           </a:bodyPr>
           <a:lstStyle>
@@ -2088,15 +2172,19 @@
               <a:defRPr sz="8000"/>
             </a:lvl9pPr>
           </a:lstStyle>
-          <a:p/>
+          <a:p>
+            <a:endParaRPr/>
+          </a:p>
         </p:txBody>
       </p:sp>
       <p:sp>
         <p:nvSpPr>
           <p:cNvPr id="12" name="Google Shape;12;p2"/>
-          <p:cNvSpPr txBox="1"/>
+          <p:cNvSpPr txBox="1">
+            <a:spLocks noGrp="1"/>
+          </p:cNvSpPr>
           <p:nvPr>
-            <p:ph idx="1" type="subTitle"/>
+            <p:ph type="subTitle" idx="1"/>
           </p:nvPr>
         </p:nvSpPr>
         <p:spPr>
@@ -2109,7 +2197,7 @@
           </a:prstGeom>
         </p:spPr>
         <p:txBody>
-          <a:bodyPr anchorCtr="0" anchor="ctr" bIns="91425" lIns="91425" spcFirstLastPara="1" rIns="91425" wrap="square" tIns="91425">
+          <a:bodyPr spcFirstLastPara="1" wrap="square" lIns="91425" tIns="91425" rIns="91425" bIns="91425" anchor="ctr" anchorCtr="0">
             <a:normAutofit/>
           </a:bodyPr>
           <a:lstStyle>
@@ -2128,7 +2216,7 @@
               </a:buClr>
               <a:buSzPts val="2100"/>
               <a:buNone/>
-              <a:defRPr b="1" sz="2100">
+              <a:defRPr sz="2100" b="1">
                 <a:solidFill>
                   <a:schemeClr val="accent1"/>
                 </a:solidFill>
@@ -2149,7 +2237,7 @@
               </a:buClr>
               <a:buSzPts val="2100"/>
               <a:buNone/>
-              <a:defRPr b="1" sz="2100">
+              <a:defRPr sz="2100" b="1">
                 <a:solidFill>
                   <a:schemeClr val="accent1"/>
                 </a:solidFill>
@@ -2170,7 +2258,7 @@
               </a:buClr>
               <a:buSzPts val="2100"/>
               <a:buNone/>
-              <a:defRPr b="1" sz="2100">
+              <a:defRPr sz="2100" b="1">
                 <a:solidFill>
                   <a:schemeClr val="accent1"/>
                 </a:solidFill>
@@ -2191,7 +2279,7 @@
               </a:buClr>
               <a:buSzPts val="2100"/>
               <a:buNone/>
-              <a:defRPr b="1" sz="2100">
+              <a:defRPr sz="2100" b="1">
                 <a:solidFill>
                   <a:schemeClr val="accent1"/>
                 </a:solidFill>
@@ -2212,7 +2300,7 @@
               </a:buClr>
               <a:buSzPts val="2100"/>
               <a:buNone/>
-              <a:defRPr b="1" sz="2100">
+              <a:defRPr sz="2100" b="1">
                 <a:solidFill>
                   <a:schemeClr val="accent1"/>
                 </a:solidFill>
@@ -2233,7 +2321,7 @@
               </a:buClr>
               <a:buSzPts val="2100"/>
               <a:buNone/>
-              <a:defRPr b="1" sz="2100">
+              <a:defRPr sz="2100" b="1">
                 <a:solidFill>
                   <a:schemeClr val="accent1"/>
                 </a:solidFill>
@@ -2254,7 +2342,7 @@
               </a:buClr>
               <a:buSzPts val="2100"/>
               <a:buNone/>
-              <a:defRPr b="1" sz="2100">
+              <a:defRPr sz="2100" b="1">
                 <a:solidFill>
                   <a:schemeClr val="accent1"/>
                 </a:solidFill>
@@ -2275,7 +2363,7 @@
               </a:buClr>
               <a:buSzPts val="2100"/>
               <a:buNone/>
-              <a:defRPr b="1" sz="2100">
+              <a:defRPr sz="2100" b="1">
                 <a:solidFill>
                   <a:schemeClr val="accent1"/>
                 </a:solidFill>
@@ -2296,22 +2384,26 @@
               </a:buClr>
               <a:buSzPts val="2100"/>
               <a:buNone/>
-              <a:defRPr b="1" sz="2100">
+              <a:defRPr sz="2100" b="1">
                 <a:solidFill>
                   <a:schemeClr val="accent1"/>
                 </a:solidFill>
               </a:defRPr>
             </a:lvl9pPr>
           </a:lstStyle>
-          <a:p/>
+          <a:p>
+            <a:endParaRPr/>
+          </a:p>
         </p:txBody>
       </p:sp>
       <p:sp>
         <p:nvSpPr>
           <p:cNvPr id="13" name="Google Shape;13;p2"/>
-          <p:cNvSpPr txBox="1"/>
+          <p:cNvSpPr txBox="1">
+            <a:spLocks noGrp="1"/>
+          </p:cNvSpPr>
           <p:nvPr>
-            <p:ph idx="12" type="sldNum"/>
+            <p:ph type="sldNum" idx="12"/>
           </p:nvPr>
         </p:nvSpPr>
         <p:spPr>
@@ -2324,7 +2416,7 @@
           </a:prstGeom>
         </p:spPr>
         <p:txBody>
-          <a:bodyPr anchorCtr="0" anchor="ctr" bIns="91425" lIns="91425" spcFirstLastPara="1" rIns="91425" wrap="square" tIns="91425">
+          <a:bodyPr spcFirstLastPara="1" wrap="square" lIns="91425" tIns="91425" rIns="91425" bIns="91425" anchor="ctr" anchorCtr="0">
             <a:normAutofit/>
           </a:bodyPr>
           <a:lstStyle>
@@ -2366,7 +2458,7 @@
             </a:lvl9pPr>
           </a:lstStyle>
           <a:p>
-            <a:pPr indent="0" lvl="0" marL="0" rtl="0" algn="r">
+            <a:pPr marL="0" lvl="0" indent="0" algn="r" rtl="0">
               <a:spcBef>
                 <a:spcPts val="0"/>
               </a:spcBef>
@@ -2392,11 +2484,11 @@
 </file>
 
 <file path=ppt/slideLayouts/slideLayout10.xml><?xml version="1.0" encoding="utf-8"?>
-<p:sldLayout xmlns:a="http://schemas.openxmlformats.org/drawingml/2006/main" xmlns:r="http://schemas.openxmlformats.org/officeDocument/2006/relationships" xmlns:mc="http://schemas.openxmlformats.org/markup-compatibility/2006" xmlns:mv="urn:schemas-microsoft-com:mac:vml" xmlns:p="http://schemas.openxmlformats.org/presentationml/2006/main" xmlns:c="http://schemas.openxmlformats.org/drawingml/2006/chart" xmlns:dgm="http://schemas.openxmlformats.org/drawingml/2006/diagram" xmlns:o="urn:schemas-microsoft-com:office:office" xmlns:v="urn:schemas-microsoft-com:vml" xmlns:pvml="urn:schemas-microsoft-com:office:powerpoint" xmlns:com="http://schemas.openxmlformats.org/drawingml/2006/compatibility" xmlns:p14="http://schemas.microsoft.com/office/powerpoint/2010/main" xmlns:p15="http://schemas.microsoft.com/office/powerpoint/2012/main" xmlns:ahyp="http://schemas.microsoft.com/office/drawing/2018/hyperlinkcolor" matchingName="Big number">
+<p:sldLayout xmlns:a="http://schemas.openxmlformats.org/drawingml/2006/main" xmlns:r="http://schemas.openxmlformats.org/officeDocument/2006/relationships" xmlns:p="http://schemas.openxmlformats.org/presentationml/2006/main" matchingName="Big number">
   <p:cSld name="BIG_NUMBER">
     <p:spTree>
       <p:nvGrpSpPr>
-        <p:cNvPr id="46" name="Shape 46"/>
+        <p:cNvPr id="1" name="Shape 46"/>
         <p:cNvGrpSpPr/>
         <p:nvPr/>
       </p:nvGrpSpPr>
@@ -2411,9 +2503,11 @@
       <p:sp>
         <p:nvSpPr>
           <p:cNvPr id="47" name="Google Shape;47;p11"/>
-          <p:cNvSpPr txBox="1"/>
+          <p:cNvSpPr txBox="1">
+            <a:spLocks noGrp="1"/>
+          </p:cNvSpPr>
           <p:nvPr>
-            <p:ph hasCustomPrompt="1" type="title"/>
+            <p:ph type="title" hasCustomPrompt="1"/>
           </p:nvPr>
         </p:nvSpPr>
         <p:spPr>
@@ -2426,7 +2520,7 @@
           </a:prstGeom>
         </p:spPr>
         <p:txBody>
-          <a:bodyPr anchorCtr="0" anchor="b" bIns="91425" lIns="91425" spcFirstLastPara="1" rIns="91425" wrap="square" tIns="91425">
+          <a:bodyPr spcFirstLastPara="1" wrap="square" lIns="91425" tIns="91425" rIns="91425" bIns="91425" anchor="b" anchorCtr="0">
             <a:normAutofit/>
           </a:bodyPr>
           <a:lstStyle>
@@ -2630,9 +2724,11 @@
       <p:sp>
         <p:nvSpPr>
           <p:cNvPr id="48" name="Google Shape;48;p11"/>
-          <p:cNvSpPr txBox="1"/>
+          <p:cNvSpPr txBox="1">
+            <a:spLocks noGrp="1"/>
+          </p:cNvSpPr>
           <p:nvPr>
-            <p:ph idx="1" type="body"/>
+            <p:ph type="body" idx="1"/>
           </p:nvPr>
         </p:nvSpPr>
         <p:spPr>
@@ -2645,11 +2741,11 @@
           </a:prstGeom>
         </p:spPr>
         <p:txBody>
-          <a:bodyPr anchorCtr="0" anchor="t" bIns="91425" lIns="91425" spcFirstLastPara="1" rIns="91425" wrap="square" tIns="91425">
+          <a:bodyPr spcFirstLastPara="1" wrap="square" lIns="91425" tIns="91425" rIns="91425" bIns="91425" anchor="t" anchorCtr="0">
             <a:normAutofit/>
           </a:bodyPr>
           <a:lstStyle>
-            <a:lvl1pPr indent="-342900" lvl="0" marL="457200" algn="ctr">
+            <a:lvl1pPr marL="457200" lvl="0" indent="-342900" algn="ctr">
               <a:spcBef>
                 <a:spcPts val="0"/>
               </a:spcBef>
@@ -2670,7 +2766,7 @@
                 </a:highlight>
               </a:defRPr>
             </a:lvl1pPr>
-            <a:lvl2pPr indent="-317500" lvl="1" marL="914400" algn="ctr">
+            <a:lvl2pPr marL="914400" lvl="1" indent="-317500" algn="ctr">
               <a:spcBef>
                 <a:spcPts val="0"/>
               </a:spcBef>
@@ -2691,7 +2787,7 @@
                 </a:highlight>
               </a:defRPr>
             </a:lvl2pPr>
-            <a:lvl3pPr indent="-317500" lvl="2" marL="1371600" algn="ctr">
+            <a:lvl3pPr marL="1371600" lvl="2" indent="-317500" algn="ctr">
               <a:spcBef>
                 <a:spcPts val="0"/>
               </a:spcBef>
@@ -2712,7 +2808,7 @@
                 </a:highlight>
               </a:defRPr>
             </a:lvl3pPr>
-            <a:lvl4pPr indent="-317500" lvl="3" marL="1828800" algn="ctr">
+            <a:lvl4pPr marL="1828800" lvl="3" indent="-317500" algn="ctr">
               <a:spcBef>
                 <a:spcPts val="0"/>
               </a:spcBef>
@@ -2733,7 +2829,7 @@
                 </a:highlight>
               </a:defRPr>
             </a:lvl4pPr>
-            <a:lvl5pPr indent="-317500" lvl="4" marL="2286000" algn="ctr">
+            <a:lvl5pPr marL="2286000" lvl="4" indent="-317500" algn="ctr">
               <a:spcBef>
                 <a:spcPts val="0"/>
               </a:spcBef>
@@ -2754,7 +2850,7 @@
                 </a:highlight>
               </a:defRPr>
             </a:lvl5pPr>
-            <a:lvl6pPr indent="-317500" lvl="5" marL="2743200" algn="ctr">
+            <a:lvl6pPr marL="2743200" lvl="5" indent="-317500" algn="ctr">
               <a:spcBef>
                 <a:spcPts val="0"/>
               </a:spcBef>
@@ -2775,7 +2871,7 @@
                 </a:highlight>
               </a:defRPr>
             </a:lvl6pPr>
-            <a:lvl7pPr indent="-317500" lvl="6" marL="3200400" algn="ctr">
+            <a:lvl7pPr marL="3200400" lvl="6" indent="-317500" algn="ctr">
               <a:spcBef>
                 <a:spcPts val="0"/>
               </a:spcBef>
@@ -2796,7 +2892,7 @@
                 </a:highlight>
               </a:defRPr>
             </a:lvl7pPr>
-            <a:lvl8pPr indent="-317500" lvl="7" marL="3657600" algn="ctr">
+            <a:lvl8pPr marL="3657600" lvl="7" indent="-317500" algn="ctr">
               <a:spcBef>
                 <a:spcPts val="0"/>
               </a:spcBef>
@@ -2817,7 +2913,7 @@
                 </a:highlight>
               </a:defRPr>
             </a:lvl8pPr>
-            <a:lvl9pPr indent="-317500" lvl="8" marL="4114800" algn="ctr">
+            <a:lvl9pPr marL="4114800" lvl="8" indent="-317500" algn="ctr">
               <a:spcBef>
                 <a:spcPts val="0"/>
               </a:spcBef>
@@ -2839,15 +2935,19 @@
               </a:defRPr>
             </a:lvl9pPr>
           </a:lstStyle>
-          <a:p/>
+          <a:p>
+            <a:endParaRPr/>
+          </a:p>
         </p:txBody>
       </p:sp>
       <p:sp>
         <p:nvSpPr>
           <p:cNvPr id="49" name="Google Shape;49;p11"/>
-          <p:cNvSpPr txBox="1"/>
+          <p:cNvSpPr txBox="1">
+            <a:spLocks noGrp="1"/>
+          </p:cNvSpPr>
           <p:nvPr>
-            <p:ph idx="12" type="sldNum"/>
+            <p:ph type="sldNum" idx="12"/>
           </p:nvPr>
         </p:nvSpPr>
         <p:spPr>
@@ -2860,7 +2960,7 @@
           </a:prstGeom>
         </p:spPr>
         <p:txBody>
-          <a:bodyPr anchorCtr="0" anchor="ctr" bIns="91425" lIns="91425" spcFirstLastPara="1" rIns="91425" wrap="square" tIns="91425">
+          <a:bodyPr spcFirstLastPara="1" wrap="square" lIns="91425" tIns="91425" rIns="91425" bIns="91425" anchor="ctr" anchorCtr="0">
             <a:normAutofit/>
           </a:bodyPr>
           <a:lstStyle>
@@ -2902,7 +3002,7 @@
             </a:lvl9pPr>
           </a:lstStyle>
           <a:p>
-            <a:pPr indent="0" lvl="0" marL="0" rtl="0" algn="r">
+            <a:pPr marL="0" lvl="0" indent="0" algn="r" rtl="0">
               <a:spcBef>
                 <a:spcPts val="0"/>
               </a:spcBef>
@@ -2928,11 +3028,11 @@
 </file>
 
 <file path=ppt/slideLayouts/slideLayout11.xml><?xml version="1.0" encoding="utf-8"?>
-<p:sldLayout xmlns:a="http://schemas.openxmlformats.org/drawingml/2006/main" xmlns:r="http://schemas.openxmlformats.org/officeDocument/2006/relationships" xmlns:mc="http://schemas.openxmlformats.org/markup-compatibility/2006" xmlns:mv="urn:schemas-microsoft-com:mac:vml" xmlns:p="http://schemas.openxmlformats.org/presentationml/2006/main" xmlns:c="http://schemas.openxmlformats.org/drawingml/2006/chart" xmlns:dgm="http://schemas.openxmlformats.org/drawingml/2006/diagram" xmlns:o="urn:schemas-microsoft-com:office:office" xmlns:v="urn:schemas-microsoft-com:vml" xmlns:pvml="urn:schemas-microsoft-com:office:powerpoint" xmlns:com="http://schemas.openxmlformats.org/drawingml/2006/compatibility" xmlns:p14="http://schemas.microsoft.com/office/powerpoint/2010/main" xmlns:p15="http://schemas.microsoft.com/office/powerpoint/2012/main" xmlns:ahyp="http://schemas.microsoft.com/office/drawing/2018/hyperlinkcolor" matchingName="Blank" type="blank">
+<p:sldLayout xmlns:a="http://schemas.openxmlformats.org/drawingml/2006/main" xmlns:r="http://schemas.openxmlformats.org/officeDocument/2006/relationships" xmlns:p="http://schemas.openxmlformats.org/presentationml/2006/main" matchingName="Blank" type="blank">
   <p:cSld name="BLANK">
     <p:spTree>
       <p:nvGrpSpPr>
-        <p:cNvPr id="50" name="Shape 50"/>
+        <p:cNvPr id="1" name="Shape 50"/>
         <p:cNvGrpSpPr/>
         <p:nvPr/>
       </p:nvGrpSpPr>
@@ -2947,9 +3047,11 @@
       <p:sp>
         <p:nvSpPr>
           <p:cNvPr id="51" name="Google Shape;51;p12"/>
-          <p:cNvSpPr txBox="1"/>
+          <p:cNvSpPr txBox="1">
+            <a:spLocks noGrp="1"/>
+          </p:cNvSpPr>
           <p:nvPr>
-            <p:ph idx="12" type="sldNum"/>
+            <p:ph type="sldNum" idx="12"/>
           </p:nvPr>
         </p:nvSpPr>
         <p:spPr>
@@ -2962,7 +3064,7 @@
           </a:prstGeom>
         </p:spPr>
         <p:txBody>
-          <a:bodyPr anchorCtr="0" anchor="ctr" bIns="91425" lIns="91425" spcFirstLastPara="1" rIns="91425" wrap="square" tIns="91425">
+          <a:bodyPr spcFirstLastPara="1" wrap="square" lIns="91425" tIns="91425" rIns="91425" bIns="91425" anchor="ctr" anchorCtr="0">
             <a:normAutofit/>
           </a:bodyPr>
           <a:lstStyle>
@@ -3004,7 +3106,7 @@
             </a:lvl9pPr>
           </a:lstStyle>
           <a:p>
-            <a:pPr indent="0" lvl="0" marL="0" rtl="0" algn="r">
+            <a:pPr marL="0" lvl="0" indent="0" algn="r" rtl="0">
               <a:spcBef>
                 <a:spcPts val="0"/>
               </a:spcBef>
@@ -3030,18 +3132,19 @@
 </file>
 
 <file path=ppt/slideLayouts/slideLayout2.xml><?xml version="1.0" encoding="utf-8"?>
-<p:sldLayout xmlns:a="http://schemas.openxmlformats.org/drawingml/2006/main" xmlns:r="http://schemas.openxmlformats.org/officeDocument/2006/relationships" xmlns:mc="http://schemas.openxmlformats.org/markup-compatibility/2006" xmlns:mv="urn:schemas-microsoft-com:mac:vml" xmlns:p="http://schemas.openxmlformats.org/presentationml/2006/main" xmlns:c="http://schemas.openxmlformats.org/drawingml/2006/chart" xmlns:dgm="http://schemas.openxmlformats.org/drawingml/2006/diagram" xmlns:o="urn:schemas-microsoft-com:office:office" xmlns:v="urn:schemas-microsoft-com:vml" xmlns:pvml="urn:schemas-microsoft-com:office:powerpoint" xmlns:com="http://schemas.openxmlformats.org/drawingml/2006/compatibility" xmlns:p14="http://schemas.microsoft.com/office/powerpoint/2010/main" xmlns:p15="http://schemas.microsoft.com/office/powerpoint/2012/main" xmlns:ahyp="http://schemas.microsoft.com/office/drawing/2018/hyperlinkcolor" matchingName="Section header" type="secHead">
+<p:sldLayout xmlns:a="http://schemas.openxmlformats.org/drawingml/2006/main" xmlns:r="http://schemas.openxmlformats.org/officeDocument/2006/relationships" xmlns:p="http://schemas.openxmlformats.org/presentationml/2006/main" matchingName="Section header" type="secHead">
   <p:cSld name="SECTION_HEADER">
     <p:bg>
       <p:bgPr>
         <a:solidFill>
           <a:schemeClr val="dk1"/>
         </a:solidFill>
+        <a:effectLst/>
       </p:bgPr>
     </p:bg>
     <p:spTree>
       <p:nvGrpSpPr>
-        <p:cNvPr id="14" name="Shape 14"/>
+        <p:cNvPr id="1" name="Shape 14"/>
         <p:cNvGrpSpPr/>
         <p:nvPr/>
       </p:nvGrpSpPr>
@@ -3056,7 +3159,9 @@
       <p:sp>
         <p:nvSpPr>
           <p:cNvPr id="15" name="Google Shape;15;p3"/>
-          <p:cNvSpPr txBox="1"/>
+          <p:cNvSpPr txBox="1">
+            <a:spLocks noGrp="1"/>
+          </p:cNvSpPr>
           <p:nvPr>
             <p:ph type="title"/>
           </p:nvPr>
@@ -3074,7 +3179,7 @@
           </a:solidFill>
         </p:spPr>
         <p:txBody>
-          <a:bodyPr anchorCtr="0" anchor="ctr" bIns="91425" lIns="91425" spcFirstLastPara="1" rIns="91425" wrap="square" tIns="91425">
+          <a:bodyPr spcFirstLastPara="1" wrap="square" lIns="91425" tIns="91425" rIns="91425" bIns="91425" anchor="ctr" anchorCtr="0">
             <a:normAutofit/>
           </a:bodyPr>
           <a:lstStyle>
@@ -3178,15 +3283,19 @@
               <a:defRPr sz="4800"/>
             </a:lvl9pPr>
           </a:lstStyle>
-          <a:p/>
+          <a:p>
+            <a:endParaRPr/>
+          </a:p>
         </p:txBody>
       </p:sp>
       <p:sp>
         <p:nvSpPr>
           <p:cNvPr id="16" name="Google Shape;16;p3"/>
-          <p:cNvSpPr txBox="1"/>
+          <p:cNvSpPr txBox="1">
+            <a:spLocks noGrp="1"/>
+          </p:cNvSpPr>
           <p:nvPr>
-            <p:ph idx="12" type="sldNum"/>
+            <p:ph type="sldNum" idx="12"/>
           </p:nvPr>
         </p:nvSpPr>
         <p:spPr>
@@ -3199,7 +3308,7 @@
           </a:prstGeom>
         </p:spPr>
         <p:txBody>
-          <a:bodyPr anchorCtr="0" anchor="ctr" bIns="91425" lIns="91425" spcFirstLastPara="1" rIns="91425" wrap="square" tIns="91425">
+          <a:bodyPr spcFirstLastPara="1" wrap="square" lIns="91425" tIns="91425" rIns="91425" bIns="91425" anchor="ctr" anchorCtr="0">
             <a:normAutofit/>
           </a:bodyPr>
           <a:lstStyle>
@@ -3241,7 +3350,7 @@
             </a:lvl9pPr>
           </a:lstStyle>
           <a:p>
-            <a:pPr indent="0" lvl="0" marL="0" rtl="0" algn="r">
+            <a:pPr marL="0" lvl="0" indent="0" algn="r" rtl="0">
               <a:spcBef>
                 <a:spcPts val="0"/>
               </a:spcBef>
@@ -3267,11 +3376,11 @@
 </file>
 
 <file path=ppt/slideLayouts/slideLayout3.xml><?xml version="1.0" encoding="utf-8"?>
-<p:sldLayout xmlns:a="http://schemas.openxmlformats.org/drawingml/2006/main" xmlns:r="http://schemas.openxmlformats.org/officeDocument/2006/relationships" xmlns:mc="http://schemas.openxmlformats.org/markup-compatibility/2006" xmlns:mv="urn:schemas-microsoft-com:mac:vml" xmlns:p="http://schemas.openxmlformats.org/presentationml/2006/main" xmlns:c="http://schemas.openxmlformats.org/drawingml/2006/chart" xmlns:dgm="http://schemas.openxmlformats.org/drawingml/2006/diagram" xmlns:o="urn:schemas-microsoft-com:office:office" xmlns:v="urn:schemas-microsoft-com:vml" xmlns:pvml="urn:schemas-microsoft-com:office:powerpoint" xmlns:com="http://schemas.openxmlformats.org/drawingml/2006/compatibility" xmlns:p14="http://schemas.microsoft.com/office/powerpoint/2010/main" xmlns:p15="http://schemas.microsoft.com/office/powerpoint/2012/main" xmlns:ahyp="http://schemas.microsoft.com/office/drawing/2018/hyperlinkcolor" matchingName="Title and body" type="tx">
+<p:sldLayout xmlns:a="http://schemas.openxmlformats.org/drawingml/2006/main" xmlns:r="http://schemas.openxmlformats.org/officeDocument/2006/relationships" xmlns:p="http://schemas.openxmlformats.org/presentationml/2006/main" matchingName="Title and body" type="tx">
   <p:cSld name="TITLE_AND_BODY">
     <p:spTree>
       <p:nvGrpSpPr>
-        <p:cNvPr id="17" name="Shape 17"/>
+        <p:cNvPr id="1" name="Shape 17"/>
         <p:cNvGrpSpPr/>
         <p:nvPr/>
       </p:nvGrpSpPr>
@@ -3286,7 +3395,9 @@
       <p:sp>
         <p:nvSpPr>
           <p:cNvPr id="18" name="Google Shape;18;p4"/>
-          <p:cNvSpPr txBox="1"/>
+          <p:cNvSpPr txBox="1">
+            <a:spLocks noGrp="1"/>
+          </p:cNvSpPr>
           <p:nvPr>
             <p:ph type="title"/>
           </p:nvPr>
@@ -3301,7 +3412,7 @@
           </a:prstGeom>
         </p:spPr>
         <p:txBody>
-          <a:bodyPr anchorCtr="0" anchor="t" bIns="91425" lIns="91425" spcFirstLastPara="1" rIns="91425" wrap="square" tIns="91425">
+          <a:bodyPr spcFirstLastPara="1" wrap="square" lIns="91425" tIns="91425" rIns="91425" bIns="91425" anchor="t" anchorCtr="0">
             <a:normAutofit/>
           </a:bodyPr>
           <a:lstStyle>
@@ -3405,15 +3516,19 @@
               <a:defRPr/>
             </a:lvl9pPr>
           </a:lstStyle>
-          <a:p/>
+          <a:p>
+            <a:endParaRPr/>
+          </a:p>
         </p:txBody>
       </p:sp>
       <p:sp>
         <p:nvSpPr>
           <p:cNvPr id="19" name="Google Shape;19;p4"/>
-          <p:cNvSpPr txBox="1"/>
+          <p:cNvSpPr txBox="1">
+            <a:spLocks noGrp="1"/>
+          </p:cNvSpPr>
           <p:nvPr>
-            <p:ph idx="1" type="body"/>
+            <p:ph type="body" idx="1"/>
           </p:nvPr>
         </p:nvSpPr>
         <p:spPr>
@@ -3426,11 +3541,11 @@
           </a:prstGeom>
         </p:spPr>
         <p:txBody>
-          <a:bodyPr anchorCtr="0" anchor="t" bIns="91425" lIns="91425" spcFirstLastPara="1" rIns="91425" wrap="square" tIns="91425">
+          <a:bodyPr spcFirstLastPara="1" wrap="square" lIns="91425" tIns="91425" rIns="91425" bIns="91425" anchor="t" anchorCtr="0">
             <a:normAutofit/>
           </a:bodyPr>
           <a:lstStyle>
-            <a:lvl1pPr indent="-342900" lvl="0" marL="457200">
+            <a:lvl1pPr marL="457200" lvl="0" indent="-342900">
               <a:spcBef>
                 <a:spcPts val="0"/>
               </a:spcBef>
@@ -3441,7 +3556,7 @@
               <a:buChar char="●"/>
               <a:defRPr/>
             </a:lvl1pPr>
-            <a:lvl2pPr indent="-317500" lvl="1" marL="914400">
+            <a:lvl2pPr marL="914400" lvl="1" indent="-317500">
               <a:spcBef>
                 <a:spcPts val="0"/>
               </a:spcBef>
@@ -3452,7 +3567,7 @@
               <a:buChar char="○"/>
               <a:defRPr/>
             </a:lvl2pPr>
-            <a:lvl3pPr indent="-317500" lvl="2" marL="1371600">
+            <a:lvl3pPr marL="1371600" lvl="2" indent="-317500">
               <a:spcBef>
                 <a:spcPts val="0"/>
               </a:spcBef>
@@ -3463,7 +3578,7 @@
               <a:buChar char="■"/>
               <a:defRPr/>
             </a:lvl3pPr>
-            <a:lvl4pPr indent="-317500" lvl="3" marL="1828800">
+            <a:lvl4pPr marL="1828800" lvl="3" indent="-317500">
               <a:spcBef>
                 <a:spcPts val="0"/>
               </a:spcBef>
@@ -3474,7 +3589,7 @@
               <a:buChar char="●"/>
               <a:defRPr/>
             </a:lvl4pPr>
-            <a:lvl5pPr indent="-317500" lvl="4" marL="2286000">
+            <a:lvl5pPr marL="2286000" lvl="4" indent="-317500">
               <a:spcBef>
                 <a:spcPts val="0"/>
               </a:spcBef>
@@ -3485,7 +3600,7 @@
               <a:buChar char="○"/>
               <a:defRPr/>
             </a:lvl5pPr>
-            <a:lvl6pPr indent="-317500" lvl="5" marL="2743200">
+            <a:lvl6pPr marL="2743200" lvl="5" indent="-317500">
               <a:spcBef>
                 <a:spcPts val="0"/>
               </a:spcBef>
@@ -3496,7 +3611,7 @@
               <a:buChar char="■"/>
               <a:defRPr/>
             </a:lvl6pPr>
-            <a:lvl7pPr indent="-317500" lvl="6" marL="3200400">
+            <a:lvl7pPr marL="3200400" lvl="6" indent="-317500">
               <a:spcBef>
                 <a:spcPts val="0"/>
               </a:spcBef>
@@ -3507,7 +3622,7 @@
               <a:buChar char="●"/>
               <a:defRPr/>
             </a:lvl7pPr>
-            <a:lvl8pPr indent="-317500" lvl="7" marL="3657600">
+            <a:lvl8pPr marL="3657600" lvl="7" indent="-317500">
               <a:spcBef>
                 <a:spcPts val="0"/>
               </a:spcBef>
@@ -3518,7 +3633,7 @@
               <a:buChar char="○"/>
               <a:defRPr/>
             </a:lvl8pPr>
-            <a:lvl9pPr indent="-317500" lvl="8" marL="4114800">
+            <a:lvl9pPr marL="4114800" lvl="8" indent="-317500">
               <a:spcBef>
                 <a:spcPts val="0"/>
               </a:spcBef>
@@ -3530,15 +3645,19 @@
               <a:defRPr/>
             </a:lvl9pPr>
           </a:lstStyle>
-          <a:p/>
+          <a:p>
+            <a:endParaRPr/>
+          </a:p>
         </p:txBody>
       </p:sp>
       <p:sp>
         <p:nvSpPr>
           <p:cNvPr id="20" name="Google Shape;20;p4"/>
-          <p:cNvSpPr txBox="1"/>
+          <p:cNvSpPr txBox="1">
+            <a:spLocks noGrp="1"/>
+          </p:cNvSpPr>
           <p:nvPr>
-            <p:ph idx="12" type="sldNum"/>
+            <p:ph type="sldNum" idx="12"/>
           </p:nvPr>
         </p:nvSpPr>
         <p:spPr>
@@ -3551,7 +3670,7 @@
           </a:prstGeom>
         </p:spPr>
         <p:txBody>
-          <a:bodyPr anchorCtr="0" anchor="ctr" bIns="91425" lIns="91425" spcFirstLastPara="1" rIns="91425" wrap="square" tIns="91425">
+          <a:bodyPr spcFirstLastPara="1" wrap="square" lIns="91425" tIns="91425" rIns="91425" bIns="91425" anchor="ctr" anchorCtr="0">
             <a:normAutofit/>
           </a:bodyPr>
           <a:lstStyle>
@@ -3593,7 +3712,7 @@
             </a:lvl9pPr>
           </a:lstStyle>
           <a:p>
-            <a:pPr indent="0" lvl="0" marL="0" rtl="0" algn="r">
+            <a:pPr marL="0" lvl="0" indent="0" algn="r" rtl="0">
               <a:spcBef>
                 <a:spcPts val="0"/>
               </a:spcBef>
@@ -3619,11 +3738,11 @@
 </file>
 
 <file path=ppt/slideLayouts/slideLayout4.xml><?xml version="1.0" encoding="utf-8"?>
-<p:sldLayout xmlns:a="http://schemas.openxmlformats.org/drawingml/2006/main" xmlns:r="http://schemas.openxmlformats.org/officeDocument/2006/relationships" xmlns:mc="http://schemas.openxmlformats.org/markup-compatibility/2006" xmlns:mv="urn:schemas-microsoft-com:mac:vml" xmlns:p="http://schemas.openxmlformats.org/presentationml/2006/main" xmlns:c="http://schemas.openxmlformats.org/drawingml/2006/chart" xmlns:dgm="http://schemas.openxmlformats.org/drawingml/2006/diagram" xmlns:o="urn:schemas-microsoft-com:office:office" xmlns:v="urn:schemas-microsoft-com:vml" xmlns:pvml="urn:schemas-microsoft-com:office:powerpoint" xmlns:com="http://schemas.openxmlformats.org/drawingml/2006/compatibility" xmlns:p14="http://schemas.microsoft.com/office/powerpoint/2010/main" xmlns:p15="http://schemas.microsoft.com/office/powerpoint/2012/main" xmlns:ahyp="http://schemas.microsoft.com/office/drawing/2018/hyperlinkcolor" matchingName="Title and two columns" type="twoColTx">
+<p:sldLayout xmlns:a="http://schemas.openxmlformats.org/drawingml/2006/main" xmlns:r="http://schemas.openxmlformats.org/officeDocument/2006/relationships" xmlns:p="http://schemas.openxmlformats.org/presentationml/2006/main" matchingName="Title and two columns" type="twoColTx">
   <p:cSld name="TITLE_AND_TWO_COLUMNS">
     <p:spTree>
       <p:nvGrpSpPr>
-        <p:cNvPr id="21" name="Shape 21"/>
+        <p:cNvPr id="1" name="Shape 21"/>
         <p:cNvGrpSpPr/>
         <p:nvPr/>
       </p:nvGrpSpPr>
@@ -3638,7 +3757,9 @@
       <p:sp>
         <p:nvSpPr>
           <p:cNvPr id="22" name="Google Shape;22;p5"/>
-          <p:cNvSpPr txBox="1"/>
+          <p:cNvSpPr txBox="1">
+            <a:spLocks noGrp="1"/>
+          </p:cNvSpPr>
           <p:nvPr>
             <p:ph type="title"/>
           </p:nvPr>
@@ -3653,7 +3774,7 @@
           </a:prstGeom>
         </p:spPr>
         <p:txBody>
-          <a:bodyPr anchorCtr="0" anchor="t" bIns="91425" lIns="91425" spcFirstLastPara="1" rIns="91425" wrap="square" tIns="91425">
+          <a:bodyPr spcFirstLastPara="1" wrap="square" lIns="91425" tIns="91425" rIns="91425" bIns="91425" anchor="t" anchorCtr="0">
             <a:normAutofit/>
           </a:bodyPr>
           <a:lstStyle>
@@ -3757,15 +3878,19 @@
               <a:defRPr/>
             </a:lvl9pPr>
           </a:lstStyle>
-          <a:p/>
+          <a:p>
+            <a:endParaRPr/>
+          </a:p>
         </p:txBody>
       </p:sp>
       <p:sp>
         <p:nvSpPr>
           <p:cNvPr id="23" name="Google Shape;23;p5"/>
-          <p:cNvSpPr txBox="1"/>
+          <p:cNvSpPr txBox="1">
+            <a:spLocks noGrp="1"/>
+          </p:cNvSpPr>
           <p:nvPr>
-            <p:ph idx="1" type="body"/>
+            <p:ph type="body" idx="1"/>
           </p:nvPr>
         </p:nvSpPr>
         <p:spPr>
@@ -3778,11 +3903,11 @@
           </a:prstGeom>
         </p:spPr>
         <p:txBody>
-          <a:bodyPr anchorCtr="0" anchor="t" bIns="91425" lIns="91425" spcFirstLastPara="1" rIns="91425" wrap="square" tIns="91425">
+          <a:bodyPr spcFirstLastPara="1" wrap="square" lIns="91425" tIns="91425" rIns="91425" bIns="91425" anchor="t" anchorCtr="0">
             <a:normAutofit/>
           </a:bodyPr>
           <a:lstStyle>
-            <a:lvl1pPr indent="-317500" lvl="0" marL="457200">
+            <a:lvl1pPr marL="457200" lvl="0" indent="-317500">
               <a:spcBef>
                 <a:spcPts val="0"/>
               </a:spcBef>
@@ -3793,7 +3918,7 @@
               <a:buChar char="●"/>
               <a:defRPr sz="1400"/>
             </a:lvl1pPr>
-            <a:lvl2pPr indent="-304800" lvl="1" marL="914400">
+            <a:lvl2pPr marL="914400" lvl="1" indent="-304800">
               <a:spcBef>
                 <a:spcPts val="0"/>
               </a:spcBef>
@@ -3804,7 +3929,7 @@
               <a:buChar char="○"/>
               <a:defRPr sz="1200"/>
             </a:lvl2pPr>
-            <a:lvl3pPr indent="-304800" lvl="2" marL="1371600">
+            <a:lvl3pPr marL="1371600" lvl="2" indent="-304800">
               <a:spcBef>
                 <a:spcPts val="0"/>
               </a:spcBef>
@@ -3815,7 +3940,7 @@
               <a:buChar char="■"/>
               <a:defRPr sz="1200"/>
             </a:lvl3pPr>
-            <a:lvl4pPr indent="-304800" lvl="3" marL="1828800">
+            <a:lvl4pPr marL="1828800" lvl="3" indent="-304800">
               <a:spcBef>
                 <a:spcPts val="0"/>
               </a:spcBef>
@@ -3826,7 +3951,7 @@
               <a:buChar char="●"/>
               <a:defRPr sz="1200"/>
             </a:lvl4pPr>
-            <a:lvl5pPr indent="-304800" lvl="4" marL="2286000">
+            <a:lvl5pPr marL="2286000" lvl="4" indent="-304800">
               <a:spcBef>
                 <a:spcPts val="0"/>
               </a:spcBef>
@@ -3837,7 +3962,7 @@
               <a:buChar char="○"/>
               <a:defRPr sz="1200"/>
             </a:lvl5pPr>
-            <a:lvl6pPr indent="-304800" lvl="5" marL="2743200">
+            <a:lvl6pPr marL="2743200" lvl="5" indent="-304800">
               <a:spcBef>
                 <a:spcPts val="0"/>
               </a:spcBef>
@@ -3848,7 +3973,7 @@
               <a:buChar char="■"/>
               <a:defRPr sz="1200"/>
             </a:lvl6pPr>
-            <a:lvl7pPr indent="-304800" lvl="6" marL="3200400">
+            <a:lvl7pPr marL="3200400" lvl="6" indent="-304800">
               <a:spcBef>
                 <a:spcPts val="0"/>
               </a:spcBef>
@@ -3859,7 +3984,7 @@
               <a:buChar char="●"/>
               <a:defRPr sz="1200"/>
             </a:lvl7pPr>
-            <a:lvl8pPr indent="-304800" lvl="7" marL="3657600">
+            <a:lvl8pPr marL="3657600" lvl="7" indent="-304800">
               <a:spcBef>
                 <a:spcPts val="0"/>
               </a:spcBef>
@@ -3870,7 +3995,7 @@
               <a:buChar char="○"/>
               <a:defRPr sz="1200"/>
             </a:lvl8pPr>
-            <a:lvl9pPr indent="-304800" lvl="8" marL="4114800">
+            <a:lvl9pPr marL="4114800" lvl="8" indent="-304800">
               <a:spcBef>
                 <a:spcPts val="0"/>
               </a:spcBef>
@@ -3882,15 +4007,19 @@
               <a:defRPr sz="1200"/>
             </a:lvl9pPr>
           </a:lstStyle>
-          <a:p/>
+          <a:p>
+            <a:endParaRPr/>
+          </a:p>
         </p:txBody>
       </p:sp>
       <p:sp>
         <p:nvSpPr>
           <p:cNvPr id="24" name="Google Shape;24;p5"/>
-          <p:cNvSpPr txBox="1"/>
+          <p:cNvSpPr txBox="1">
+            <a:spLocks noGrp="1"/>
+          </p:cNvSpPr>
           <p:nvPr>
-            <p:ph idx="2" type="body"/>
+            <p:ph type="body" idx="2"/>
           </p:nvPr>
         </p:nvSpPr>
         <p:spPr>
@@ -3903,11 +4032,11 @@
           </a:prstGeom>
         </p:spPr>
         <p:txBody>
-          <a:bodyPr anchorCtr="0" anchor="t" bIns="91425" lIns="91425" spcFirstLastPara="1" rIns="91425" wrap="square" tIns="91425">
+          <a:bodyPr spcFirstLastPara="1" wrap="square" lIns="91425" tIns="91425" rIns="91425" bIns="91425" anchor="t" anchorCtr="0">
             <a:normAutofit/>
           </a:bodyPr>
           <a:lstStyle>
-            <a:lvl1pPr indent="-317500" lvl="0" marL="457200">
+            <a:lvl1pPr marL="457200" lvl="0" indent="-317500">
               <a:spcBef>
                 <a:spcPts val="0"/>
               </a:spcBef>
@@ -3918,7 +4047,7 @@
               <a:buChar char="●"/>
               <a:defRPr sz="1400"/>
             </a:lvl1pPr>
-            <a:lvl2pPr indent="-304800" lvl="1" marL="914400">
+            <a:lvl2pPr marL="914400" lvl="1" indent="-304800">
               <a:spcBef>
                 <a:spcPts val="0"/>
               </a:spcBef>
@@ -3929,7 +4058,7 @@
               <a:buChar char="○"/>
               <a:defRPr sz="1200"/>
             </a:lvl2pPr>
-            <a:lvl3pPr indent="-304800" lvl="2" marL="1371600">
+            <a:lvl3pPr marL="1371600" lvl="2" indent="-304800">
               <a:spcBef>
                 <a:spcPts val="0"/>
               </a:spcBef>
@@ -3940,7 +4069,7 @@
               <a:buChar char="■"/>
               <a:defRPr sz="1200"/>
             </a:lvl3pPr>
-            <a:lvl4pPr indent="-304800" lvl="3" marL="1828800">
+            <a:lvl4pPr marL="1828800" lvl="3" indent="-304800">
               <a:spcBef>
                 <a:spcPts val="0"/>
               </a:spcBef>
@@ -3951,7 +4080,7 @@
               <a:buChar char="●"/>
               <a:defRPr sz="1200"/>
             </a:lvl4pPr>
-            <a:lvl5pPr indent="-304800" lvl="4" marL="2286000">
+            <a:lvl5pPr marL="2286000" lvl="4" indent="-304800">
               <a:spcBef>
                 <a:spcPts val="0"/>
               </a:spcBef>
@@ -3962,7 +4091,7 @@
               <a:buChar char="○"/>
               <a:defRPr sz="1200"/>
             </a:lvl5pPr>
-            <a:lvl6pPr indent="-304800" lvl="5" marL="2743200">
+            <a:lvl6pPr marL="2743200" lvl="5" indent="-304800">
               <a:spcBef>
                 <a:spcPts val="0"/>
               </a:spcBef>
@@ -3973,7 +4102,7 @@
               <a:buChar char="■"/>
               <a:defRPr sz="1200"/>
             </a:lvl6pPr>
-            <a:lvl7pPr indent="-304800" lvl="6" marL="3200400">
+            <a:lvl7pPr marL="3200400" lvl="6" indent="-304800">
               <a:spcBef>
                 <a:spcPts val="0"/>
               </a:spcBef>
@@ -3984,7 +4113,7 @@
               <a:buChar char="●"/>
               <a:defRPr sz="1200"/>
             </a:lvl7pPr>
-            <a:lvl8pPr indent="-304800" lvl="7" marL="3657600">
+            <a:lvl8pPr marL="3657600" lvl="7" indent="-304800">
               <a:spcBef>
                 <a:spcPts val="0"/>
               </a:spcBef>
@@ -3995,7 +4124,7 @@
               <a:buChar char="○"/>
               <a:defRPr sz="1200"/>
             </a:lvl8pPr>
-            <a:lvl9pPr indent="-304800" lvl="8" marL="4114800">
+            <a:lvl9pPr marL="4114800" lvl="8" indent="-304800">
               <a:spcBef>
                 <a:spcPts val="0"/>
               </a:spcBef>
@@ -4007,15 +4136,19 @@
               <a:defRPr sz="1200"/>
             </a:lvl9pPr>
           </a:lstStyle>
-          <a:p/>
+          <a:p>
+            <a:endParaRPr/>
+          </a:p>
         </p:txBody>
       </p:sp>
       <p:sp>
         <p:nvSpPr>
           <p:cNvPr id="25" name="Google Shape;25;p5"/>
-          <p:cNvSpPr txBox="1"/>
+          <p:cNvSpPr txBox="1">
+            <a:spLocks noGrp="1"/>
+          </p:cNvSpPr>
           <p:nvPr>
-            <p:ph idx="12" type="sldNum"/>
+            <p:ph type="sldNum" idx="12"/>
           </p:nvPr>
         </p:nvSpPr>
         <p:spPr>
@@ -4028,7 +4161,7 @@
           </a:prstGeom>
         </p:spPr>
         <p:txBody>
-          <a:bodyPr anchorCtr="0" anchor="ctr" bIns="91425" lIns="91425" spcFirstLastPara="1" rIns="91425" wrap="square" tIns="91425">
+          <a:bodyPr spcFirstLastPara="1" wrap="square" lIns="91425" tIns="91425" rIns="91425" bIns="91425" anchor="ctr" anchorCtr="0">
             <a:normAutofit/>
           </a:bodyPr>
           <a:lstStyle>
@@ -4070,7 +4203,7 @@
             </a:lvl9pPr>
           </a:lstStyle>
           <a:p>
-            <a:pPr indent="0" lvl="0" marL="0" rtl="0" algn="r">
+            <a:pPr marL="0" lvl="0" indent="0" algn="r" rtl="0">
               <a:spcBef>
                 <a:spcPts val="0"/>
               </a:spcBef>
@@ -4096,11 +4229,11 @@
 </file>
 
 <file path=ppt/slideLayouts/slideLayout5.xml><?xml version="1.0" encoding="utf-8"?>
-<p:sldLayout xmlns:a="http://schemas.openxmlformats.org/drawingml/2006/main" xmlns:r="http://schemas.openxmlformats.org/officeDocument/2006/relationships" xmlns:mc="http://schemas.openxmlformats.org/markup-compatibility/2006" xmlns:mv="urn:schemas-microsoft-com:mac:vml" xmlns:p="http://schemas.openxmlformats.org/presentationml/2006/main" xmlns:c="http://schemas.openxmlformats.org/drawingml/2006/chart" xmlns:dgm="http://schemas.openxmlformats.org/drawingml/2006/diagram" xmlns:o="urn:schemas-microsoft-com:office:office" xmlns:v="urn:schemas-microsoft-com:vml" xmlns:pvml="urn:schemas-microsoft-com:office:powerpoint" xmlns:com="http://schemas.openxmlformats.org/drawingml/2006/compatibility" xmlns:p14="http://schemas.microsoft.com/office/powerpoint/2010/main" xmlns:p15="http://schemas.microsoft.com/office/powerpoint/2012/main" xmlns:ahyp="http://schemas.microsoft.com/office/drawing/2018/hyperlinkcolor" matchingName="Title only" type="titleOnly">
+<p:sldLayout xmlns:a="http://schemas.openxmlformats.org/drawingml/2006/main" xmlns:r="http://schemas.openxmlformats.org/officeDocument/2006/relationships" xmlns:p="http://schemas.openxmlformats.org/presentationml/2006/main" matchingName="Title only" type="titleOnly">
   <p:cSld name="TITLE_ONLY">
     <p:spTree>
       <p:nvGrpSpPr>
-        <p:cNvPr id="26" name="Shape 26"/>
+        <p:cNvPr id="1" name="Shape 26"/>
         <p:cNvGrpSpPr/>
         <p:nvPr/>
       </p:nvGrpSpPr>
@@ -4115,7 +4248,9 @@
       <p:sp>
         <p:nvSpPr>
           <p:cNvPr id="27" name="Google Shape;27;p6"/>
-          <p:cNvSpPr txBox="1"/>
+          <p:cNvSpPr txBox="1">
+            <a:spLocks noGrp="1"/>
+          </p:cNvSpPr>
           <p:nvPr>
             <p:ph type="title"/>
           </p:nvPr>
@@ -4130,7 +4265,7 @@
           </a:prstGeom>
         </p:spPr>
         <p:txBody>
-          <a:bodyPr anchorCtr="0" anchor="t" bIns="91425" lIns="91425" spcFirstLastPara="1" rIns="91425" wrap="square" tIns="91425">
+          <a:bodyPr spcFirstLastPara="1" wrap="square" lIns="91425" tIns="91425" rIns="91425" bIns="91425" anchor="t" anchorCtr="0">
             <a:normAutofit/>
           </a:bodyPr>
           <a:lstStyle>
@@ -4234,15 +4369,19 @@
               <a:defRPr sz="4000"/>
             </a:lvl9pPr>
           </a:lstStyle>
-          <a:p/>
+          <a:p>
+            <a:endParaRPr/>
+          </a:p>
         </p:txBody>
       </p:sp>
       <p:sp>
         <p:nvSpPr>
           <p:cNvPr id="28" name="Google Shape;28;p6"/>
-          <p:cNvSpPr txBox="1"/>
+          <p:cNvSpPr txBox="1">
+            <a:spLocks noGrp="1"/>
+          </p:cNvSpPr>
           <p:nvPr>
-            <p:ph idx="12" type="sldNum"/>
+            <p:ph type="sldNum" idx="12"/>
           </p:nvPr>
         </p:nvSpPr>
         <p:spPr>
@@ -4255,7 +4394,7 @@
           </a:prstGeom>
         </p:spPr>
         <p:txBody>
-          <a:bodyPr anchorCtr="0" anchor="ctr" bIns="91425" lIns="91425" spcFirstLastPara="1" rIns="91425" wrap="square" tIns="91425">
+          <a:bodyPr spcFirstLastPara="1" wrap="square" lIns="91425" tIns="91425" rIns="91425" bIns="91425" anchor="ctr" anchorCtr="0">
             <a:normAutofit/>
           </a:bodyPr>
           <a:lstStyle>
@@ -4297,7 +4436,7 @@
             </a:lvl9pPr>
           </a:lstStyle>
           <a:p>
-            <a:pPr indent="0" lvl="0" marL="0" rtl="0" algn="r">
+            <a:pPr marL="0" lvl="0" indent="0" algn="r" rtl="0">
               <a:spcBef>
                 <a:spcPts val="0"/>
               </a:spcBef>
@@ -4323,11 +4462,11 @@
 </file>
 
 <file path=ppt/slideLayouts/slideLayout6.xml><?xml version="1.0" encoding="utf-8"?>
-<p:sldLayout xmlns:a="http://schemas.openxmlformats.org/drawingml/2006/main" xmlns:r="http://schemas.openxmlformats.org/officeDocument/2006/relationships" xmlns:mc="http://schemas.openxmlformats.org/markup-compatibility/2006" xmlns:mv="urn:schemas-microsoft-com:mac:vml" xmlns:p="http://schemas.openxmlformats.org/presentationml/2006/main" xmlns:c="http://schemas.openxmlformats.org/drawingml/2006/chart" xmlns:dgm="http://schemas.openxmlformats.org/drawingml/2006/diagram" xmlns:o="urn:schemas-microsoft-com:office:office" xmlns:v="urn:schemas-microsoft-com:vml" xmlns:pvml="urn:schemas-microsoft-com:office:powerpoint" xmlns:com="http://schemas.openxmlformats.org/drawingml/2006/compatibility" xmlns:p14="http://schemas.microsoft.com/office/powerpoint/2010/main" xmlns:p15="http://schemas.microsoft.com/office/powerpoint/2012/main" xmlns:ahyp="http://schemas.microsoft.com/office/drawing/2018/hyperlinkcolor" matchingName="One column text">
+<p:sldLayout xmlns:a="http://schemas.openxmlformats.org/drawingml/2006/main" xmlns:r="http://schemas.openxmlformats.org/officeDocument/2006/relationships" xmlns:p="http://schemas.openxmlformats.org/presentationml/2006/main" matchingName="One column text">
   <p:cSld name="ONE_COLUMN_TEXT">
     <p:spTree>
       <p:nvGrpSpPr>
-        <p:cNvPr id="29" name="Shape 29"/>
+        <p:cNvPr id="1" name="Shape 29"/>
         <p:cNvGrpSpPr/>
         <p:nvPr/>
       </p:nvGrpSpPr>
@@ -4342,7 +4481,9 @@
       <p:sp>
         <p:nvSpPr>
           <p:cNvPr id="30" name="Google Shape;30;p7"/>
-          <p:cNvSpPr txBox="1"/>
+          <p:cNvSpPr txBox="1">
+            <a:spLocks noGrp="1"/>
+          </p:cNvSpPr>
           <p:nvPr>
             <p:ph type="title"/>
           </p:nvPr>
@@ -4357,7 +4498,7 @@
           </a:prstGeom>
         </p:spPr>
         <p:txBody>
-          <a:bodyPr anchorCtr="0" anchor="b" bIns="91425" lIns="91425" spcFirstLastPara="1" rIns="91425" wrap="square" tIns="91425">
+          <a:bodyPr spcFirstLastPara="1" wrap="square" lIns="91425" tIns="91425" rIns="91425" bIns="91425" anchor="b" anchorCtr="0">
             <a:normAutofit/>
           </a:bodyPr>
           <a:lstStyle>
@@ -4497,15 +4638,19 @@
               </a:defRPr>
             </a:lvl9pPr>
           </a:lstStyle>
-          <a:p/>
+          <a:p>
+            <a:endParaRPr/>
+          </a:p>
         </p:txBody>
       </p:sp>
       <p:sp>
         <p:nvSpPr>
           <p:cNvPr id="31" name="Google Shape;31;p7"/>
-          <p:cNvSpPr txBox="1"/>
+          <p:cNvSpPr txBox="1">
+            <a:spLocks noGrp="1"/>
+          </p:cNvSpPr>
           <p:nvPr>
-            <p:ph idx="1" type="body"/>
+            <p:ph type="body" idx="1"/>
           </p:nvPr>
         </p:nvSpPr>
         <p:spPr>
@@ -4518,11 +4663,11 @@
           </a:prstGeom>
         </p:spPr>
         <p:txBody>
-          <a:bodyPr anchorCtr="0" anchor="t" bIns="91425" lIns="91425" spcFirstLastPara="1" rIns="91425" wrap="square" tIns="91425">
+          <a:bodyPr spcFirstLastPara="1" wrap="square" lIns="91425" tIns="91425" rIns="91425" bIns="91425" anchor="t" anchorCtr="0">
             <a:normAutofit/>
           </a:bodyPr>
           <a:lstStyle>
-            <a:lvl1pPr indent="-304800" lvl="0" marL="457200">
+            <a:lvl1pPr marL="457200" lvl="0" indent="-304800">
               <a:spcBef>
                 <a:spcPts val="0"/>
               </a:spcBef>
@@ -4533,7 +4678,7 @@
               <a:buChar char="●"/>
               <a:defRPr sz="1200"/>
             </a:lvl1pPr>
-            <a:lvl2pPr indent="-304800" lvl="1" marL="914400">
+            <a:lvl2pPr marL="914400" lvl="1" indent="-304800">
               <a:spcBef>
                 <a:spcPts val="0"/>
               </a:spcBef>
@@ -4544,7 +4689,7 @@
               <a:buChar char="○"/>
               <a:defRPr sz="1200"/>
             </a:lvl2pPr>
-            <a:lvl3pPr indent="-304800" lvl="2" marL="1371600">
+            <a:lvl3pPr marL="1371600" lvl="2" indent="-304800">
               <a:spcBef>
                 <a:spcPts val="0"/>
               </a:spcBef>
@@ -4555,7 +4700,7 @@
               <a:buChar char="■"/>
               <a:defRPr sz="1200"/>
             </a:lvl3pPr>
-            <a:lvl4pPr indent="-304800" lvl="3" marL="1828800">
+            <a:lvl4pPr marL="1828800" lvl="3" indent="-304800">
               <a:spcBef>
                 <a:spcPts val="0"/>
               </a:spcBef>
@@ -4566,7 +4711,7 @@
               <a:buChar char="●"/>
               <a:defRPr sz="1200"/>
             </a:lvl4pPr>
-            <a:lvl5pPr indent="-304800" lvl="4" marL="2286000">
+            <a:lvl5pPr marL="2286000" lvl="4" indent="-304800">
               <a:spcBef>
                 <a:spcPts val="0"/>
               </a:spcBef>
@@ -4577,7 +4722,7 @@
               <a:buChar char="○"/>
               <a:defRPr sz="1200"/>
             </a:lvl5pPr>
-            <a:lvl6pPr indent="-304800" lvl="5" marL="2743200">
+            <a:lvl6pPr marL="2743200" lvl="5" indent="-304800">
               <a:spcBef>
                 <a:spcPts val="0"/>
               </a:spcBef>
@@ -4588,7 +4733,7 @@
               <a:buChar char="■"/>
               <a:defRPr sz="1200"/>
             </a:lvl6pPr>
-            <a:lvl7pPr indent="-304800" lvl="6" marL="3200400">
+            <a:lvl7pPr marL="3200400" lvl="6" indent="-304800">
               <a:spcBef>
                 <a:spcPts val="0"/>
               </a:spcBef>
@@ -4599,7 +4744,7 @@
               <a:buChar char="●"/>
               <a:defRPr sz="1200"/>
             </a:lvl7pPr>
-            <a:lvl8pPr indent="-304800" lvl="7" marL="3657600">
+            <a:lvl8pPr marL="3657600" lvl="7" indent="-304800">
               <a:spcBef>
                 <a:spcPts val="0"/>
               </a:spcBef>
@@ -4610,7 +4755,7 @@
               <a:buChar char="○"/>
               <a:defRPr sz="1200"/>
             </a:lvl8pPr>
-            <a:lvl9pPr indent="-304800" lvl="8" marL="4114800">
+            <a:lvl9pPr marL="4114800" lvl="8" indent="-304800">
               <a:spcBef>
                 <a:spcPts val="0"/>
               </a:spcBef>
@@ -4622,15 +4767,19 @@
               <a:defRPr sz="1200"/>
             </a:lvl9pPr>
           </a:lstStyle>
-          <a:p/>
+          <a:p>
+            <a:endParaRPr/>
+          </a:p>
         </p:txBody>
       </p:sp>
       <p:sp>
         <p:nvSpPr>
           <p:cNvPr id="32" name="Google Shape;32;p7"/>
-          <p:cNvSpPr txBox="1"/>
+          <p:cNvSpPr txBox="1">
+            <a:spLocks noGrp="1"/>
+          </p:cNvSpPr>
           <p:nvPr>
-            <p:ph idx="12" type="sldNum"/>
+            <p:ph type="sldNum" idx="12"/>
           </p:nvPr>
         </p:nvSpPr>
         <p:spPr>
@@ -4643,7 +4792,7 @@
           </a:prstGeom>
         </p:spPr>
         <p:txBody>
-          <a:bodyPr anchorCtr="0" anchor="ctr" bIns="91425" lIns="91425" spcFirstLastPara="1" rIns="91425" wrap="square" tIns="91425">
+          <a:bodyPr spcFirstLastPara="1" wrap="square" lIns="91425" tIns="91425" rIns="91425" bIns="91425" anchor="ctr" anchorCtr="0">
             <a:normAutofit/>
           </a:bodyPr>
           <a:lstStyle>
@@ -4685,7 +4834,7 @@
             </a:lvl9pPr>
           </a:lstStyle>
           <a:p>
-            <a:pPr indent="0" lvl="0" marL="0" rtl="0" algn="r">
+            <a:pPr marL="0" lvl="0" indent="0" algn="r" rtl="0">
               <a:spcBef>
                 <a:spcPts val="0"/>
               </a:spcBef>
@@ -4711,18 +4860,19 @@
 </file>
 
 <file path=ppt/slideLayouts/slideLayout7.xml><?xml version="1.0" encoding="utf-8"?>
-<p:sldLayout xmlns:a="http://schemas.openxmlformats.org/drawingml/2006/main" xmlns:r="http://schemas.openxmlformats.org/officeDocument/2006/relationships" xmlns:mc="http://schemas.openxmlformats.org/markup-compatibility/2006" xmlns:mv="urn:schemas-microsoft-com:mac:vml" xmlns:p="http://schemas.openxmlformats.org/presentationml/2006/main" xmlns:c="http://schemas.openxmlformats.org/drawingml/2006/chart" xmlns:dgm="http://schemas.openxmlformats.org/drawingml/2006/diagram" xmlns:o="urn:schemas-microsoft-com:office:office" xmlns:v="urn:schemas-microsoft-com:vml" xmlns:pvml="urn:schemas-microsoft-com:office:powerpoint" xmlns:com="http://schemas.openxmlformats.org/drawingml/2006/compatibility" xmlns:p14="http://schemas.microsoft.com/office/powerpoint/2010/main" xmlns:p15="http://schemas.microsoft.com/office/powerpoint/2012/main" xmlns:ahyp="http://schemas.microsoft.com/office/drawing/2018/hyperlinkcolor" matchingName="Main point">
+<p:sldLayout xmlns:a="http://schemas.openxmlformats.org/drawingml/2006/main" xmlns:r="http://schemas.openxmlformats.org/officeDocument/2006/relationships" xmlns:p="http://schemas.openxmlformats.org/presentationml/2006/main" matchingName="Main point">
   <p:cSld name="MAIN_POINT">
     <p:bg>
       <p:bgPr>
         <a:solidFill>
           <a:schemeClr val="accent4"/>
         </a:solidFill>
+        <a:effectLst/>
       </p:bgPr>
     </p:bg>
     <p:spTree>
       <p:nvGrpSpPr>
-        <p:cNvPr id="33" name="Shape 33"/>
+        <p:cNvPr id="1" name="Shape 33"/>
         <p:cNvGrpSpPr/>
         <p:nvPr/>
       </p:nvGrpSpPr>
@@ -4737,7 +4887,9 @@
       <p:sp>
         <p:nvSpPr>
           <p:cNvPr id="34" name="Google Shape;34;p8"/>
-          <p:cNvSpPr txBox="1"/>
+          <p:cNvSpPr txBox="1">
+            <a:spLocks noGrp="1"/>
+          </p:cNvSpPr>
           <p:nvPr>
             <p:ph type="title"/>
           </p:nvPr>
@@ -4752,7 +4904,7 @@
           </a:prstGeom>
         </p:spPr>
         <p:txBody>
-          <a:bodyPr anchorCtr="0" anchor="ctr" bIns="91425" lIns="91425" spcFirstLastPara="1" rIns="91425" wrap="square" tIns="91425">
+          <a:bodyPr spcFirstLastPara="1" wrap="square" lIns="91425" tIns="91425" rIns="91425" bIns="91425" anchor="ctr" anchorCtr="0">
             <a:normAutofit/>
           </a:bodyPr>
           <a:lstStyle>
@@ -4919,15 +5071,19 @@
               </a:defRPr>
             </a:lvl9pPr>
           </a:lstStyle>
-          <a:p/>
+          <a:p>
+            <a:endParaRPr/>
+          </a:p>
         </p:txBody>
       </p:sp>
       <p:sp>
         <p:nvSpPr>
           <p:cNvPr id="35" name="Google Shape;35;p8"/>
-          <p:cNvSpPr txBox="1"/>
+          <p:cNvSpPr txBox="1">
+            <a:spLocks noGrp="1"/>
+          </p:cNvSpPr>
           <p:nvPr>
-            <p:ph idx="12" type="sldNum"/>
+            <p:ph type="sldNum" idx="12"/>
           </p:nvPr>
         </p:nvSpPr>
         <p:spPr>
@@ -4940,7 +5096,7 @@
           </a:prstGeom>
         </p:spPr>
         <p:txBody>
-          <a:bodyPr anchorCtr="0" anchor="ctr" bIns="91425" lIns="91425" spcFirstLastPara="1" rIns="91425" wrap="square" tIns="91425">
+          <a:bodyPr spcFirstLastPara="1" wrap="square" lIns="91425" tIns="91425" rIns="91425" bIns="91425" anchor="ctr" anchorCtr="0">
             <a:normAutofit/>
           </a:bodyPr>
           <a:lstStyle>
@@ -5018,7 +5174,7 @@
             </a:lvl9pPr>
           </a:lstStyle>
           <a:p>
-            <a:pPr indent="0" lvl="0" marL="0" rtl="0" algn="r">
+            <a:pPr marL="0" lvl="0" indent="0" algn="r" rtl="0">
               <a:spcBef>
                 <a:spcPts val="0"/>
               </a:spcBef>
@@ -5044,11 +5200,11 @@
 </file>
 
 <file path=ppt/slideLayouts/slideLayout8.xml><?xml version="1.0" encoding="utf-8"?>
-<p:sldLayout xmlns:a="http://schemas.openxmlformats.org/drawingml/2006/main" xmlns:r="http://schemas.openxmlformats.org/officeDocument/2006/relationships" xmlns:mc="http://schemas.openxmlformats.org/markup-compatibility/2006" xmlns:mv="urn:schemas-microsoft-com:mac:vml" xmlns:p="http://schemas.openxmlformats.org/presentationml/2006/main" xmlns:c="http://schemas.openxmlformats.org/drawingml/2006/chart" xmlns:dgm="http://schemas.openxmlformats.org/drawingml/2006/diagram" xmlns:o="urn:schemas-microsoft-com:office:office" xmlns:v="urn:schemas-microsoft-com:vml" xmlns:pvml="urn:schemas-microsoft-com:office:powerpoint" xmlns:com="http://schemas.openxmlformats.org/drawingml/2006/compatibility" xmlns:p14="http://schemas.microsoft.com/office/powerpoint/2010/main" xmlns:p15="http://schemas.microsoft.com/office/powerpoint/2012/main" xmlns:ahyp="http://schemas.microsoft.com/office/drawing/2018/hyperlinkcolor" matchingName="Section title and description">
+<p:sldLayout xmlns:a="http://schemas.openxmlformats.org/drawingml/2006/main" xmlns:r="http://schemas.openxmlformats.org/officeDocument/2006/relationships" xmlns:p="http://schemas.openxmlformats.org/presentationml/2006/main" matchingName="Section title and description">
   <p:cSld name="SECTION_TITLE_AND_DESCRIPTION">
     <p:spTree>
       <p:nvGrpSpPr>
-        <p:cNvPr id="36" name="Shape 36"/>
+        <p:cNvPr id="1" name="Shape 36"/>
         <p:cNvGrpSpPr/>
         <p:nvPr/>
       </p:nvGrpSpPr>
@@ -5082,12 +5238,12 @@
           </a:ln>
         </p:spPr>
         <p:txBody>
-          <a:bodyPr anchorCtr="0" anchor="ctr" bIns="91425" lIns="91425" spcFirstLastPara="1" rIns="91425" wrap="square" tIns="91425">
+          <a:bodyPr spcFirstLastPara="1" wrap="square" lIns="91425" tIns="91425" rIns="91425" bIns="91425" anchor="ctr" anchorCtr="0">
             <a:noAutofit/>
           </a:bodyPr>
           <a:lstStyle/>
           <a:p>
-            <a:pPr indent="0" lvl="0" marL="0" rtl="0" algn="l">
+            <a:pPr marL="0" lvl="0" indent="0" algn="l" rtl="0">
               <a:spcBef>
                 <a:spcPts val="0"/>
               </a:spcBef>
@@ -5096,9 +5252,6 @@
               </a:spcAft>
               <a:buNone/>
             </a:pPr>
-            <a:r>
-              <a:t/>
-            </a:r>
             <a:endParaRPr/>
           </a:p>
         </p:txBody>
@@ -5118,21 +5271,23 @@
             <a:avLst/>
           </a:prstGeom>
           <a:noFill/>
-          <a:ln cap="flat" cmpd="sng" w="28575">
+          <a:ln w="28575" cap="flat" cmpd="sng">
             <a:solidFill>
               <a:schemeClr val="lt1"/>
             </a:solidFill>
             <a:prstDash val="solid"/>
             <a:round/>
-            <a:headEnd len="sm" w="sm" type="none"/>
-            <a:tailEnd len="sm" w="sm" type="none"/>
+            <a:headEnd type="none" w="sm" len="sm"/>
+            <a:tailEnd type="none" w="sm" len="sm"/>
           </a:ln>
         </p:spPr>
       </p:cxnSp>
       <p:sp>
         <p:nvSpPr>
           <p:cNvPr id="39" name="Google Shape;39;p9"/>
-          <p:cNvSpPr txBox="1"/>
+          <p:cNvSpPr txBox="1">
+            <a:spLocks noGrp="1"/>
+          </p:cNvSpPr>
           <p:nvPr>
             <p:ph type="title"/>
           </p:nvPr>
@@ -5147,7 +5302,7 @@
           </a:prstGeom>
         </p:spPr>
         <p:txBody>
-          <a:bodyPr anchorCtr="0" anchor="b" bIns="91425" lIns="91425" spcFirstLastPara="1" rIns="91425" wrap="square" tIns="91425">
+          <a:bodyPr spcFirstLastPara="1" wrap="square" lIns="91425" tIns="91425" rIns="91425" bIns="91425" anchor="b" anchorCtr="0">
             <a:normAutofit/>
           </a:bodyPr>
           <a:lstStyle>
@@ -5251,15 +5406,19 @@
               <a:defRPr sz="5400"/>
             </a:lvl9pPr>
           </a:lstStyle>
-          <a:p/>
+          <a:p>
+            <a:endParaRPr/>
+          </a:p>
         </p:txBody>
       </p:sp>
       <p:sp>
         <p:nvSpPr>
           <p:cNvPr id="40" name="Google Shape;40;p9"/>
-          <p:cNvSpPr txBox="1"/>
+          <p:cNvSpPr txBox="1">
+            <a:spLocks noGrp="1"/>
+          </p:cNvSpPr>
           <p:nvPr>
-            <p:ph idx="1" type="subTitle"/>
+            <p:ph type="subTitle" idx="1"/>
           </p:nvPr>
         </p:nvSpPr>
         <p:spPr>
@@ -5272,7 +5431,7 @@
           </a:prstGeom>
         </p:spPr>
         <p:txBody>
-          <a:bodyPr anchorCtr="0" anchor="t" bIns="91425" lIns="91425" spcFirstLastPara="1" rIns="91425" wrap="square" tIns="91425">
+          <a:bodyPr spcFirstLastPara="1" wrap="square" lIns="91425" tIns="91425" rIns="91425" bIns="91425" anchor="t" anchorCtr="0">
             <a:normAutofit/>
           </a:bodyPr>
           <a:lstStyle>
@@ -5403,15 +5562,19 @@
               <a:defRPr sz="1800"/>
             </a:lvl9pPr>
           </a:lstStyle>
-          <a:p/>
+          <a:p>
+            <a:endParaRPr/>
+          </a:p>
         </p:txBody>
       </p:sp>
       <p:sp>
         <p:nvSpPr>
           <p:cNvPr id="41" name="Google Shape;41;p9"/>
-          <p:cNvSpPr txBox="1"/>
+          <p:cNvSpPr txBox="1">
+            <a:spLocks noGrp="1"/>
+          </p:cNvSpPr>
           <p:nvPr>
-            <p:ph idx="2" type="body"/>
+            <p:ph type="body" idx="2"/>
           </p:nvPr>
         </p:nvSpPr>
         <p:spPr>
@@ -5424,11 +5587,11 @@
           </a:prstGeom>
         </p:spPr>
         <p:txBody>
-          <a:bodyPr anchorCtr="0" anchor="ctr" bIns="91425" lIns="91425" spcFirstLastPara="1" rIns="91425" wrap="square" tIns="91425">
+          <a:bodyPr spcFirstLastPara="1" wrap="square" lIns="91425" tIns="91425" rIns="91425" bIns="91425" anchor="ctr" anchorCtr="0">
             <a:normAutofit/>
           </a:bodyPr>
           <a:lstStyle>
-            <a:lvl1pPr indent="-342900" lvl="0" marL="457200">
+            <a:lvl1pPr marL="457200" lvl="0" indent="-342900">
               <a:spcBef>
                 <a:spcPts val="0"/>
               </a:spcBef>
@@ -5449,7 +5612,7 @@
                 </a:highlight>
               </a:defRPr>
             </a:lvl1pPr>
-            <a:lvl2pPr indent="-317500" lvl="1" marL="914400">
+            <a:lvl2pPr marL="914400" lvl="1" indent="-317500">
               <a:spcBef>
                 <a:spcPts val="0"/>
               </a:spcBef>
@@ -5470,7 +5633,7 @@
                 </a:highlight>
               </a:defRPr>
             </a:lvl2pPr>
-            <a:lvl3pPr indent="-317500" lvl="2" marL="1371600">
+            <a:lvl3pPr marL="1371600" lvl="2" indent="-317500">
               <a:spcBef>
                 <a:spcPts val="0"/>
               </a:spcBef>
@@ -5491,7 +5654,7 @@
                 </a:highlight>
               </a:defRPr>
             </a:lvl3pPr>
-            <a:lvl4pPr indent="-317500" lvl="3" marL="1828800">
+            <a:lvl4pPr marL="1828800" lvl="3" indent="-317500">
               <a:spcBef>
                 <a:spcPts val="0"/>
               </a:spcBef>
@@ -5512,7 +5675,7 @@
                 </a:highlight>
               </a:defRPr>
             </a:lvl4pPr>
-            <a:lvl5pPr indent="-317500" lvl="4" marL="2286000">
+            <a:lvl5pPr marL="2286000" lvl="4" indent="-317500">
               <a:spcBef>
                 <a:spcPts val="0"/>
               </a:spcBef>
@@ -5533,7 +5696,7 @@
                 </a:highlight>
               </a:defRPr>
             </a:lvl5pPr>
-            <a:lvl6pPr indent="-317500" lvl="5" marL="2743200">
+            <a:lvl6pPr marL="2743200" lvl="5" indent="-317500">
               <a:spcBef>
                 <a:spcPts val="0"/>
               </a:spcBef>
@@ -5554,7 +5717,7 @@
                 </a:highlight>
               </a:defRPr>
             </a:lvl6pPr>
-            <a:lvl7pPr indent="-317500" lvl="6" marL="3200400">
+            <a:lvl7pPr marL="3200400" lvl="6" indent="-317500">
               <a:spcBef>
                 <a:spcPts val="0"/>
               </a:spcBef>
@@ -5575,7 +5738,7 @@
                 </a:highlight>
               </a:defRPr>
             </a:lvl7pPr>
-            <a:lvl8pPr indent="-317500" lvl="7" marL="3657600">
+            <a:lvl8pPr marL="3657600" lvl="7" indent="-317500">
               <a:spcBef>
                 <a:spcPts val="0"/>
               </a:spcBef>
@@ -5596,7 +5759,7 @@
                 </a:highlight>
               </a:defRPr>
             </a:lvl8pPr>
-            <a:lvl9pPr indent="-317500" lvl="8" marL="4114800">
+            <a:lvl9pPr marL="4114800" lvl="8" indent="-317500">
               <a:spcBef>
                 <a:spcPts val="0"/>
               </a:spcBef>
@@ -5618,15 +5781,19 @@
               </a:defRPr>
             </a:lvl9pPr>
           </a:lstStyle>
-          <a:p/>
+          <a:p>
+            <a:endParaRPr/>
+          </a:p>
         </p:txBody>
       </p:sp>
       <p:sp>
         <p:nvSpPr>
           <p:cNvPr id="42" name="Google Shape;42;p9"/>
-          <p:cNvSpPr txBox="1"/>
+          <p:cNvSpPr txBox="1">
+            <a:spLocks noGrp="1"/>
+          </p:cNvSpPr>
           <p:nvPr>
-            <p:ph idx="12" type="sldNum"/>
+            <p:ph type="sldNum" idx="12"/>
           </p:nvPr>
         </p:nvSpPr>
         <p:spPr>
@@ -5639,7 +5806,7 @@
           </a:prstGeom>
         </p:spPr>
         <p:txBody>
-          <a:bodyPr anchorCtr="0" anchor="ctr" bIns="91425" lIns="91425" spcFirstLastPara="1" rIns="91425" wrap="square" tIns="91425">
+          <a:bodyPr spcFirstLastPara="1" wrap="square" lIns="91425" tIns="91425" rIns="91425" bIns="91425" anchor="ctr" anchorCtr="0">
             <a:normAutofit/>
           </a:bodyPr>
           <a:lstStyle>
@@ -5681,7 +5848,7 @@
             </a:lvl9pPr>
           </a:lstStyle>
           <a:p>
-            <a:pPr indent="0" lvl="0" marL="0" rtl="0" algn="r">
+            <a:pPr marL="0" lvl="0" indent="0" algn="r" rtl="0">
               <a:spcBef>
                 <a:spcPts val="0"/>
               </a:spcBef>
@@ -5707,11 +5874,11 @@
 </file>
 
 <file path=ppt/slideLayouts/slideLayout9.xml><?xml version="1.0" encoding="utf-8"?>
-<p:sldLayout xmlns:a="http://schemas.openxmlformats.org/drawingml/2006/main" xmlns:r="http://schemas.openxmlformats.org/officeDocument/2006/relationships" xmlns:mc="http://schemas.openxmlformats.org/markup-compatibility/2006" xmlns:mv="urn:schemas-microsoft-com:mac:vml" xmlns:p="http://schemas.openxmlformats.org/presentationml/2006/main" xmlns:c="http://schemas.openxmlformats.org/drawingml/2006/chart" xmlns:dgm="http://schemas.openxmlformats.org/drawingml/2006/diagram" xmlns:o="urn:schemas-microsoft-com:office:office" xmlns:v="urn:schemas-microsoft-com:vml" xmlns:pvml="urn:schemas-microsoft-com:office:powerpoint" xmlns:com="http://schemas.openxmlformats.org/drawingml/2006/compatibility" xmlns:p14="http://schemas.microsoft.com/office/powerpoint/2010/main" xmlns:p15="http://schemas.microsoft.com/office/powerpoint/2012/main" xmlns:ahyp="http://schemas.microsoft.com/office/drawing/2018/hyperlinkcolor" matchingName="Caption">
+<p:sldLayout xmlns:a="http://schemas.openxmlformats.org/drawingml/2006/main" xmlns:r="http://schemas.openxmlformats.org/officeDocument/2006/relationships" xmlns:p="http://schemas.openxmlformats.org/presentationml/2006/main" matchingName="Caption">
   <p:cSld name="CAPTION_ONLY">
     <p:spTree>
       <p:nvGrpSpPr>
-        <p:cNvPr id="43" name="Shape 43"/>
+        <p:cNvPr id="1" name="Shape 43"/>
         <p:cNvGrpSpPr/>
         <p:nvPr/>
       </p:nvGrpSpPr>
@@ -5726,9 +5893,11 @@
       <p:sp>
         <p:nvSpPr>
           <p:cNvPr id="44" name="Google Shape;44;p10"/>
-          <p:cNvSpPr txBox="1"/>
+          <p:cNvSpPr txBox="1">
+            <a:spLocks noGrp="1"/>
+          </p:cNvSpPr>
           <p:nvPr>
-            <p:ph idx="1" type="body"/>
+            <p:ph type="body" idx="1"/>
           </p:nvPr>
         </p:nvSpPr>
         <p:spPr>
@@ -5741,11 +5910,11 @@
           </a:prstGeom>
         </p:spPr>
         <p:txBody>
-          <a:bodyPr anchorCtr="0" anchor="ctr" bIns="91425" lIns="91425" spcFirstLastPara="1" rIns="91425" wrap="square" tIns="91425">
+          <a:bodyPr spcFirstLastPara="1" wrap="square" lIns="91425" tIns="91425" rIns="91425" bIns="91425" anchor="ctr" anchorCtr="0">
             <a:normAutofit/>
           </a:bodyPr>
           <a:lstStyle>
-            <a:lvl1pPr indent="-228600" lvl="0" marL="457200">
+            <a:lvl1pPr marL="457200" lvl="0" indent="-228600">
               <a:lnSpc>
                 <a:spcPct val="100000"/>
               </a:lnSpc>
@@ -5761,7 +5930,7 @@
               <a:buSzPts val="2400"/>
               <a:buFont typeface="Amatic SC"/>
               <a:buNone/>
-              <a:defRPr b="1" sz="2400">
+              <a:defRPr sz="2400" b="1">
                 <a:solidFill>
                   <a:schemeClr val="accent1"/>
                 </a:solidFill>
@@ -5772,15 +5941,19 @@
               </a:defRPr>
             </a:lvl1pPr>
           </a:lstStyle>
-          <a:p/>
+          <a:p>
+            <a:endParaRPr/>
+          </a:p>
         </p:txBody>
       </p:sp>
       <p:sp>
         <p:nvSpPr>
           <p:cNvPr id="45" name="Google Shape;45;p10"/>
-          <p:cNvSpPr txBox="1"/>
+          <p:cNvSpPr txBox="1">
+            <a:spLocks noGrp="1"/>
+          </p:cNvSpPr>
           <p:nvPr>
-            <p:ph idx="12" type="sldNum"/>
+            <p:ph type="sldNum" idx="12"/>
           </p:nvPr>
         </p:nvSpPr>
         <p:spPr>
@@ -5793,7 +5966,7 @@
           </a:prstGeom>
         </p:spPr>
         <p:txBody>
-          <a:bodyPr anchorCtr="0" anchor="ctr" bIns="91425" lIns="91425" spcFirstLastPara="1" rIns="91425" wrap="square" tIns="91425">
+          <a:bodyPr spcFirstLastPara="1" wrap="square" lIns="91425" tIns="91425" rIns="91425" bIns="91425" anchor="ctr" anchorCtr="0">
             <a:normAutofit/>
           </a:bodyPr>
           <a:lstStyle>
@@ -5835,7 +6008,7 @@
             </a:lvl9pPr>
           </a:lstStyle>
           <a:p>
-            <a:pPr indent="0" lvl="0" marL="0" rtl="0" algn="r">
+            <a:pPr marL="0" lvl="0" indent="0" algn="r" rtl="0">
               <a:spcBef>
                 <a:spcPts val="0"/>
               </a:spcBef>
@@ -5861,18 +6034,19 @@
 </file>
 
 <file path=ppt/slideMasters/slideMaster1.xml><?xml version="1.0" encoding="utf-8"?>
-<p:sldMaster xmlns:a="http://schemas.openxmlformats.org/drawingml/2006/main" xmlns:r="http://schemas.openxmlformats.org/officeDocument/2006/relationships" xmlns:mc="http://schemas.openxmlformats.org/markup-compatibility/2006" xmlns:mv="urn:schemas-microsoft-com:mac:vml" xmlns:p="http://schemas.openxmlformats.org/presentationml/2006/main" xmlns:c="http://schemas.openxmlformats.org/drawingml/2006/chart" xmlns:dgm="http://schemas.openxmlformats.org/drawingml/2006/diagram" xmlns:o="urn:schemas-microsoft-com:office:office" xmlns:v="urn:schemas-microsoft-com:vml" xmlns:pvml="urn:schemas-microsoft-com:office:powerpoint" xmlns:com="http://schemas.openxmlformats.org/drawingml/2006/compatibility" xmlns:p14="http://schemas.microsoft.com/office/powerpoint/2010/main" xmlns:p15="http://schemas.microsoft.com/office/powerpoint/2012/main" xmlns:ahyp="http://schemas.microsoft.com/office/drawing/2018/hyperlinkcolor">
+<p:sldMaster xmlns:a="http://schemas.openxmlformats.org/drawingml/2006/main" xmlns:r="http://schemas.openxmlformats.org/officeDocument/2006/relationships" xmlns:p="http://schemas.openxmlformats.org/presentationml/2006/main">
   <p:cSld name="beach-day">
     <p:bg>
       <p:bgPr>
         <a:solidFill>
           <a:schemeClr val="lt1"/>
         </a:solidFill>
+        <a:effectLst/>
       </p:bgPr>
     </p:bg>
     <p:spTree>
       <p:nvGrpSpPr>
-        <p:cNvPr id="5" name="Shape 5"/>
+        <p:cNvPr id="1" name="Shape 5"/>
         <p:cNvGrpSpPr/>
         <p:nvPr/>
       </p:nvGrpSpPr>
@@ -5887,7 +6061,9 @@
       <p:sp>
         <p:nvSpPr>
           <p:cNvPr id="6" name="Google Shape;6;p1"/>
-          <p:cNvSpPr txBox="1"/>
+          <p:cNvSpPr txBox="1">
+            <a:spLocks noGrp="1"/>
+          </p:cNvSpPr>
           <p:nvPr>
             <p:ph type="title"/>
           </p:nvPr>
@@ -5906,7 +6082,7 @@
           </a:ln>
         </p:spPr>
         <p:txBody>
-          <a:bodyPr anchorCtr="0" anchor="t" bIns="91425" lIns="91425" spcFirstLastPara="1" rIns="91425" wrap="square" tIns="91425">
+          <a:bodyPr spcFirstLastPara="1" wrap="square" lIns="91425" tIns="91425" rIns="91425" bIns="91425" anchor="t" anchorCtr="0">
             <a:normAutofit/>
           </a:bodyPr>
           <a:lstStyle>
@@ -5923,7 +6099,7 @@
               <a:buSzPts val="4200"/>
               <a:buFont typeface="Amatic SC"/>
               <a:buNone/>
-              <a:defRPr b="1" sz="4200">
+              <a:defRPr sz="4200" b="1">
                 <a:solidFill>
                   <a:schemeClr val="accent1"/>
                 </a:solidFill>
@@ -5946,7 +6122,7 @@
               <a:buSzPts val="4200"/>
               <a:buFont typeface="Amatic SC"/>
               <a:buNone/>
-              <a:defRPr b="1" sz="4200">
+              <a:defRPr sz="4200" b="1">
                 <a:solidFill>
                   <a:schemeClr val="accent1"/>
                 </a:solidFill>
@@ -5969,7 +6145,7 @@
               <a:buSzPts val="4200"/>
               <a:buFont typeface="Amatic SC"/>
               <a:buNone/>
-              <a:defRPr b="1" sz="4200">
+              <a:defRPr sz="4200" b="1">
                 <a:solidFill>
                   <a:schemeClr val="accent1"/>
                 </a:solidFill>
@@ -5992,7 +6168,7 @@
               <a:buSzPts val="4200"/>
               <a:buFont typeface="Amatic SC"/>
               <a:buNone/>
-              <a:defRPr b="1" sz="4200">
+              <a:defRPr sz="4200" b="1">
                 <a:solidFill>
                   <a:schemeClr val="accent1"/>
                 </a:solidFill>
@@ -6015,7 +6191,7 @@
               <a:buSzPts val="4200"/>
               <a:buFont typeface="Amatic SC"/>
               <a:buNone/>
-              <a:defRPr b="1" sz="4200">
+              <a:defRPr sz="4200" b="1">
                 <a:solidFill>
                   <a:schemeClr val="accent1"/>
                 </a:solidFill>
@@ -6038,7 +6214,7 @@
               <a:buSzPts val="4200"/>
               <a:buFont typeface="Amatic SC"/>
               <a:buNone/>
-              <a:defRPr b="1" sz="4200">
+              <a:defRPr sz="4200" b="1">
                 <a:solidFill>
                   <a:schemeClr val="accent1"/>
                 </a:solidFill>
@@ -6061,7 +6237,7 @@
               <a:buSzPts val="4200"/>
               <a:buFont typeface="Amatic SC"/>
               <a:buNone/>
-              <a:defRPr b="1" sz="4200">
+              <a:defRPr sz="4200" b="1">
                 <a:solidFill>
                   <a:schemeClr val="accent1"/>
                 </a:solidFill>
@@ -6084,7 +6260,7 @@
               <a:buSzPts val="4200"/>
               <a:buFont typeface="Amatic SC"/>
               <a:buNone/>
-              <a:defRPr b="1" sz="4200">
+              <a:defRPr sz="4200" b="1">
                 <a:solidFill>
                   <a:schemeClr val="accent1"/>
                 </a:solidFill>
@@ -6107,7 +6283,7 @@
               <a:buSzPts val="4200"/>
               <a:buFont typeface="Amatic SC"/>
               <a:buNone/>
-              <a:defRPr b="1" sz="4200">
+              <a:defRPr sz="4200" b="1">
                 <a:solidFill>
                   <a:schemeClr val="accent1"/>
                 </a:solidFill>
@@ -6118,15 +6294,19 @@
               </a:defRPr>
             </a:lvl9pPr>
           </a:lstStyle>
-          <a:p/>
+          <a:p>
+            <a:endParaRPr/>
+          </a:p>
         </p:txBody>
       </p:sp>
       <p:sp>
         <p:nvSpPr>
           <p:cNvPr id="7" name="Google Shape;7;p1"/>
-          <p:cNvSpPr txBox="1"/>
+          <p:cNvSpPr txBox="1">
+            <a:spLocks noGrp="1"/>
+          </p:cNvSpPr>
           <p:nvPr>
-            <p:ph idx="1" type="body"/>
+            <p:ph type="body" idx="1"/>
           </p:nvPr>
         </p:nvSpPr>
         <p:spPr>
@@ -6143,11 +6323,11 @@
           </a:ln>
         </p:spPr>
         <p:txBody>
-          <a:bodyPr anchorCtr="0" anchor="t" bIns="91425" lIns="91425" spcFirstLastPara="1" rIns="91425" wrap="square" tIns="91425">
+          <a:bodyPr spcFirstLastPara="1" wrap="square" lIns="91425" tIns="91425" rIns="91425" bIns="91425" anchor="t" anchorCtr="0">
             <a:normAutofit/>
           </a:bodyPr>
           <a:lstStyle>
-            <a:lvl1pPr indent="-342900" lvl="0" marL="457200">
+            <a:lvl1pPr marL="457200" lvl="0" indent="-342900">
               <a:lnSpc>
                 <a:spcPct val="115000"/>
               </a:lnSpc>
@@ -6173,7 +6353,7 @@
                 <a:sym typeface="Source Code Pro"/>
               </a:defRPr>
             </a:lvl1pPr>
-            <a:lvl2pPr indent="-317500" lvl="1" marL="914400">
+            <a:lvl2pPr marL="914400" lvl="1" indent="-317500">
               <a:lnSpc>
                 <a:spcPct val="115000"/>
               </a:lnSpc>
@@ -6199,7 +6379,7 @@
                 <a:sym typeface="Source Code Pro"/>
               </a:defRPr>
             </a:lvl2pPr>
-            <a:lvl3pPr indent="-317500" lvl="2" marL="1371600">
+            <a:lvl3pPr marL="1371600" lvl="2" indent="-317500">
               <a:lnSpc>
                 <a:spcPct val="115000"/>
               </a:lnSpc>
@@ -6225,7 +6405,7 @@
                 <a:sym typeface="Source Code Pro"/>
               </a:defRPr>
             </a:lvl3pPr>
-            <a:lvl4pPr indent="-317500" lvl="3" marL="1828800">
+            <a:lvl4pPr marL="1828800" lvl="3" indent="-317500">
               <a:lnSpc>
                 <a:spcPct val="115000"/>
               </a:lnSpc>
@@ -6251,7 +6431,7 @@
                 <a:sym typeface="Source Code Pro"/>
               </a:defRPr>
             </a:lvl4pPr>
-            <a:lvl5pPr indent="-317500" lvl="4" marL="2286000">
+            <a:lvl5pPr marL="2286000" lvl="4" indent="-317500">
               <a:lnSpc>
                 <a:spcPct val="115000"/>
               </a:lnSpc>
@@ -6277,7 +6457,7 @@
                 <a:sym typeface="Source Code Pro"/>
               </a:defRPr>
             </a:lvl5pPr>
-            <a:lvl6pPr indent="-317500" lvl="5" marL="2743200">
+            <a:lvl6pPr marL="2743200" lvl="5" indent="-317500">
               <a:lnSpc>
                 <a:spcPct val="115000"/>
               </a:lnSpc>
@@ -6303,7 +6483,7 @@
                 <a:sym typeface="Source Code Pro"/>
               </a:defRPr>
             </a:lvl6pPr>
-            <a:lvl7pPr indent="-317500" lvl="6" marL="3200400">
+            <a:lvl7pPr marL="3200400" lvl="6" indent="-317500">
               <a:lnSpc>
                 <a:spcPct val="115000"/>
               </a:lnSpc>
@@ -6329,7 +6509,7 @@
                 <a:sym typeface="Source Code Pro"/>
               </a:defRPr>
             </a:lvl7pPr>
-            <a:lvl8pPr indent="-317500" lvl="7" marL="3657600">
+            <a:lvl8pPr marL="3657600" lvl="7" indent="-317500">
               <a:lnSpc>
                 <a:spcPct val="115000"/>
               </a:lnSpc>
@@ -6355,7 +6535,7 @@
                 <a:sym typeface="Source Code Pro"/>
               </a:defRPr>
             </a:lvl8pPr>
-            <a:lvl9pPr indent="-317500" lvl="8" marL="4114800">
+            <a:lvl9pPr marL="4114800" lvl="8" indent="-317500">
               <a:lnSpc>
                 <a:spcPct val="115000"/>
               </a:lnSpc>
@@ -6374,144 +6554,6 @@
               <a:defRPr>
                 <a:solidFill>
                   <a:schemeClr val="dk2"/>
-                </a:solidFill>
-                <a:latin typeface="Source Code Pro"/>
-                <a:ea typeface="Source Code Pro"/>
-                <a:cs typeface="Source Code Pro"/>
-                <a:sym typeface="Source Code Pro"/>
-              </a:defRPr>
-            </a:lvl9pPr>
-          </a:lstStyle>
-          <a:p/>
-        </p:txBody>
-      </p:sp>
-      <p:sp>
-        <p:nvSpPr>
-          <p:cNvPr id="8" name="Google Shape;8;p1"/>
-          <p:cNvSpPr txBox="1"/>
-          <p:nvPr>
-            <p:ph idx="12" type="sldNum"/>
-          </p:nvPr>
-        </p:nvSpPr>
-        <p:spPr>
-          <a:xfrm>
-            <a:off x="8472458" y="4663217"/>
-            <a:ext cx="548700" cy="393600"/>
-          </a:xfrm>
-          <a:prstGeom prst="rect">
-            <a:avLst/>
-          </a:prstGeom>
-          <a:noFill/>
-          <a:ln>
-            <a:noFill/>
-          </a:ln>
-        </p:spPr>
-        <p:txBody>
-          <a:bodyPr anchorCtr="0" anchor="ctr" bIns="91425" lIns="91425" spcFirstLastPara="1" rIns="91425" wrap="square" tIns="91425">
-            <a:normAutofit/>
-          </a:bodyPr>
-          <a:lstStyle>
-            <a:lvl1pPr lvl="0" algn="r">
-              <a:buNone/>
-              <a:defRPr sz="1000">
-                <a:solidFill>
-                  <a:schemeClr val="accent1"/>
-                </a:solidFill>
-                <a:latin typeface="Source Code Pro"/>
-                <a:ea typeface="Source Code Pro"/>
-                <a:cs typeface="Source Code Pro"/>
-                <a:sym typeface="Source Code Pro"/>
-              </a:defRPr>
-            </a:lvl1pPr>
-            <a:lvl2pPr lvl="1" algn="r">
-              <a:buNone/>
-              <a:defRPr sz="1000">
-                <a:solidFill>
-                  <a:schemeClr val="accent1"/>
-                </a:solidFill>
-                <a:latin typeface="Source Code Pro"/>
-                <a:ea typeface="Source Code Pro"/>
-                <a:cs typeface="Source Code Pro"/>
-                <a:sym typeface="Source Code Pro"/>
-              </a:defRPr>
-            </a:lvl2pPr>
-            <a:lvl3pPr lvl="2" algn="r">
-              <a:buNone/>
-              <a:defRPr sz="1000">
-                <a:solidFill>
-                  <a:schemeClr val="accent1"/>
-                </a:solidFill>
-                <a:latin typeface="Source Code Pro"/>
-                <a:ea typeface="Source Code Pro"/>
-                <a:cs typeface="Source Code Pro"/>
-                <a:sym typeface="Source Code Pro"/>
-              </a:defRPr>
-            </a:lvl3pPr>
-            <a:lvl4pPr lvl="3" algn="r">
-              <a:buNone/>
-              <a:defRPr sz="1000">
-                <a:solidFill>
-                  <a:schemeClr val="accent1"/>
-                </a:solidFill>
-                <a:latin typeface="Source Code Pro"/>
-                <a:ea typeface="Source Code Pro"/>
-                <a:cs typeface="Source Code Pro"/>
-                <a:sym typeface="Source Code Pro"/>
-              </a:defRPr>
-            </a:lvl4pPr>
-            <a:lvl5pPr lvl="4" algn="r">
-              <a:buNone/>
-              <a:defRPr sz="1000">
-                <a:solidFill>
-                  <a:schemeClr val="accent1"/>
-                </a:solidFill>
-                <a:latin typeface="Source Code Pro"/>
-                <a:ea typeface="Source Code Pro"/>
-                <a:cs typeface="Source Code Pro"/>
-                <a:sym typeface="Source Code Pro"/>
-              </a:defRPr>
-            </a:lvl5pPr>
-            <a:lvl6pPr lvl="5" algn="r">
-              <a:buNone/>
-              <a:defRPr sz="1000">
-                <a:solidFill>
-                  <a:schemeClr val="accent1"/>
-                </a:solidFill>
-                <a:latin typeface="Source Code Pro"/>
-                <a:ea typeface="Source Code Pro"/>
-                <a:cs typeface="Source Code Pro"/>
-                <a:sym typeface="Source Code Pro"/>
-              </a:defRPr>
-            </a:lvl6pPr>
-            <a:lvl7pPr lvl="6" algn="r">
-              <a:buNone/>
-              <a:defRPr sz="1000">
-                <a:solidFill>
-                  <a:schemeClr val="accent1"/>
-                </a:solidFill>
-                <a:latin typeface="Source Code Pro"/>
-                <a:ea typeface="Source Code Pro"/>
-                <a:cs typeface="Source Code Pro"/>
-                <a:sym typeface="Source Code Pro"/>
-              </a:defRPr>
-            </a:lvl7pPr>
-            <a:lvl8pPr lvl="7" algn="r">
-              <a:buNone/>
-              <a:defRPr sz="1000">
-                <a:solidFill>
-                  <a:schemeClr val="accent1"/>
-                </a:solidFill>
-                <a:latin typeface="Source Code Pro"/>
-                <a:ea typeface="Source Code Pro"/>
-                <a:cs typeface="Source Code Pro"/>
-                <a:sym typeface="Source Code Pro"/>
-              </a:defRPr>
-            </a:lvl8pPr>
-            <a:lvl9pPr lvl="8" algn="r">
-              <a:buNone/>
-              <a:defRPr sz="1000">
-                <a:solidFill>
-                  <a:schemeClr val="accent1"/>
                 </a:solidFill>
                 <a:latin typeface="Source Code Pro"/>
                 <a:ea typeface="Source Code Pro"/>
@@ -6521,7 +6563,149 @@
             </a:lvl9pPr>
           </a:lstStyle>
           <a:p>
-            <a:pPr indent="0" lvl="0" marL="0" rtl="0" algn="r">
+            <a:endParaRPr/>
+          </a:p>
+        </p:txBody>
+      </p:sp>
+      <p:sp>
+        <p:nvSpPr>
+          <p:cNvPr id="8" name="Google Shape;8;p1"/>
+          <p:cNvSpPr txBox="1">
+            <a:spLocks noGrp="1"/>
+          </p:cNvSpPr>
+          <p:nvPr>
+            <p:ph type="sldNum" idx="12"/>
+          </p:nvPr>
+        </p:nvSpPr>
+        <p:spPr>
+          <a:xfrm>
+            <a:off x="8472458" y="4663217"/>
+            <a:ext cx="548700" cy="393600"/>
+          </a:xfrm>
+          <a:prstGeom prst="rect">
+            <a:avLst/>
+          </a:prstGeom>
+          <a:noFill/>
+          <a:ln>
+            <a:noFill/>
+          </a:ln>
+        </p:spPr>
+        <p:txBody>
+          <a:bodyPr spcFirstLastPara="1" wrap="square" lIns="91425" tIns="91425" rIns="91425" bIns="91425" anchor="ctr" anchorCtr="0">
+            <a:normAutofit/>
+          </a:bodyPr>
+          <a:lstStyle>
+            <a:lvl1pPr lvl="0" algn="r">
+              <a:buNone/>
+              <a:defRPr sz="1000">
+                <a:solidFill>
+                  <a:schemeClr val="accent1"/>
+                </a:solidFill>
+                <a:latin typeface="Source Code Pro"/>
+                <a:ea typeface="Source Code Pro"/>
+                <a:cs typeface="Source Code Pro"/>
+                <a:sym typeface="Source Code Pro"/>
+              </a:defRPr>
+            </a:lvl1pPr>
+            <a:lvl2pPr lvl="1" algn="r">
+              <a:buNone/>
+              <a:defRPr sz="1000">
+                <a:solidFill>
+                  <a:schemeClr val="accent1"/>
+                </a:solidFill>
+                <a:latin typeface="Source Code Pro"/>
+                <a:ea typeface="Source Code Pro"/>
+                <a:cs typeface="Source Code Pro"/>
+                <a:sym typeface="Source Code Pro"/>
+              </a:defRPr>
+            </a:lvl2pPr>
+            <a:lvl3pPr lvl="2" algn="r">
+              <a:buNone/>
+              <a:defRPr sz="1000">
+                <a:solidFill>
+                  <a:schemeClr val="accent1"/>
+                </a:solidFill>
+                <a:latin typeface="Source Code Pro"/>
+                <a:ea typeface="Source Code Pro"/>
+                <a:cs typeface="Source Code Pro"/>
+                <a:sym typeface="Source Code Pro"/>
+              </a:defRPr>
+            </a:lvl3pPr>
+            <a:lvl4pPr lvl="3" algn="r">
+              <a:buNone/>
+              <a:defRPr sz="1000">
+                <a:solidFill>
+                  <a:schemeClr val="accent1"/>
+                </a:solidFill>
+                <a:latin typeface="Source Code Pro"/>
+                <a:ea typeface="Source Code Pro"/>
+                <a:cs typeface="Source Code Pro"/>
+                <a:sym typeface="Source Code Pro"/>
+              </a:defRPr>
+            </a:lvl4pPr>
+            <a:lvl5pPr lvl="4" algn="r">
+              <a:buNone/>
+              <a:defRPr sz="1000">
+                <a:solidFill>
+                  <a:schemeClr val="accent1"/>
+                </a:solidFill>
+                <a:latin typeface="Source Code Pro"/>
+                <a:ea typeface="Source Code Pro"/>
+                <a:cs typeface="Source Code Pro"/>
+                <a:sym typeface="Source Code Pro"/>
+              </a:defRPr>
+            </a:lvl5pPr>
+            <a:lvl6pPr lvl="5" algn="r">
+              <a:buNone/>
+              <a:defRPr sz="1000">
+                <a:solidFill>
+                  <a:schemeClr val="accent1"/>
+                </a:solidFill>
+                <a:latin typeface="Source Code Pro"/>
+                <a:ea typeface="Source Code Pro"/>
+                <a:cs typeface="Source Code Pro"/>
+                <a:sym typeface="Source Code Pro"/>
+              </a:defRPr>
+            </a:lvl6pPr>
+            <a:lvl7pPr lvl="6" algn="r">
+              <a:buNone/>
+              <a:defRPr sz="1000">
+                <a:solidFill>
+                  <a:schemeClr val="accent1"/>
+                </a:solidFill>
+                <a:latin typeface="Source Code Pro"/>
+                <a:ea typeface="Source Code Pro"/>
+                <a:cs typeface="Source Code Pro"/>
+                <a:sym typeface="Source Code Pro"/>
+              </a:defRPr>
+            </a:lvl7pPr>
+            <a:lvl8pPr lvl="7" algn="r">
+              <a:buNone/>
+              <a:defRPr sz="1000">
+                <a:solidFill>
+                  <a:schemeClr val="accent1"/>
+                </a:solidFill>
+                <a:latin typeface="Source Code Pro"/>
+                <a:ea typeface="Source Code Pro"/>
+                <a:cs typeface="Source Code Pro"/>
+                <a:sym typeface="Source Code Pro"/>
+              </a:defRPr>
+            </a:lvl8pPr>
+            <a:lvl9pPr lvl="8" algn="r">
+              <a:buNone/>
+              <a:defRPr sz="1000">
+                <a:solidFill>
+                  <a:schemeClr val="accent1"/>
+                </a:solidFill>
+                <a:latin typeface="Source Code Pro"/>
+                <a:ea typeface="Source Code Pro"/>
+                <a:cs typeface="Source Code Pro"/>
+                <a:sym typeface="Source Code Pro"/>
+              </a:defRPr>
+            </a:lvl9pPr>
+          </a:lstStyle>
+          <a:p>
+            <a:pPr marL="0" lvl="0" indent="0" algn="r" rtl="0">
               <a:spcBef>
                 <a:spcPts val="0"/>
               </a:spcBef>
@@ -6540,7 +6724,7 @@
       </p:sp>
     </p:spTree>
   </p:cSld>
-  <p:clrMap accent1="accent1" accent2="accent2" accent3="accent3" accent4="accent4" accent5="accent5" accent6="accent6" bg1="lt1" bg2="dk2" tx1="dk1" tx2="lt2" folHlink="folHlink" hlink="hlink"/>
+  <p:clrMap bg1="lt1" tx1="dk1" bg2="dk2" tx2="lt2" accent1="accent1" accent2="accent2" accent3="accent3" accent4="accent4" accent5="accent5" accent6="accent6" hlink="hlink" folHlink="folHlink"/>
   <p:sldLayoutIdLst>
     <p:sldLayoutId id="2147483648" r:id="rId1"/>
     <p:sldLayoutId id="2147483649" r:id="rId2"/>
@@ -6554,10 +6738,10 @@
     <p:sldLayoutId id="2147483657" r:id="rId10"/>
     <p:sldLayoutId id="2147483658" r:id="rId11"/>
   </p:sldLayoutIdLst>
-  <p:hf dt="0" ftr="0" hdr="0" sldNum="0"/>
+  <p:hf sldNum="0" hdr="0" ftr="0" dt="0"/>
   <p:txStyles>
     <p:titleStyle>
-      <a:defPPr lvl="0" marR="0" rtl="0" algn="l">
+      <a:defPPr marR="0" lvl="0" algn="l" rtl="0">
         <a:lnSpc>
           <a:spcPct val="100000"/>
         </a:lnSpc>
@@ -6568,7 +6752,7 @@
           <a:spcPts val="0"/>
         </a:spcAft>
       </a:defPPr>
-      <a:lvl1pPr lvl="0" marR="0" rtl="0" algn="l">
+      <a:lvl1pPr marR="0" lvl="0" algn="l" rtl="0">
         <a:lnSpc>
           <a:spcPct val="100000"/>
         </a:lnSpc>
@@ -6582,7 +6766,7 @@
           <a:srgbClr val="000000"/>
         </a:buClr>
         <a:buFont typeface="Arial"/>
-        <a:defRPr b="0" i="0" sz="1400" u="none" cap="none" strike="noStrike">
+        <a:defRPr sz="1400" b="0" i="0" u="none" strike="noStrike" cap="none">
           <a:solidFill>
             <a:srgbClr val="000000"/>
           </a:solidFill>
@@ -6592,7 +6776,7 @@
           <a:sym typeface="Arial"/>
         </a:defRPr>
       </a:lvl1pPr>
-      <a:lvl2pPr lvl="1" marR="0" rtl="0" algn="l">
+      <a:lvl2pPr marR="0" lvl="1" algn="l" rtl="0">
         <a:lnSpc>
           <a:spcPct val="100000"/>
         </a:lnSpc>
@@ -6606,7 +6790,7 @@
           <a:srgbClr val="000000"/>
         </a:buClr>
         <a:buFont typeface="Arial"/>
-        <a:defRPr b="0" i="0" sz="1400" u="none" cap="none" strike="noStrike">
+        <a:defRPr sz="1400" b="0" i="0" u="none" strike="noStrike" cap="none">
           <a:solidFill>
             <a:srgbClr val="000000"/>
           </a:solidFill>
@@ -6616,7 +6800,7 @@
           <a:sym typeface="Arial"/>
         </a:defRPr>
       </a:lvl2pPr>
-      <a:lvl3pPr lvl="2" marR="0" rtl="0" algn="l">
+      <a:lvl3pPr marR="0" lvl="2" algn="l" rtl="0">
         <a:lnSpc>
           <a:spcPct val="100000"/>
         </a:lnSpc>
@@ -6630,7 +6814,7 @@
           <a:srgbClr val="000000"/>
         </a:buClr>
         <a:buFont typeface="Arial"/>
-        <a:defRPr b="0" i="0" sz="1400" u="none" cap="none" strike="noStrike">
+        <a:defRPr sz="1400" b="0" i="0" u="none" strike="noStrike" cap="none">
           <a:solidFill>
             <a:srgbClr val="000000"/>
           </a:solidFill>
@@ -6640,7 +6824,7 @@
           <a:sym typeface="Arial"/>
         </a:defRPr>
       </a:lvl3pPr>
-      <a:lvl4pPr lvl="3" marR="0" rtl="0" algn="l">
+      <a:lvl4pPr marR="0" lvl="3" algn="l" rtl="0">
         <a:lnSpc>
           <a:spcPct val="100000"/>
         </a:lnSpc>
@@ -6654,7 +6838,7 @@
           <a:srgbClr val="000000"/>
         </a:buClr>
         <a:buFont typeface="Arial"/>
-        <a:defRPr b="0" i="0" sz="1400" u="none" cap="none" strike="noStrike">
+        <a:defRPr sz="1400" b="0" i="0" u="none" strike="noStrike" cap="none">
           <a:solidFill>
             <a:srgbClr val="000000"/>
           </a:solidFill>
@@ -6664,7 +6848,7 @@
           <a:sym typeface="Arial"/>
         </a:defRPr>
       </a:lvl4pPr>
-      <a:lvl5pPr lvl="4" marR="0" rtl="0" algn="l">
+      <a:lvl5pPr marR="0" lvl="4" algn="l" rtl="0">
         <a:lnSpc>
           <a:spcPct val="100000"/>
         </a:lnSpc>
@@ -6678,7 +6862,7 @@
           <a:srgbClr val="000000"/>
         </a:buClr>
         <a:buFont typeface="Arial"/>
-        <a:defRPr b="0" i="0" sz="1400" u="none" cap="none" strike="noStrike">
+        <a:defRPr sz="1400" b="0" i="0" u="none" strike="noStrike" cap="none">
           <a:solidFill>
             <a:srgbClr val="000000"/>
           </a:solidFill>
@@ -6688,7 +6872,7 @@
           <a:sym typeface="Arial"/>
         </a:defRPr>
       </a:lvl5pPr>
-      <a:lvl6pPr lvl="5" marR="0" rtl="0" algn="l">
+      <a:lvl6pPr marR="0" lvl="5" algn="l" rtl="0">
         <a:lnSpc>
           <a:spcPct val="100000"/>
         </a:lnSpc>
@@ -6702,7 +6886,7 @@
           <a:srgbClr val="000000"/>
         </a:buClr>
         <a:buFont typeface="Arial"/>
-        <a:defRPr b="0" i="0" sz="1400" u="none" cap="none" strike="noStrike">
+        <a:defRPr sz="1400" b="0" i="0" u="none" strike="noStrike" cap="none">
           <a:solidFill>
             <a:srgbClr val="000000"/>
           </a:solidFill>
@@ -6712,7 +6896,7 @@
           <a:sym typeface="Arial"/>
         </a:defRPr>
       </a:lvl6pPr>
-      <a:lvl7pPr lvl="6" marR="0" rtl="0" algn="l">
+      <a:lvl7pPr marR="0" lvl="6" algn="l" rtl="0">
         <a:lnSpc>
           <a:spcPct val="100000"/>
         </a:lnSpc>
@@ -6726,7 +6910,7 @@
           <a:srgbClr val="000000"/>
         </a:buClr>
         <a:buFont typeface="Arial"/>
-        <a:defRPr b="0" i="0" sz="1400" u="none" cap="none" strike="noStrike">
+        <a:defRPr sz="1400" b="0" i="0" u="none" strike="noStrike" cap="none">
           <a:solidFill>
             <a:srgbClr val="000000"/>
           </a:solidFill>
@@ -6736,7 +6920,7 @@
           <a:sym typeface="Arial"/>
         </a:defRPr>
       </a:lvl7pPr>
-      <a:lvl8pPr lvl="7" marR="0" rtl="0" algn="l">
+      <a:lvl8pPr marR="0" lvl="7" algn="l" rtl="0">
         <a:lnSpc>
           <a:spcPct val="100000"/>
         </a:lnSpc>
@@ -6750,7 +6934,7 @@
           <a:srgbClr val="000000"/>
         </a:buClr>
         <a:buFont typeface="Arial"/>
-        <a:defRPr b="0" i="0" sz="1400" u="none" cap="none" strike="noStrike">
+        <a:defRPr sz="1400" b="0" i="0" u="none" strike="noStrike" cap="none">
           <a:solidFill>
             <a:srgbClr val="000000"/>
           </a:solidFill>
@@ -6760,7 +6944,7 @@
           <a:sym typeface="Arial"/>
         </a:defRPr>
       </a:lvl8pPr>
-      <a:lvl9pPr lvl="8" marR="0" rtl="0" algn="l">
+      <a:lvl9pPr marR="0" lvl="8" algn="l" rtl="0">
         <a:lnSpc>
           <a:spcPct val="100000"/>
         </a:lnSpc>
@@ -6774,7 +6958,7 @@
           <a:srgbClr val="000000"/>
         </a:buClr>
         <a:buFont typeface="Arial"/>
-        <a:defRPr b="0" i="0" sz="1400" u="none" cap="none" strike="noStrike">
+        <a:defRPr sz="1400" b="0" i="0" u="none" strike="noStrike" cap="none">
           <a:solidFill>
             <a:srgbClr val="000000"/>
           </a:solidFill>
@@ -6786,7 +6970,7 @@
       </a:lvl9pPr>
     </p:titleStyle>
     <p:bodyStyle>
-      <a:defPPr lvl="0" marR="0" rtl="0" algn="l">
+      <a:defPPr marR="0" lvl="0" algn="l" rtl="0">
         <a:lnSpc>
           <a:spcPct val="100000"/>
         </a:lnSpc>
@@ -6797,7 +6981,7 @@
           <a:spcPts val="0"/>
         </a:spcAft>
       </a:defPPr>
-      <a:lvl1pPr lvl="0" marR="0" rtl="0" algn="l">
+      <a:lvl1pPr marR="0" lvl="0" algn="l" rtl="0">
         <a:lnSpc>
           <a:spcPct val="100000"/>
         </a:lnSpc>
@@ -6811,7 +6995,7 @@
           <a:srgbClr val="000000"/>
         </a:buClr>
         <a:buFont typeface="Arial"/>
-        <a:defRPr b="0" i="0" sz="1400" u="none" cap="none" strike="noStrike">
+        <a:defRPr sz="1400" b="0" i="0" u="none" strike="noStrike" cap="none">
           <a:solidFill>
             <a:srgbClr val="000000"/>
           </a:solidFill>
@@ -6821,7 +7005,7 @@
           <a:sym typeface="Arial"/>
         </a:defRPr>
       </a:lvl1pPr>
-      <a:lvl2pPr lvl="1" marR="0" rtl="0" algn="l">
+      <a:lvl2pPr marR="0" lvl="1" algn="l" rtl="0">
         <a:lnSpc>
           <a:spcPct val="100000"/>
         </a:lnSpc>
@@ -6835,7 +7019,7 @@
           <a:srgbClr val="000000"/>
         </a:buClr>
         <a:buFont typeface="Arial"/>
-        <a:defRPr b="0" i="0" sz="1400" u="none" cap="none" strike="noStrike">
+        <a:defRPr sz="1400" b="0" i="0" u="none" strike="noStrike" cap="none">
           <a:solidFill>
             <a:srgbClr val="000000"/>
           </a:solidFill>
@@ -6845,7 +7029,7 @@
           <a:sym typeface="Arial"/>
         </a:defRPr>
       </a:lvl2pPr>
-      <a:lvl3pPr lvl="2" marR="0" rtl="0" algn="l">
+      <a:lvl3pPr marR="0" lvl="2" algn="l" rtl="0">
         <a:lnSpc>
           <a:spcPct val="100000"/>
         </a:lnSpc>
@@ -6859,7 +7043,7 @@
           <a:srgbClr val="000000"/>
         </a:buClr>
         <a:buFont typeface="Arial"/>
-        <a:defRPr b="0" i="0" sz="1400" u="none" cap="none" strike="noStrike">
+        <a:defRPr sz="1400" b="0" i="0" u="none" strike="noStrike" cap="none">
           <a:solidFill>
             <a:srgbClr val="000000"/>
           </a:solidFill>
@@ -6869,7 +7053,7 @@
           <a:sym typeface="Arial"/>
         </a:defRPr>
       </a:lvl3pPr>
-      <a:lvl4pPr lvl="3" marR="0" rtl="0" algn="l">
+      <a:lvl4pPr marR="0" lvl="3" algn="l" rtl="0">
         <a:lnSpc>
           <a:spcPct val="100000"/>
         </a:lnSpc>
@@ -6883,7 +7067,7 @@
           <a:srgbClr val="000000"/>
         </a:buClr>
         <a:buFont typeface="Arial"/>
-        <a:defRPr b="0" i="0" sz="1400" u="none" cap="none" strike="noStrike">
+        <a:defRPr sz="1400" b="0" i="0" u="none" strike="noStrike" cap="none">
           <a:solidFill>
             <a:srgbClr val="000000"/>
           </a:solidFill>
@@ -6893,7 +7077,7 @@
           <a:sym typeface="Arial"/>
         </a:defRPr>
       </a:lvl4pPr>
-      <a:lvl5pPr lvl="4" marR="0" rtl="0" algn="l">
+      <a:lvl5pPr marR="0" lvl="4" algn="l" rtl="0">
         <a:lnSpc>
           <a:spcPct val="100000"/>
         </a:lnSpc>
@@ -6907,7 +7091,7 @@
           <a:srgbClr val="000000"/>
         </a:buClr>
         <a:buFont typeface="Arial"/>
-        <a:defRPr b="0" i="0" sz="1400" u="none" cap="none" strike="noStrike">
+        <a:defRPr sz="1400" b="0" i="0" u="none" strike="noStrike" cap="none">
           <a:solidFill>
             <a:srgbClr val="000000"/>
           </a:solidFill>
@@ -6917,7 +7101,7 @@
           <a:sym typeface="Arial"/>
         </a:defRPr>
       </a:lvl5pPr>
-      <a:lvl6pPr lvl="5" marR="0" rtl="0" algn="l">
+      <a:lvl6pPr marR="0" lvl="5" algn="l" rtl="0">
         <a:lnSpc>
           <a:spcPct val="100000"/>
         </a:lnSpc>
@@ -6931,7 +7115,7 @@
           <a:srgbClr val="000000"/>
         </a:buClr>
         <a:buFont typeface="Arial"/>
-        <a:defRPr b="0" i="0" sz="1400" u="none" cap="none" strike="noStrike">
+        <a:defRPr sz="1400" b="0" i="0" u="none" strike="noStrike" cap="none">
           <a:solidFill>
             <a:srgbClr val="000000"/>
           </a:solidFill>
@@ -6941,7 +7125,7 @@
           <a:sym typeface="Arial"/>
         </a:defRPr>
       </a:lvl6pPr>
-      <a:lvl7pPr lvl="6" marR="0" rtl="0" algn="l">
+      <a:lvl7pPr marR="0" lvl="6" algn="l" rtl="0">
         <a:lnSpc>
           <a:spcPct val="100000"/>
         </a:lnSpc>
@@ -6955,7 +7139,7 @@
           <a:srgbClr val="000000"/>
         </a:buClr>
         <a:buFont typeface="Arial"/>
-        <a:defRPr b="0" i="0" sz="1400" u="none" cap="none" strike="noStrike">
+        <a:defRPr sz="1400" b="0" i="0" u="none" strike="noStrike" cap="none">
           <a:solidFill>
             <a:srgbClr val="000000"/>
           </a:solidFill>
@@ -6965,7 +7149,7 @@
           <a:sym typeface="Arial"/>
         </a:defRPr>
       </a:lvl7pPr>
-      <a:lvl8pPr lvl="7" marR="0" rtl="0" algn="l">
+      <a:lvl8pPr marR="0" lvl="7" algn="l" rtl="0">
         <a:lnSpc>
           <a:spcPct val="100000"/>
         </a:lnSpc>
@@ -6979,7 +7163,7 @@
           <a:srgbClr val="000000"/>
         </a:buClr>
         <a:buFont typeface="Arial"/>
-        <a:defRPr b="0" i="0" sz="1400" u="none" cap="none" strike="noStrike">
+        <a:defRPr sz="1400" b="0" i="0" u="none" strike="noStrike" cap="none">
           <a:solidFill>
             <a:srgbClr val="000000"/>
           </a:solidFill>
@@ -6989,7 +7173,7 @@
           <a:sym typeface="Arial"/>
         </a:defRPr>
       </a:lvl8pPr>
-      <a:lvl9pPr lvl="8" marR="0" rtl="0" algn="l">
+      <a:lvl9pPr marR="0" lvl="8" algn="l" rtl="0">
         <a:lnSpc>
           <a:spcPct val="100000"/>
         </a:lnSpc>
@@ -7003,7 +7187,7 @@
           <a:srgbClr val="000000"/>
         </a:buClr>
         <a:buFont typeface="Arial"/>
-        <a:defRPr b="0" i="0" sz="1400" u="none" cap="none" strike="noStrike">
+        <a:defRPr sz="1400" b="0" i="0" u="none" strike="noStrike" cap="none">
           <a:solidFill>
             <a:srgbClr val="000000"/>
           </a:solidFill>
@@ -7015,7 +7199,7 @@
       </a:lvl9pPr>
     </p:bodyStyle>
     <p:otherStyle>
-      <a:defPPr lvl="0" marR="0" rtl="0" algn="l">
+      <a:defPPr marR="0" lvl="0" algn="l" rtl="0">
         <a:lnSpc>
           <a:spcPct val="100000"/>
         </a:lnSpc>
@@ -7026,7 +7210,7 @@
           <a:spcPts val="0"/>
         </a:spcAft>
       </a:defPPr>
-      <a:lvl1pPr lvl="0" marR="0" rtl="0" algn="l">
+      <a:lvl1pPr marR="0" lvl="0" algn="l" rtl="0">
         <a:lnSpc>
           <a:spcPct val="100000"/>
         </a:lnSpc>
@@ -7040,7 +7224,7 @@
           <a:srgbClr val="000000"/>
         </a:buClr>
         <a:buFont typeface="Arial"/>
-        <a:defRPr b="0" i="0" sz="1400" u="none" cap="none" strike="noStrike">
+        <a:defRPr sz="1400" b="0" i="0" u="none" strike="noStrike" cap="none">
           <a:solidFill>
             <a:srgbClr val="000000"/>
           </a:solidFill>
@@ -7050,7 +7234,7 @@
           <a:sym typeface="Arial"/>
         </a:defRPr>
       </a:lvl1pPr>
-      <a:lvl2pPr lvl="1" marR="0" rtl="0" algn="l">
+      <a:lvl2pPr marR="0" lvl="1" algn="l" rtl="0">
         <a:lnSpc>
           <a:spcPct val="100000"/>
         </a:lnSpc>
@@ -7064,7 +7248,7 @@
           <a:srgbClr val="000000"/>
         </a:buClr>
         <a:buFont typeface="Arial"/>
-        <a:defRPr b="0" i="0" sz="1400" u="none" cap="none" strike="noStrike">
+        <a:defRPr sz="1400" b="0" i="0" u="none" strike="noStrike" cap="none">
           <a:solidFill>
             <a:srgbClr val="000000"/>
           </a:solidFill>
@@ -7074,7 +7258,7 @@
           <a:sym typeface="Arial"/>
         </a:defRPr>
       </a:lvl2pPr>
-      <a:lvl3pPr lvl="2" marR="0" rtl="0" algn="l">
+      <a:lvl3pPr marR="0" lvl="2" algn="l" rtl="0">
         <a:lnSpc>
           <a:spcPct val="100000"/>
         </a:lnSpc>
@@ -7088,7 +7272,7 @@
           <a:srgbClr val="000000"/>
         </a:buClr>
         <a:buFont typeface="Arial"/>
-        <a:defRPr b="0" i="0" sz="1400" u="none" cap="none" strike="noStrike">
+        <a:defRPr sz="1400" b="0" i="0" u="none" strike="noStrike" cap="none">
           <a:solidFill>
             <a:srgbClr val="000000"/>
           </a:solidFill>
@@ -7098,7 +7282,7 @@
           <a:sym typeface="Arial"/>
         </a:defRPr>
       </a:lvl3pPr>
-      <a:lvl4pPr lvl="3" marR="0" rtl="0" algn="l">
+      <a:lvl4pPr marR="0" lvl="3" algn="l" rtl="0">
         <a:lnSpc>
           <a:spcPct val="100000"/>
         </a:lnSpc>
@@ -7112,7 +7296,7 @@
           <a:srgbClr val="000000"/>
         </a:buClr>
         <a:buFont typeface="Arial"/>
-        <a:defRPr b="0" i="0" sz="1400" u="none" cap="none" strike="noStrike">
+        <a:defRPr sz="1400" b="0" i="0" u="none" strike="noStrike" cap="none">
           <a:solidFill>
             <a:srgbClr val="000000"/>
           </a:solidFill>
@@ -7122,7 +7306,7 @@
           <a:sym typeface="Arial"/>
         </a:defRPr>
       </a:lvl4pPr>
-      <a:lvl5pPr lvl="4" marR="0" rtl="0" algn="l">
+      <a:lvl5pPr marR="0" lvl="4" algn="l" rtl="0">
         <a:lnSpc>
           <a:spcPct val="100000"/>
         </a:lnSpc>
@@ -7136,7 +7320,7 @@
           <a:srgbClr val="000000"/>
         </a:buClr>
         <a:buFont typeface="Arial"/>
-        <a:defRPr b="0" i="0" sz="1400" u="none" cap="none" strike="noStrike">
+        <a:defRPr sz="1400" b="0" i="0" u="none" strike="noStrike" cap="none">
           <a:solidFill>
             <a:srgbClr val="000000"/>
           </a:solidFill>
@@ -7146,7 +7330,7 @@
           <a:sym typeface="Arial"/>
         </a:defRPr>
       </a:lvl5pPr>
-      <a:lvl6pPr lvl="5" marR="0" rtl="0" algn="l">
+      <a:lvl6pPr marR="0" lvl="5" algn="l" rtl="0">
         <a:lnSpc>
           <a:spcPct val="100000"/>
         </a:lnSpc>
@@ -7160,7 +7344,7 @@
           <a:srgbClr val="000000"/>
         </a:buClr>
         <a:buFont typeface="Arial"/>
-        <a:defRPr b="0" i="0" sz="1400" u="none" cap="none" strike="noStrike">
+        <a:defRPr sz="1400" b="0" i="0" u="none" strike="noStrike" cap="none">
           <a:solidFill>
             <a:srgbClr val="000000"/>
           </a:solidFill>
@@ -7170,7 +7354,7 @@
           <a:sym typeface="Arial"/>
         </a:defRPr>
       </a:lvl6pPr>
-      <a:lvl7pPr lvl="6" marR="0" rtl="0" algn="l">
+      <a:lvl7pPr marR="0" lvl="6" algn="l" rtl="0">
         <a:lnSpc>
           <a:spcPct val="100000"/>
         </a:lnSpc>
@@ -7184,7 +7368,7 @@
           <a:srgbClr val="000000"/>
         </a:buClr>
         <a:buFont typeface="Arial"/>
-        <a:defRPr b="0" i="0" sz="1400" u="none" cap="none" strike="noStrike">
+        <a:defRPr sz="1400" b="0" i="0" u="none" strike="noStrike" cap="none">
           <a:solidFill>
             <a:srgbClr val="000000"/>
           </a:solidFill>
@@ -7194,7 +7378,7 @@
           <a:sym typeface="Arial"/>
         </a:defRPr>
       </a:lvl7pPr>
-      <a:lvl8pPr lvl="7" marR="0" rtl="0" algn="l">
+      <a:lvl8pPr marR="0" lvl="7" algn="l" rtl="0">
         <a:lnSpc>
           <a:spcPct val="100000"/>
         </a:lnSpc>
@@ -7208,7 +7392,7 @@
           <a:srgbClr val="000000"/>
         </a:buClr>
         <a:buFont typeface="Arial"/>
-        <a:defRPr b="0" i="0" sz="1400" u="none" cap="none" strike="noStrike">
+        <a:defRPr sz="1400" b="0" i="0" u="none" strike="noStrike" cap="none">
           <a:solidFill>
             <a:srgbClr val="000000"/>
           </a:solidFill>
@@ -7218,7 +7402,7 @@
           <a:sym typeface="Arial"/>
         </a:defRPr>
       </a:lvl8pPr>
-      <a:lvl9pPr lvl="8" marR="0" rtl="0" algn="l">
+      <a:lvl9pPr marR="0" lvl="8" algn="l" rtl="0">
         <a:lnSpc>
           <a:spcPct val="100000"/>
         </a:lnSpc>
@@ -7232,7 +7416,7 @@
           <a:srgbClr val="000000"/>
         </a:buClr>
         <a:buFont typeface="Arial"/>
-        <a:defRPr b="0" i="0" sz="1400" u="none" cap="none" strike="noStrike">
+        <a:defRPr sz="1400" b="0" i="0" u="none" strike="noStrike" cap="none">
           <a:solidFill>
             <a:srgbClr val="000000"/>
           </a:solidFill>
@@ -7248,11 +7432,11 @@
 </file>
 
 <file path=ppt/slides/slide1.xml><?xml version="1.0" encoding="utf-8"?>
-<p:sld xmlns:a="http://schemas.openxmlformats.org/drawingml/2006/main" xmlns:r="http://schemas.openxmlformats.org/officeDocument/2006/relationships" xmlns:mc="http://schemas.openxmlformats.org/markup-compatibility/2006" xmlns:mv="urn:schemas-microsoft-com:mac:vml" xmlns:p="http://schemas.openxmlformats.org/presentationml/2006/main" xmlns:c="http://schemas.openxmlformats.org/drawingml/2006/chart" xmlns:dgm="http://schemas.openxmlformats.org/drawingml/2006/diagram" xmlns:o="urn:schemas-microsoft-com:office:office" xmlns:v="urn:schemas-microsoft-com:vml" xmlns:pvml="urn:schemas-microsoft-com:office:powerpoint" xmlns:com="http://schemas.openxmlformats.org/drawingml/2006/compatibility" xmlns:p14="http://schemas.microsoft.com/office/powerpoint/2010/main" xmlns:p15="http://schemas.microsoft.com/office/powerpoint/2012/main" xmlns:ahyp="http://schemas.microsoft.com/office/drawing/2018/hyperlinkcolor">
+<p:sld xmlns:a="http://schemas.openxmlformats.org/drawingml/2006/main" xmlns:r="http://schemas.openxmlformats.org/officeDocument/2006/relationships" xmlns:p="http://schemas.openxmlformats.org/presentationml/2006/main">
   <p:cSld>
     <p:spTree>
       <p:nvGrpSpPr>
-        <p:cNvPr id="55" name="Shape 55"/>
+        <p:cNvPr id="1" name="Shape 55"/>
         <p:cNvGrpSpPr/>
         <p:nvPr/>
       </p:nvGrpSpPr>
@@ -7289,23 +7473,23 @@
             </a:gsLst>
             <a:lin ang="5400012" scaled="0"/>
           </a:gradFill>
-          <a:ln cap="flat" cmpd="sng" w="9525">
+          <a:ln w="9525" cap="flat" cmpd="sng">
             <a:solidFill>
               <a:schemeClr val="dk1"/>
             </a:solidFill>
             <a:prstDash val="solid"/>
             <a:round/>
-            <a:headEnd len="sm" w="sm" type="none"/>
-            <a:tailEnd len="sm" w="sm" type="none"/>
+            <a:headEnd type="none" w="sm" len="sm"/>
+            <a:tailEnd type="none" w="sm" len="sm"/>
           </a:ln>
         </p:spPr>
         <p:txBody>
-          <a:bodyPr anchorCtr="0" anchor="ctr" bIns="91425" lIns="91425" spcFirstLastPara="1" rIns="91425" wrap="square" tIns="91425">
+          <a:bodyPr spcFirstLastPara="1" wrap="square" lIns="91425" tIns="91425" rIns="91425" bIns="91425" anchor="ctr" anchorCtr="0">
             <a:noAutofit/>
           </a:bodyPr>
           <a:lstStyle/>
           <a:p>
-            <a:pPr indent="0" lvl="0" marL="0" rtl="0" algn="l">
+            <a:pPr marL="0" lvl="0" indent="0" algn="l" rtl="0">
               <a:spcBef>
                 <a:spcPts val="0"/>
               </a:spcBef>
@@ -7314,9 +7498,6 @@
               </a:spcAft>
               <a:buNone/>
             </a:pPr>
-            <a:r>
-              <a:t/>
-            </a:r>
             <a:endParaRPr/>
           </a:p>
         </p:txBody>
@@ -7324,7 +7505,9 @@
       <p:sp>
         <p:nvSpPr>
           <p:cNvPr id="57" name="Google Shape;57;p13"/>
-          <p:cNvSpPr txBox="1"/>
+          <p:cNvSpPr txBox="1">
+            <a:spLocks noGrp="1"/>
+          </p:cNvSpPr>
           <p:nvPr>
             <p:ph type="ctrTitle"/>
           </p:nvPr>
@@ -7339,12 +7522,12 @@
           </a:prstGeom>
         </p:spPr>
         <p:txBody>
-          <a:bodyPr anchorCtr="0" anchor="ctr" bIns="91425" lIns="91425" spcFirstLastPara="1" rIns="91425" wrap="square" tIns="91425">
+          <a:bodyPr spcFirstLastPara="1" wrap="square" lIns="91425" tIns="91425" rIns="91425" bIns="91425" anchor="ctr" anchorCtr="0">
             <a:noAutofit/>
           </a:bodyPr>
           <a:lstStyle/>
           <a:p>
-            <a:pPr indent="0" lvl="0" marL="0" rtl="0" algn="ctr">
+            <a:pPr marL="0" lvl="0" indent="0" algn="ctr" rtl="0">
               <a:spcBef>
                 <a:spcPts val="0"/>
               </a:spcBef>
@@ -7354,7 +7537,7 @@
               <a:buNone/>
             </a:pPr>
             <a:r>
-              <a:rPr b="0" lang="en" sz="7100">
+              <a:rPr lang="en" sz="7100" b="0">
                 <a:latin typeface="Impact"/>
                 <a:ea typeface="Impact"/>
                 <a:cs typeface="Impact"/>
@@ -7362,7 +7545,7 @@
               </a:rPr>
               <a:t>Air-BNB </a:t>
             </a:r>
-            <a:endParaRPr b="0" sz="7100">
+            <a:endParaRPr sz="7100" b="0">
               <a:latin typeface="Impact"/>
               <a:ea typeface="Impact"/>
               <a:cs typeface="Impact"/>
@@ -7370,7 +7553,7 @@
             </a:endParaRPr>
           </a:p>
           <a:p>
-            <a:pPr indent="0" lvl="0" marL="0" rtl="0" algn="ctr">
+            <a:pPr marL="0" lvl="0" indent="0" algn="ctr" rtl="0">
               <a:spcBef>
                 <a:spcPts val="0"/>
               </a:spcBef>
@@ -7380,7 +7563,7 @@
               <a:buNone/>
             </a:pPr>
             <a:r>
-              <a:rPr b="0" lang="en" sz="7100">
+              <a:rPr lang="en" sz="7100" b="0">
                 <a:latin typeface="Impact"/>
                 <a:ea typeface="Impact"/>
                 <a:cs typeface="Impact"/>
@@ -7388,7 +7571,7 @@
               </a:rPr>
               <a:t>Travel Data Analysis</a:t>
             </a:r>
-            <a:endParaRPr b="0" sz="7100">
+            <a:endParaRPr sz="7100" b="0">
               <a:latin typeface="Impact"/>
               <a:ea typeface="Impact"/>
               <a:cs typeface="Impact"/>
@@ -7398,19 +7581,32 @@
         </p:txBody>
       </p:sp>
     </p:spTree>
+    <p:extLst>
+      <p:ext uri="{BB962C8B-B14F-4D97-AF65-F5344CB8AC3E}">
+        <p14:creationId xmlns:p14="http://schemas.microsoft.com/office/powerpoint/2010/main" val="3552610984"/>
+      </p:ext>
+    </p:extLst>
   </p:cSld>
   <p:clrMapOvr>
     <a:masterClrMapping/>
   </p:clrMapOvr>
+  <mc:AlternateContent xmlns:mc="http://schemas.openxmlformats.org/markup-compatibility/2006" xmlns:p14="http://schemas.microsoft.com/office/powerpoint/2010/main">
+    <mc:Choice Requires="p14">
+      <p:transition spd="slow" p14:dur="2000" advTm="5278"/>
+    </mc:Choice>
+    <mc:Fallback xmlns="">
+      <p:transition spd="slow" advTm="5278"/>
+    </mc:Fallback>
+  </mc:AlternateContent>
 </p:sld>
 </file>
 
 <file path=ppt/slides/slide10.xml><?xml version="1.0" encoding="utf-8"?>
-<p:sld xmlns:a="http://schemas.openxmlformats.org/drawingml/2006/main" xmlns:r="http://schemas.openxmlformats.org/officeDocument/2006/relationships" xmlns:mc="http://schemas.openxmlformats.org/markup-compatibility/2006" xmlns:mv="urn:schemas-microsoft-com:mac:vml" xmlns:p="http://schemas.openxmlformats.org/presentationml/2006/main" xmlns:c="http://schemas.openxmlformats.org/drawingml/2006/chart" xmlns:dgm="http://schemas.openxmlformats.org/drawingml/2006/diagram" xmlns:o="urn:schemas-microsoft-com:office:office" xmlns:v="urn:schemas-microsoft-com:vml" xmlns:pvml="urn:schemas-microsoft-com:office:powerpoint" xmlns:com="http://schemas.openxmlformats.org/drawingml/2006/compatibility" xmlns:p14="http://schemas.microsoft.com/office/powerpoint/2010/main" xmlns:p15="http://schemas.microsoft.com/office/powerpoint/2012/main" xmlns:ahyp="http://schemas.microsoft.com/office/drawing/2018/hyperlinkcolor">
+<p:sld xmlns:a="http://schemas.openxmlformats.org/drawingml/2006/main" xmlns:r="http://schemas.openxmlformats.org/officeDocument/2006/relationships" xmlns:p="http://schemas.openxmlformats.org/presentationml/2006/main">
   <p:cSld>
     <p:spTree>
       <p:nvGrpSpPr>
-        <p:cNvPr id="138" name="Shape 138"/>
+        <p:cNvPr id="1" name="Shape 138"/>
         <p:cNvGrpSpPr/>
         <p:nvPr/>
       </p:nvGrpSpPr>
@@ -7447,23 +7643,23 @@
             </a:gsLst>
             <a:lin ang="5400012" scaled="0"/>
           </a:gradFill>
-          <a:ln cap="flat" cmpd="sng" w="9525">
+          <a:ln w="9525" cap="flat" cmpd="sng">
             <a:solidFill>
               <a:schemeClr val="dk1"/>
             </a:solidFill>
             <a:prstDash val="solid"/>
             <a:round/>
-            <a:headEnd len="sm" w="sm" type="none"/>
-            <a:tailEnd len="sm" w="sm" type="none"/>
+            <a:headEnd type="none" w="sm" len="sm"/>
+            <a:tailEnd type="none" w="sm" len="sm"/>
           </a:ln>
         </p:spPr>
         <p:txBody>
-          <a:bodyPr anchorCtr="0" anchor="ctr" bIns="91425" lIns="91425" spcFirstLastPara="1" rIns="91425" wrap="square" tIns="91425">
+          <a:bodyPr spcFirstLastPara="1" wrap="square" lIns="91425" tIns="91425" rIns="91425" bIns="91425" anchor="ctr" anchorCtr="0">
             <a:noAutofit/>
           </a:bodyPr>
           <a:lstStyle/>
           <a:p>
-            <a:pPr indent="0" lvl="0" marL="0" rtl="0" algn="l">
+            <a:pPr marL="0" lvl="0" indent="0" algn="l" rtl="0">
               <a:spcBef>
                 <a:spcPts val="0"/>
               </a:spcBef>
@@ -7472,9 +7668,6 @@
               </a:spcAft>
               <a:buNone/>
             </a:pPr>
-            <a:r>
-              <a:t/>
-            </a:r>
             <a:endParaRPr/>
           </a:p>
         </p:txBody>
@@ -7482,7 +7675,9 @@
       <p:sp>
         <p:nvSpPr>
           <p:cNvPr id="140" name="Google Shape;140;p22"/>
-          <p:cNvSpPr txBox="1"/>
+          <p:cNvSpPr txBox="1">
+            <a:spLocks noGrp="1"/>
+          </p:cNvSpPr>
           <p:nvPr>
             <p:ph type="title"/>
           </p:nvPr>
@@ -7497,12 +7692,12 @@
           </a:prstGeom>
         </p:spPr>
         <p:txBody>
-          <a:bodyPr anchorCtr="0" anchor="t" bIns="91425" lIns="91425" spcFirstLastPara="1" rIns="91425" wrap="square" tIns="91425">
+          <a:bodyPr spcFirstLastPara="1" wrap="square" lIns="91425" tIns="91425" rIns="91425" bIns="91425" anchor="t" anchorCtr="0">
             <a:normAutofit fontScale="90000"/>
           </a:bodyPr>
           <a:lstStyle/>
           <a:p>
-            <a:pPr indent="0" lvl="0" marL="0" rtl="0" algn="ctr">
+            <a:pPr marL="0" lvl="0" indent="0" algn="ctr" rtl="0">
               <a:spcBef>
                 <a:spcPts val="0"/>
               </a:spcBef>
@@ -7512,7 +7707,7 @@
               <a:buNone/>
             </a:pPr>
             <a:r>
-              <a:rPr b="0" lang="en">
+              <a:rPr lang="en" b="0">
                 <a:solidFill>
                   <a:schemeClr val="lt1"/>
                 </a:solidFill>
@@ -7548,30 +7743,30 @@
           </a:xfrm>
           <a:prstGeom prst="leftArrow">
             <a:avLst>
-              <a:gd fmla="val 50000" name="adj1"/>
-              <a:gd fmla="val 50000" name="adj2"/>
+              <a:gd name="adj1" fmla="val 50000"/>
+              <a:gd name="adj2" fmla="val 50000"/>
             </a:avLst>
           </a:prstGeom>
           <a:solidFill>
             <a:schemeClr val="lt1"/>
           </a:solidFill>
-          <a:ln cap="flat" cmpd="sng" w="9525">
+          <a:ln w="9525" cap="flat" cmpd="sng">
             <a:solidFill>
               <a:schemeClr val="dk2"/>
             </a:solidFill>
             <a:prstDash val="solid"/>
             <a:round/>
-            <a:headEnd len="sm" w="sm" type="none"/>
-            <a:tailEnd len="sm" w="sm" type="none"/>
+            <a:headEnd type="none" w="sm" len="sm"/>
+            <a:tailEnd type="none" w="sm" len="sm"/>
           </a:ln>
         </p:spPr>
         <p:txBody>
-          <a:bodyPr anchorCtr="0" anchor="ctr" bIns="91425" lIns="91425" spcFirstLastPara="1" rIns="91425" wrap="square" tIns="91425">
+          <a:bodyPr spcFirstLastPara="1" wrap="square" lIns="91425" tIns="91425" rIns="91425" bIns="91425" anchor="ctr" anchorCtr="0">
             <a:noAutofit/>
           </a:bodyPr>
           <a:lstStyle/>
           <a:p>
-            <a:pPr indent="0" lvl="0" marL="0" rtl="0" algn="l">
+            <a:pPr marL="0" lvl="0" indent="0" algn="l" rtl="0">
               <a:spcBef>
                 <a:spcPts val="0"/>
               </a:spcBef>
@@ -7580,9 +7775,6 @@
               </a:spcAft>
               <a:buNone/>
             </a:pPr>
-            <a:r>
-              <a:t/>
-            </a:r>
             <a:endParaRPr/>
           </a:p>
         </p:txBody>
@@ -7590,7 +7782,9 @@
       <p:sp>
         <p:nvSpPr>
           <p:cNvPr id="142" name="Google Shape;142;p22"/>
-          <p:cNvSpPr txBox="1"/>
+          <p:cNvSpPr txBox="1">
+            <a:spLocks noGrp="1"/>
+          </p:cNvSpPr>
           <p:nvPr>
             <p:ph type="title"/>
           </p:nvPr>
@@ -7605,12 +7799,12 @@
           </a:prstGeom>
         </p:spPr>
         <p:txBody>
-          <a:bodyPr anchorCtr="0" anchor="ctr" bIns="91425" lIns="91425" spcFirstLastPara="1" rIns="91425" wrap="square" tIns="91425">
+          <a:bodyPr spcFirstLastPara="1" wrap="square" lIns="91425" tIns="91425" rIns="91425" bIns="91425" anchor="ctr" anchorCtr="0">
             <a:noAutofit/>
           </a:bodyPr>
           <a:lstStyle/>
           <a:p>
-            <a:pPr indent="0" lvl="0" marL="0" rtl="0" algn="ctr">
+            <a:pPr marL="0" lvl="0" indent="0" algn="ctr" rtl="0">
               <a:spcBef>
                 <a:spcPts val="0"/>
               </a:spcBef>
@@ -7621,7 +7815,7 @@
               <a:buNone/>
             </a:pPr>
             <a:r>
-              <a:rPr b="0" lang="en" sz="1600">
+              <a:rPr lang="en" sz="1600" b="0">
                 <a:solidFill>
                   <a:schemeClr val="lt1"/>
                 </a:solidFill>
@@ -7632,7 +7826,7 @@
               </a:rPr>
               <a:t>Drastic difference seen between the average pricing of room types. Entire Home/ apt and Private room being almost the same</a:t>
             </a:r>
-            <a:endParaRPr b="0" sz="1600">
+            <a:endParaRPr sz="1600" b="0">
               <a:solidFill>
                 <a:schemeClr val="lt1"/>
               </a:solidFill>
@@ -7713,30 +7907,30 @@
           </a:xfrm>
           <a:prstGeom prst="leftArrow">
             <a:avLst>
-              <a:gd fmla="val 50000" name="adj1"/>
-              <a:gd fmla="val 50000" name="adj2"/>
+              <a:gd name="adj1" fmla="val 50000"/>
+              <a:gd name="adj2" fmla="val 50000"/>
             </a:avLst>
           </a:prstGeom>
           <a:solidFill>
             <a:schemeClr val="lt1"/>
           </a:solidFill>
-          <a:ln cap="flat" cmpd="sng" w="9525">
+          <a:ln w="9525" cap="flat" cmpd="sng">
             <a:solidFill>
               <a:schemeClr val="dk2"/>
             </a:solidFill>
             <a:prstDash val="solid"/>
             <a:round/>
-            <a:headEnd len="sm" w="sm" type="none"/>
-            <a:tailEnd len="sm" w="sm" type="none"/>
+            <a:headEnd type="none" w="sm" len="sm"/>
+            <a:tailEnd type="none" w="sm" len="sm"/>
           </a:ln>
         </p:spPr>
         <p:txBody>
-          <a:bodyPr anchorCtr="0" anchor="ctr" bIns="91425" lIns="91425" spcFirstLastPara="1" rIns="91425" wrap="square" tIns="91425">
+          <a:bodyPr spcFirstLastPara="1" wrap="square" lIns="91425" tIns="91425" rIns="91425" bIns="91425" anchor="ctr" anchorCtr="0">
             <a:noAutofit/>
           </a:bodyPr>
           <a:lstStyle/>
           <a:p>
-            <a:pPr indent="0" lvl="0" marL="0" rtl="0" algn="l">
+            <a:pPr marL="0" lvl="0" indent="0" algn="l" rtl="0">
               <a:spcBef>
                 <a:spcPts val="0"/>
               </a:spcBef>
@@ -7745,9 +7939,6 @@
               </a:spcAft>
               <a:buNone/>
             </a:pPr>
-            <a:r>
-              <a:t/>
-            </a:r>
             <a:endParaRPr/>
           </a:p>
         </p:txBody>
@@ -7755,7 +7946,9 @@
       <p:sp>
         <p:nvSpPr>
           <p:cNvPr id="146" name="Google Shape;146;p22"/>
-          <p:cNvSpPr txBox="1"/>
+          <p:cNvSpPr txBox="1">
+            <a:spLocks noGrp="1"/>
+          </p:cNvSpPr>
           <p:nvPr>
             <p:ph type="title"/>
           </p:nvPr>
@@ -7770,12 +7963,12 @@
           </a:prstGeom>
         </p:spPr>
         <p:txBody>
-          <a:bodyPr anchorCtr="0" anchor="ctr" bIns="91425" lIns="91425" spcFirstLastPara="1" rIns="91425" wrap="square" tIns="91425">
+          <a:bodyPr spcFirstLastPara="1" wrap="square" lIns="91425" tIns="91425" rIns="91425" bIns="91425" anchor="ctr" anchorCtr="0">
             <a:noAutofit/>
           </a:bodyPr>
           <a:lstStyle/>
           <a:p>
-            <a:pPr indent="0" lvl="0" marL="0" rtl="0" algn="ctr">
+            <a:pPr marL="0" lvl="0" indent="0" algn="ctr" rtl="0">
               <a:lnSpc>
                 <a:spcPct val="100000"/>
               </a:lnSpc>
@@ -7789,7 +7982,7 @@
               <a:buNone/>
             </a:pPr>
             <a:r>
-              <a:rPr b="0" lang="en" sz="1600">
+              <a:rPr lang="en" sz="1600" b="0">
                 <a:solidFill>
                   <a:schemeClr val="lt1"/>
                 </a:solidFill>
@@ -7800,7 +7993,7 @@
               </a:rPr>
               <a:t>Mostly preferred room types Entire Home/ apt, Private Rooms are the ones having less average pricing </a:t>
             </a:r>
-            <a:endParaRPr b="0" sz="1600">
+            <a:endParaRPr sz="1600" b="0">
               <a:solidFill>
                 <a:schemeClr val="lt1"/>
               </a:solidFill>
@@ -7821,11 +8014,11 @@
 </file>
 
 <file path=ppt/slides/slide11.xml><?xml version="1.0" encoding="utf-8"?>
-<p:sld xmlns:a="http://schemas.openxmlformats.org/drawingml/2006/main" xmlns:r="http://schemas.openxmlformats.org/officeDocument/2006/relationships" xmlns:mc="http://schemas.openxmlformats.org/markup-compatibility/2006" xmlns:mv="urn:schemas-microsoft-com:mac:vml" xmlns:p="http://schemas.openxmlformats.org/presentationml/2006/main" xmlns:c="http://schemas.openxmlformats.org/drawingml/2006/chart" xmlns:dgm="http://schemas.openxmlformats.org/drawingml/2006/diagram" xmlns:o="urn:schemas-microsoft-com:office:office" xmlns:v="urn:schemas-microsoft-com:vml" xmlns:pvml="urn:schemas-microsoft-com:office:powerpoint" xmlns:com="http://schemas.openxmlformats.org/drawingml/2006/compatibility" xmlns:p14="http://schemas.microsoft.com/office/powerpoint/2010/main" xmlns:p15="http://schemas.microsoft.com/office/powerpoint/2012/main" xmlns:ahyp="http://schemas.microsoft.com/office/drawing/2018/hyperlinkcolor">
+<p:sld xmlns:a="http://schemas.openxmlformats.org/drawingml/2006/main" xmlns:r="http://schemas.openxmlformats.org/officeDocument/2006/relationships" xmlns:p="http://schemas.openxmlformats.org/presentationml/2006/main">
   <p:cSld>
     <p:spTree>
       <p:nvGrpSpPr>
-        <p:cNvPr id="150" name="Shape 150"/>
+        <p:cNvPr id="1" name="Shape 150"/>
         <p:cNvGrpSpPr/>
         <p:nvPr/>
       </p:nvGrpSpPr>
@@ -7861,27 +8054,27 @@
               </a:gs>
             </a:gsLst>
             <a:path path="circle">
-              <a:fillToRect b="50%" l="50%" r="50%" t="50%"/>
+              <a:fillToRect l="50000" t="50000" r="50000" b="50000"/>
             </a:path>
             <a:tileRect/>
           </a:gradFill>
-          <a:ln cap="flat" cmpd="sng" w="9525">
+          <a:ln w="9525" cap="flat" cmpd="sng">
             <a:solidFill>
               <a:schemeClr val="dk1"/>
             </a:solidFill>
             <a:prstDash val="solid"/>
             <a:round/>
-            <a:headEnd len="sm" w="sm" type="none"/>
-            <a:tailEnd len="sm" w="sm" type="none"/>
+            <a:headEnd type="none" w="sm" len="sm"/>
+            <a:tailEnd type="none" w="sm" len="sm"/>
           </a:ln>
         </p:spPr>
         <p:txBody>
-          <a:bodyPr anchorCtr="0" anchor="ctr" bIns="91425" lIns="91425" spcFirstLastPara="1" rIns="91425" wrap="square" tIns="91425">
+          <a:bodyPr spcFirstLastPara="1" wrap="square" lIns="91425" tIns="91425" rIns="91425" bIns="91425" anchor="ctr" anchorCtr="0">
             <a:noAutofit/>
           </a:bodyPr>
           <a:lstStyle/>
           <a:p>
-            <a:pPr indent="0" lvl="0" marL="0" rtl="0" algn="l">
+            <a:pPr marL="0" lvl="0" indent="0" algn="l" rtl="0">
               <a:spcBef>
                 <a:spcPts val="0"/>
               </a:spcBef>
@@ -7890,9 +8083,6 @@
               </a:spcAft>
               <a:buNone/>
             </a:pPr>
-            <a:r>
-              <a:t/>
-            </a:r>
             <a:endParaRPr/>
           </a:p>
         </p:txBody>
@@ -7900,7 +8090,9 @@
       <p:sp>
         <p:nvSpPr>
           <p:cNvPr id="152" name="Google Shape;152;p23"/>
-          <p:cNvSpPr txBox="1"/>
+          <p:cNvSpPr txBox="1">
+            <a:spLocks noGrp="1"/>
+          </p:cNvSpPr>
           <p:nvPr>
             <p:ph type="title"/>
           </p:nvPr>
@@ -7915,12 +8107,12 @@
           </a:prstGeom>
         </p:spPr>
         <p:txBody>
-          <a:bodyPr anchorCtr="0" anchor="t" bIns="91425" lIns="91425" spcFirstLastPara="1" rIns="91425" wrap="square" tIns="91425">
+          <a:bodyPr spcFirstLastPara="1" wrap="square" lIns="91425" tIns="91425" rIns="91425" bIns="91425" anchor="t" anchorCtr="0">
             <a:normAutofit fontScale="90000"/>
           </a:bodyPr>
           <a:lstStyle/>
           <a:p>
-            <a:pPr indent="0" lvl="0" marL="0" rtl="0" algn="ctr">
+            <a:pPr marL="0" lvl="0" indent="0" algn="ctr" rtl="0">
               <a:spcBef>
                 <a:spcPts val="0"/>
               </a:spcBef>
@@ -7930,7 +8122,7 @@
               <a:buNone/>
             </a:pPr>
             <a:r>
-              <a:rPr b="0" lang="en">
+              <a:rPr lang="en" b="0">
                 <a:solidFill>
                   <a:schemeClr val="lt1"/>
                 </a:solidFill>
@@ -7956,7 +8148,9 @@
       <p:sp>
         <p:nvSpPr>
           <p:cNvPr id="153" name="Google Shape;153;p23"/>
-          <p:cNvSpPr txBox="1"/>
+          <p:cNvSpPr txBox="1">
+            <a:spLocks noGrp="1"/>
+          </p:cNvSpPr>
           <p:nvPr>
             <p:ph type="title"/>
           </p:nvPr>
@@ -7971,12 +8165,12 @@
           </a:prstGeom>
         </p:spPr>
         <p:txBody>
-          <a:bodyPr anchorCtr="0" anchor="ctr" bIns="91425" lIns="91425" spcFirstLastPara="1" rIns="91425" wrap="square" tIns="91425">
+          <a:bodyPr spcFirstLastPara="1" wrap="square" lIns="91425" tIns="91425" rIns="91425" bIns="91425" anchor="ctr" anchorCtr="0">
             <a:noAutofit/>
           </a:bodyPr>
           <a:lstStyle/>
           <a:p>
-            <a:pPr indent="0" lvl="0" marL="0" rtl="0" algn="l">
+            <a:pPr marL="0" lvl="0" indent="0" algn="l" rtl="0">
               <a:spcBef>
                 <a:spcPts val="0"/>
               </a:spcBef>
@@ -7987,7 +8181,7 @@
               <a:buNone/>
             </a:pPr>
             <a:r>
-              <a:rPr b="0" lang="en" sz="1600">
+              <a:rPr lang="en" sz="1600" b="0">
                 <a:solidFill>
                   <a:schemeClr val="lt1"/>
                 </a:solidFill>
@@ -7998,7 +8192,7 @@
               </a:rPr>
               <a:t>Manhattan has the highest number of bookings, 88% of which are Entire home/ apartments</a:t>
             </a:r>
-            <a:endParaRPr b="0" sz="1600">
+            <a:endParaRPr sz="1600" b="0">
               <a:solidFill>
                 <a:schemeClr val="lt1"/>
               </a:solidFill>
@@ -8051,30 +8245,30 @@
           </a:xfrm>
           <a:prstGeom prst="leftArrow">
             <a:avLst>
-              <a:gd fmla="val 50000" name="adj1"/>
-              <a:gd fmla="val 50000" name="adj2"/>
+              <a:gd name="adj1" fmla="val 50000"/>
+              <a:gd name="adj2" fmla="val 50000"/>
             </a:avLst>
           </a:prstGeom>
           <a:solidFill>
             <a:schemeClr val="lt1"/>
           </a:solidFill>
-          <a:ln cap="flat" cmpd="sng" w="9525">
+          <a:ln w="9525" cap="flat" cmpd="sng">
             <a:solidFill>
               <a:schemeClr val="dk2"/>
             </a:solidFill>
             <a:prstDash val="solid"/>
             <a:round/>
-            <a:headEnd len="sm" w="sm" type="none"/>
-            <a:tailEnd len="sm" w="sm" type="none"/>
+            <a:headEnd type="none" w="sm" len="sm"/>
+            <a:tailEnd type="none" w="sm" len="sm"/>
           </a:ln>
         </p:spPr>
         <p:txBody>
-          <a:bodyPr anchorCtr="0" anchor="ctr" bIns="91425" lIns="91425" spcFirstLastPara="1" rIns="91425" wrap="square" tIns="91425">
+          <a:bodyPr spcFirstLastPara="1" wrap="square" lIns="91425" tIns="91425" rIns="91425" bIns="91425" anchor="ctr" anchorCtr="0">
             <a:noAutofit/>
           </a:bodyPr>
           <a:lstStyle/>
           <a:p>
-            <a:pPr indent="0" lvl="0" marL="0" rtl="0" algn="l">
+            <a:pPr marL="0" lvl="0" indent="0" algn="l" rtl="0">
               <a:spcBef>
                 <a:spcPts val="0"/>
               </a:spcBef>
@@ -8083,9 +8277,6 @@
               </a:spcAft>
               <a:buNone/>
             </a:pPr>
-            <a:r>
-              <a:t/>
-            </a:r>
             <a:endParaRPr/>
           </a:p>
         </p:txBody>
@@ -8099,11 +8290,11 @@
 </file>
 
 <file path=ppt/slides/slide12.xml><?xml version="1.0" encoding="utf-8"?>
-<p:sld xmlns:a="http://schemas.openxmlformats.org/drawingml/2006/main" xmlns:r="http://schemas.openxmlformats.org/officeDocument/2006/relationships" xmlns:mc="http://schemas.openxmlformats.org/markup-compatibility/2006" xmlns:mv="urn:schemas-microsoft-com:mac:vml" xmlns:p="http://schemas.openxmlformats.org/presentationml/2006/main" xmlns:c="http://schemas.openxmlformats.org/drawingml/2006/chart" xmlns:dgm="http://schemas.openxmlformats.org/drawingml/2006/diagram" xmlns:o="urn:schemas-microsoft-com:office:office" xmlns:v="urn:schemas-microsoft-com:vml" xmlns:pvml="urn:schemas-microsoft-com:office:powerpoint" xmlns:com="http://schemas.openxmlformats.org/drawingml/2006/compatibility" xmlns:p14="http://schemas.microsoft.com/office/powerpoint/2010/main" xmlns:p15="http://schemas.microsoft.com/office/powerpoint/2012/main" xmlns:ahyp="http://schemas.microsoft.com/office/drawing/2018/hyperlinkcolor">
+<p:sld xmlns:a="http://schemas.openxmlformats.org/drawingml/2006/main" xmlns:r="http://schemas.openxmlformats.org/officeDocument/2006/relationships" xmlns:p="http://schemas.openxmlformats.org/presentationml/2006/main">
   <p:cSld>
     <p:spTree>
       <p:nvGrpSpPr>
-        <p:cNvPr id="159" name="Shape 159"/>
+        <p:cNvPr id="1" name="Shape 159"/>
         <p:cNvGrpSpPr/>
         <p:nvPr/>
       </p:nvGrpSpPr>
@@ -8139,27 +8330,27 @@
               </a:gs>
             </a:gsLst>
             <a:path path="circle">
-              <a:fillToRect b="50%" l="50%" r="50%" t="50%"/>
+              <a:fillToRect l="50000" t="50000" r="50000" b="50000"/>
             </a:path>
             <a:tileRect/>
           </a:gradFill>
-          <a:ln cap="flat" cmpd="sng" w="9525">
+          <a:ln w="9525" cap="flat" cmpd="sng">
             <a:solidFill>
               <a:schemeClr val="dk1"/>
             </a:solidFill>
             <a:prstDash val="solid"/>
             <a:round/>
-            <a:headEnd len="sm" w="sm" type="none"/>
-            <a:tailEnd len="sm" w="sm" type="none"/>
+            <a:headEnd type="none" w="sm" len="sm"/>
+            <a:tailEnd type="none" w="sm" len="sm"/>
           </a:ln>
         </p:spPr>
         <p:txBody>
-          <a:bodyPr anchorCtr="0" anchor="ctr" bIns="91425" lIns="91425" spcFirstLastPara="1" rIns="91425" wrap="square" tIns="91425">
+          <a:bodyPr spcFirstLastPara="1" wrap="square" lIns="91425" tIns="91425" rIns="91425" bIns="91425" anchor="ctr" anchorCtr="0">
             <a:noAutofit/>
           </a:bodyPr>
           <a:lstStyle/>
           <a:p>
-            <a:pPr indent="0" lvl="0" marL="0" rtl="0" algn="l">
+            <a:pPr marL="0" lvl="0" indent="0" algn="l" rtl="0">
               <a:spcBef>
                 <a:spcPts val="0"/>
               </a:spcBef>
@@ -8168,9 +8359,6 @@
               </a:spcAft>
               <a:buNone/>
             </a:pPr>
-            <a:r>
-              <a:t/>
-            </a:r>
             <a:endParaRPr/>
           </a:p>
         </p:txBody>
@@ -8178,7 +8366,9 @@
       <p:sp>
         <p:nvSpPr>
           <p:cNvPr id="161" name="Google Shape;161;p24"/>
-          <p:cNvSpPr txBox="1"/>
+          <p:cNvSpPr txBox="1">
+            <a:spLocks noGrp="1"/>
+          </p:cNvSpPr>
           <p:nvPr>
             <p:ph type="title"/>
           </p:nvPr>
@@ -8193,12 +8383,12 @@
           </a:prstGeom>
         </p:spPr>
         <p:txBody>
-          <a:bodyPr anchorCtr="0" anchor="t" bIns="91425" lIns="91425" spcFirstLastPara="1" rIns="91425" wrap="square" tIns="91425">
+          <a:bodyPr spcFirstLastPara="1" wrap="square" lIns="91425" tIns="91425" rIns="91425" bIns="91425" anchor="t" anchorCtr="0">
             <a:normAutofit fontScale="90000"/>
           </a:bodyPr>
           <a:lstStyle/>
           <a:p>
-            <a:pPr indent="0" lvl="0" marL="0" rtl="0" algn="ctr">
+            <a:pPr marL="0" lvl="0" indent="0" algn="ctr" rtl="0">
               <a:spcBef>
                 <a:spcPts val="0"/>
               </a:spcBef>
@@ -8234,7 +8424,9 @@
       <p:sp>
         <p:nvSpPr>
           <p:cNvPr id="162" name="Google Shape;162;p24"/>
-          <p:cNvSpPr txBox="1"/>
+          <p:cNvSpPr txBox="1">
+            <a:spLocks noGrp="1"/>
+          </p:cNvSpPr>
           <p:nvPr>
             <p:ph type="title"/>
           </p:nvPr>
@@ -8249,12 +8441,12 @@
           </a:prstGeom>
         </p:spPr>
         <p:txBody>
-          <a:bodyPr anchorCtr="0" anchor="t" bIns="91425" lIns="91425" spcFirstLastPara="1" rIns="91425" wrap="square" tIns="91425">
+          <a:bodyPr spcFirstLastPara="1" wrap="square" lIns="91425" tIns="91425" rIns="91425" bIns="91425" anchor="t" anchorCtr="0">
             <a:noAutofit/>
           </a:bodyPr>
           <a:lstStyle/>
           <a:p>
-            <a:pPr indent="-330200" lvl="0" marL="457200" rtl="0" algn="l">
+            <a:pPr marL="457200" lvl="0" indent="-330200" algn="l" rtl="0">
               <a:lnSpc>
                 <a:spcPct val="100000"/>
               </a:lnSpc>
@@ -8306,7 +8498,7 @@
             </a:endParaRPr>
           </a:p>
           <a:p>
-            <a:pPr indent="-330200" lvl="0" marL="457200" rtl="0" algn="l">
+            <a:pPr marL="457200" lvl="0" indent="-330200" algn="l" rtl="0">
               <a:lnSpc>
                 <a:spcPct val="100000"/>
               </a:lnSpc>
@@ -8370,7 +8562,7 @@
             </a:endParaRPr>
           </a:p>
           <a:p>
-            <a:pPr indent="-330200" lvl="0" marL="457200" rtl="0" algn="l">
+            <a:pPr marL="457200" lvl="0" indent="-330200" algn="l" rtl="0">
               <a:lnSpc>
                 <a:spcPct val="100000"/>
               </a:lnSpc>
@@ -8434,7 +8626,7 @@
             </a:endParaRPr>
           </a:p>
           <a:p>
-            <a:pPr indent="-330200" lvl="0" marL="457200" rtl="0" algn="l">
+            <a:pPr marL="457200" lvl="0" indent="-330200" algn="l" rtl="0">
               <a:lnSpc>
                 <a:spcPct val="100000"/>
               </a:lnSpc>
@@ -8474,7 +8666,7 @@
             </a:endParaRPr>
           </a:p>
           <a:p>
-            <a:pPr indent="-330200" lvl="0" marL="457200" rtl="0" algn="l">
+            <a:pPr marL="457200" lvl="0" indent="-330200" algn="l" rtl="0">
               <a:lnSpc>
                 <a:spcPct val="100000"/>
               </a:lnSpc>
@@ -8501,43 +8693,7 @@
                 <a:cs typeface="Arial"/>
                 <a:sym typeface="Arial"/>
               </a:rPr>
-              <a:t>The m</a:t>
-            </a:r>
-            <a:r>
-              <a:rPr lang="en" sz="1600">
-                <a:solidFill>
-                  <a:schemeClr val="dk2"/>
-                </a:solidFill>
-                <a:latin typeface="Arial"/>
-                <a:ea typeface="Arial"/>
-                <a:cs typeface="Arial"/>
-                <a:sym typeface="Arial"/>
-              </a:rPr>
-              <a:t>o</a:t>
-            </a:r>
-            <a:r>
-              <a:rPr lang="en" sz="1600">
-                <a:solidFill>
-                  <a:schemeClr val="dk2"/>
-                </a:solidFill>
-                <a:latin typeface="Arial"/>
-                <a:ea typeface="Arial"/>
-                <a:cs typeface="Arial"/>
-                <a:sym typeface="Arial"/>
-              </a:rPr>
-              <a:t>stly preferre</a:t>
-            </a:r>
-            <a:r>
-              <a:rPr lang="en" sz="1600">
-                <a:solidFill>
-                  <a:schemeClr val="dk2"/>
-                </a:solidFill>
-                <a:latin typeface="Arial"/>
-                <a:ea typeface="Arial"/>
-                <a:cs typeface="Arial"/>
-                <a:sym typeface="Arial"/>
-              </a:rPr>
-              <a:t>d room types are </a:t>
+              <a:t>The mostly preferred room types are </a:t>
             </a:r>
             <a:r>
               <a:rPr lang="en" sz="1600">
@@ -8574,7 +8730,7 @@
             </a:endParaRPr>
           </a:p>
           <a:p>
-            <a:pPr indent="-330200" lvl="0" marL="457200" rtl="0" algn="l">
+            <a:pPr marL="457200" lvl="0" indent="-330200" algn="l" rtl="0">
               <a:lnSpc>
                 <a:spcPct val="100000"/>
               </a:lnSpc>
@@ -8601,19 +8757,7 @@
                 <a:cs typeface="Arial"/>
                 <a:sym typeface="Arial"/>
               </a:rPr>
-              <a:t>Entire Home/ apt, Private Rooms </a:t>
-            </a:r>
-            <a:r>
-              <a:rPr lang="en" sz="1600">
-                <a:solidFill>
-                  <a:schemeClr val="dk2"/>
-                </a:solidFill>
-                <a:latin typeface="Arial"/>
-                <a:ea typeface="Arial"/>
-                <a:cs typeface="Arial"/>
-                <a:sym typeface="Arial"/>
-              </a:rPr>
-              <a:t>are also the ones having </a:t>
+              <a:t>Entire Home/ apt, Private Rooms are also the ones having </a:t>
             </a:r>
             <a:r>
               <a:rPr lang="en" sz="1600">
@@ -8650,7 +8794,7 @@
             </a:endParaRPr>
           </a:p>
           <a:p>
-            <a:pPr indent="-330200" lvl="0" marL="457200" rtl="0" algn="l">
+            <a:pPr marL="457200" lvl="0" indent="-330200" algn="l" rtl="0">
               <a:lnSpc>
                 <a:spcPct val="100000"/>
               </a:lnSpc>
@@ -8736,11 +8880,11 @@
 </file>
 
 <file path=ppt/slides/slide2.xml><?xml version="1.0" encoding="utf-8"?>
-<p:sld xmlns:a="http://schemas.openxmlformats.org/drawingml/2006/main" xmlns:r="http://schemas.openxmlformats.org/officeDocument/2006/relationships" xmlns:mc="http://schemas.openxmlformats.org/markup-compatibility/2006" xmlns:mv="urn:schemas-microsoft-com:mac:vml" xmlns:p="http://schemas.openxmlformats.org/presentationml/2006/main" xmlns:c="http://schemas.openxmlformats.org/drawingml/2006/chart" xmlns:dgm="http://schemas.openxmlformats.org/drawingml/2006/diagram" xmlns:o="urn:schemas-microsoft-com:office:office" xmlns:v="urn:schemas-microsoft-com:vml" xmlns:pvml="urn:schemas-microsoft-com:office:powerpoint" xmlns:com="http://schemas.openxmlformats.org/drawingml/2006/compatibility" xmlns:p14="http://schemas.microsoft.com/office/powerpoint/2010/main" xmlns:p15="http://schemas.microsoft.com/office/powerpoint/2012/main" xmlns:ahyp="http://schemas.microsoft.com/office/drawing/2018/hyperlinkcolor">
+<p:sld xmlns:a="http://schemas.openxmlformats.org/drawingml/2006/main" xmlns:r="http://schemas.openxmlformats.org/officeDocument/2006/relationships" xmlns:p="http://schemas.openxmlformats.org/presentationml/2006/main">
   <p:cSld>
     <p:spTree>
       <p:nvGrpSpPr>
-        <p:cNvPr id="61" name="Shape 61"/>
+        <p:cNvPr id="1" name="Shape 61"/>
         <p:cNvGrpSpPr/>
         <p:nvPr/>
       </p:nvGrpSpPr>
@@ -8777,23 +8921,23 @@
             </a:gsLst>
             <a:lin ang="5400012" scaled="0"/>
           </a:gradFill>
-          <a:ln cap="flat" cmpd="sng" w="9525">
+          <a:ln w="9525" cap="flat" cmpd="sng">
             <a:solidFill>
               <a:schemeClr val="dk1"/>
             </a:solidFill>
             <a:prstDash val="solid"/>
             <a:round/>
-            <a:headEnd len="sm" w="sm" type="none"/>
-            <a:tailEnd len="sm" w="sm" type="none"/>
+            <a:headEnd type="none" w="sm" len="sm"/>
+            <a:tailEnd type="none" w="sm" len="sm"/>
           </a:ln>
         </p:spPr>
         <p:txBody>
-          <a:bodyPr anchorCtr="0" anchor="ctr" bIns="91425" lIns="91425" spcFirstLastPara="1" rIns="91425" wrap="square" tIns="91425">
+          <a:bodyPr spcFirstLastPara="1" wrap="square" lIns="91425" tIns="91425" rIns="91425" bIns="91425" anchor="ctr" anchorCtr="0">
             <a:noAutofit/>
           </a:bodyPr>
           <a:lstStyle/>
           <a:p>
-            <a:pPr indent="0" lvl="0" marL="0" rtl="0" algn="l">
+            <a:pPr marL="0" lvl="0" indent="0" algn="l" rtl="0">
               <a:spcBef>
                 <a:spcPts val="0"/>
               </a:spcBef>
@@ -8802,9 +8946,6 @@
               </a:spcAft>
               <a:buNone/>
             </a:pPr>
-            <a:r>
-              <a:t/>
-            </a:r>
             <a:endParaRPr/>
           </a:p>
         </p:txBody>
@@ -8812,9 +8953,11 @@
       <p:sp>
         <p:nvSpPr>
           <p:cNvPr id="63" name="Google Shape;63;p14"/>
-          <p:cNvSpPr txBox="1"/>
+          <p:cNvSpPr txBox="1">
+            <a:spLocks noGrp="1"/>
+          </p:cNvSpPr>
           <p:nvPr>
-            <p:ph idx="1" type="body"/>
+            <p:ph type="body" idx="1"/>
           </p:nvPr>
         </p:nvSpPr>
         <p:spPr>
@@ -8827,12 +8970,12 @@
           </a:prstGeom>
         </p:spPr>
         <p:txBody>
-          <a:bodyPr anchorCtr="0" anchor="t" bIns="91425" lIns="91425" spcFirstLastPara="1" rIns="91425" wrap="square" tIns="91425">
+          <a:bodyPr spcFirstLastPara="1" wrap="square" lIns="91425" tIns="91425" rIns="91425" bIns="91425" anchor="t" anchorCtr="0">
             <a:normAutofit/>
           </a:bodyPr>
           <a:lstStyle/>
           <a:p>
-            <a:pPr indent="0" lvl="0" marL="0" rtl="0" algn="ctr">
+            <a:pPr marL="0" lvl="0" indent="0" algn="ctr" rtl="0">
               <a:lnSpc>
                 <a:spcPct val="100000"/>
               </a:lnSpc>
@@ -8845,16 +8988,8 @@
               <a:buNone/>
             </a:pPr>
             <a:r>
-              <a:rPr b="1" lang="en"/>
-              <a:t>Air BNB has aimed to expand on travelling possibilities and present more unique, personalized ways of experiencing destinations. The analysis aims to draw insights from the data obtained from the listing activity of homestays in </a:t>
-            </a:r>
-            <a:r>
-              <a:rPr b="1" lang="en"/>
-              <a:t>New York City</a:t>
-            </a:r>
-            <a:r>
-              <a:rPr b="1" lang="en"/>
-              <a:t>. Some research questions need to be answered with respect to all the listings of past booking information.</a:t>
+              <a:rPr lang="en" b="1"/>
+              <a:t>Air BNB has aimed to expand on travelling possibilities and present more unique, personalized ways of experiencing destinations. The analysis aims to draw insights from the data obtained from the listing activity of homestays in New York City. Some research questions need to be answered with respect to all the listings of past booking information.</a:t>
             </a:r>
             <a:endParaRPr b="1"/>
           </a:p>
@@ -8863,7 +8998,9 @@
       <p:sp>
         <p:nvSpPr>
           <p:cNvPr id="64" name="Google Shape;64;p14"/>
-          <p:cNvSpPr txBox="1"/>
+          <p:cNvSpPr txBox="1">
+            <a:spLocks noGrp="1"/>
+          </p:cNvSpPr>
           <p:nvPr>
             <p:ph type="title"/>
           </p:nvPr>
@@ -8878,12 +9015,12 @@
           </a:prstGeom>
         </p:spPr>
         <p:txBody>
-          <a:bodyPr anchorCtr="0" anchor="t" bIns="91425" lIns="91425" spcFirstLastPara="1" rIns="91425" wrap="square" tIns="91425">
+          <a:bodyPr spcFirstLastPara="1" wrap="square" lIns="91425" tIns="91425" rIns="91425" bIns="91425" anchor="t" anchorCtr="0">
             <a:normAutofit fontScale="90000"/>
           </a:bodyPr>
           <a:lstStyle/>
           <a:p>
-            <a:pPr indent="0" lvl="0" marL="0" rtl="0" algn="ctr">
+            <a:pPr marL="0" lvl="0" indent="0" algn="ctr" rtl="0">
               <a:spcBef>
                 <a:spcPts val="0"/>
               </a:spcBef>
@@ -8893,7 +9030,7 @@
               <a:buNone/>
             </a:pPr>
             <a:r>
-              <a:rPr b="0" lang="en">
+              <a:rPr lang="en" b="0">
                 <a:latin typeface="Arial"/>
                 <a:ea typeface="Arial"/>
                 <a:cs typeface="Arial"/>
@@ -8935,23 +9072,23 @@
             </a:gsLst>
             <a:lin ang="5400012" scaled="0"/>
           </a:gradFill>
-          <a:ln cap="flat" cmpd="sng" w="9525">
+          <a:ln w="9525" cap="flat" cmpd="sng">
             <a:solidFill>
               <a:schemeClr val="dk1"/>
             </a:solidFill>
             <a:prstDash val="solid"/>
             <a:round/>
-            <a:headEnd len="sm" w="sm" type="none"/>
-            <a:tailEnd len="sm" w="sm" type="none"/>
+            <a:headEnd type="none" w="sm" len="sm"/>
+            <a:tailEnd type="none" w="sm" len="sm"/>
           </a:ln>
         </p:spPr>
         <p:txBody>
-          <a:bodyPr anchorCtr="0" anchor="ctr" bIns="91425" lIns="91425" spcFirstLastPara="1" rIns="91425" wrap="square" tIns="91425">
+          <a:bodyPr spcFirstLastPara="1" wrap="square" lIns="91425" tIns="91425" rIns="91425" bIns="91425" anchor="ctr" anchorCtr="0">
             <a:noAutofit/>
           </a:bodyPr>
           <a:lstStyle/>
           <a:p>
-            <a:pPr indent="0" lvl="0" marL="0" rtl="0" algn="l">
+            <a:pPr marL="0" lvl="0" indent="0" algn="l" rtl="0">
               <a:spcBef>
                 <a:spcPts val="0"/>
               </a:spcBef>
@@ -8960,9 +9097,6 @@
               </a:spcAft>
               <a:buNone/>
             </a:pPr>
-            <a:r>
-              <a:t/>
-            </a:r>
             <a:endParaRPr/>
           </a:p>
         </p:txBody>
@@ -8970,9 +9104,11 @@
       <p:sp>
         <p:nvSpPr>
           <p:cNvPr id="66" name="Google Shape;66;p14"/>
-          <p:cNvSpPr txBox="1"/>
+          <p:cNvSpPr txBox="1">
+            <a:spLocks noGrp="1"/>
+          </p:cNvSpPr>
           <p:nvPr>
-            <p:ph idx="2" type="body"/>
+            <p:ph type="body" idx="2"/>
           </p:nvPr>
         </p:nvSpPr>
         <p:spPr>
@@ -8985,12 +9121,12 @@
           </a:prstGeom>
         </p:spPr>
         <p:txBody>
-          <a:bodyPr anchorCtr="0" anchor="t" bIns="91425" lIns="91425" spcFirstLastPara="1" rIns="91425" wrap="square" tIns="91425">
+          <a:bodyPr spcFirstLastPara="1" wrap="square" lIns="91425" tIns="91425" rIns="91425" bIns="91425" anchor="t" anchorCtr="0">
             <a:normAutofit/>
           </a:bodyPr>
           <a:lstStyle/>
           <a:p>
-            <a:pPr indent="0" lvl="0" marL="0" rtl="0" algn="ctr">
+            <a:pPr marL="0" lvl="0" indent="0" algn="ctr" rtl="0">
               <a:spcBef>
                 <a:spcPts val="0"/>
               </a:spcBef>
@@ -9000,7 +9136,7 @@
               <a:buNone/>
             </a:pPr>
             <a:r>
-              <a:rPr b="1" lang="en">
+              <a:rPr lang="en" b="1">
                 <a:solidFill>
                   <a:schemeClr val="lt1"/>
                 </a:solidFill>
@@ -9014,7 +9150,7 @@
             </a:endParaRPr>
           </a:p>
           <a:p>
-            <a:pPr indent="0" lvl="0" marL="0" rtl="0" algn="ctr">
+            <a:pPr marL="0" lvl="0" indent="0" algn="ctr" rtl="0">
               <a:spcBef>
                 <a:spcPts val="0"/>
               </a:spcBef>
@@ -9024,7 +9160,7 @@
               <a:buNone/>
             </a:pPr>
             <a:r>
-              <a:rPr b="1" lang="en">
+              <a:rPr lang="en" b="1">
                 <a:solidFill>
                   <a:schemeClr val="lt1"/>
                 </a:solidFill>
@@ -9038,7 +9174,7 @@
             </a:endParaRPr>
           </a:p>
           <a:p>
-            <a:pPr indent="0" lvl="0" marL="0" rtl="0" algn="ctr">
+            <a:pPr marL="0" lvl="0" indent="0" algn="ctr" rtl="0">
               <a:spcBef>
                 <a:spcPts val="1200"/>
               </a:spcBef>
@@ -9047,9 +9183,6 @@
               </a:spcAft>
               <a:buNone/>
             </a:pPr>
-            <a:r>
-              <a:t/>
-            </a:r>
             <a:endParaRPr b="1"/>
           </a:p>
         </p:txBody>
@@ -9057,7 +9190,9 @@
       <p:sp>
         <p:nvSpPr>
           <p:cNvPr id="67" name="Google Shape;67;p14"/>
-          <p:cNvSpPr txBox="1"/>
+          <p:cNvSpPr txBox="1">
+            <a:spLocks noGrp="1"/>
+          </p:cNvSpPr>
           <p:nvPr>
             <p:ph type="title"/>
           </p:nvPr>
@@ -9072,12 +9207,12 @@
           </a:prstGeom>
         </p:spPr>
         <p:txBody>
-          <a:bodyPr anchorCtr="0" anchor="t" bIns="91425" lIns="91425" spcFirstLastPara="1" rIns="91425" wrap="square" tIns="91425">
+          <a:bodyPr spcFirstLastPara="1" wrap="square" lIns="91425" tIns="91425" rIns="91425" bIns="91425" anchor="t" anchorCtr="0">
             <a:normAutofit fontScale="90000"/>
           </a:bodyPr>
           <a:lstStyle/>
           <a:p>
-            <a:pPr indent="0" lvl="0" marL="0" rtl="0" algn="ctr">
+            <a:pPr marL="0" lvl="0" indent="0" algn="ctr" rtl="0">
               <a:spcBef>
                 <a:spcPts val="0"/>
               </a:spcBef>
@@ -9087,7 +9222,7 @@
               <a:buNone/>
             </a:pPr>
             <a:r>
-              <a:rPr b="0" lang="en">
+              <a:rPr lang="en" b="0">
                 <a:solidFill>
                   <a:schemeClr val="lt1"/>
                 </a:solidFill>
@@ -9119,11 +9254,11 @@
 </file>
 
 <file path=ppt/slides/slide3.xml><?xml version="1.0" encoding="utf-8"?>
-<p:sld xmlns:a="http://schemas.openxmlformats.org/drawingml/2006/main" xmlns:r="http://schemas.openxmlformats.org/officeDocument/2006/relationships" xmlns:mc="http://schemas.openxmlformats.org/markup-compatibility/2006" xmlns:mv="urn:schemas-microsoft-com:mac:vml" xmlns:p="http://schemas.openxmlformats.org/presentationml/2006/main" xmlns:c="http://schemas.openxmlformats.org/drawingml/2006/chart" xmlns:dgm="http://schemas.openxmlformats.org/drawingml/2006/diagram" xmlns:o="urn:schemas-microsoft-com:office:office" xmlns:v="urn:schemas-microsoft-com:vml" xmlns:pvml="urn:schemas-microsoft-com:office:powerpoint" xmlns:com="http://schemas.openxmlformats.org/drawingml/2006/compatibility" xmlns:p14="http://schemas.microsoft.com/office/powerpoint/2010/main" xmlns:p15="http://schemas.microsoft.com/office/powerpoint/2012/main" xmlns:ahyp="http://schemas.microsoft.com/office/drawing/2018/hyperlinkcolor">
+<p:sld xmlns:a="http://schemas.openxmlformats.org/drawingml/2006/main" xmlns:r="http://schemas.openxmlformats.org/officeDocument/2006/relationships" xmlns:p="http://schemas.openxmlformats.org/presentationml/2006/main">
   <p:cSld>
     <p:spTree>
       <p:nvGrpSpPr>
-        <p:cNvPr id="71" name="Shape 71"/>
+        <p:cNvPr id="1" name="Shape 71"/>
         <p:cNvGrpSpPr/>
         <p:nvPr/>
       </p:nvGrpSpPr>
@@ -9159,27 +9294,27 @@
               </a:gs>
             </a:gsLst>
             <a:path path="circle">
-              <a:fillToRect b="50%" l="50%" r="50%" t="50%"/>
+              <a:fillToRect l="50000" t="50000" r="50000" b="50000"/>
             </a:path>
             <a:tileRect/>
           </a:gradFill>
-          <a:ln cap="flat" cmpd="sng" w="9525">
+          <a:ln w="9525" cap="flat" cmpd="sng">
             <a:solidFill>
               <a:schemeClr val="dk1"/>
             </a:solidFill>
             <a:prstDash val="solid"/>
             <a:round/>
-            <a:headEnd len="sm" w="sm" type="none"/>
-            <a:tailEnd len="sm" w="sm" type="none"/>
+            <a:headEnd type="none" w="sm" len="sm"/>
+            <a:tailEnd type="none" w="sm" len="sm"/>
           </a:ln>
         </p:spPr>
         <p:txBody>
-          <a:bodyPr anchorCtr="0" anchor="ctr" bIns="91425" lIns="91425" spcFirstLastPara="1" rIns="91425" wrap="square" tIns="91425">
+          <a:bodyPr spcFirstLastPara="1" wrap="square" lIns="91425" tIns="91425" rIns="91425" bIns="91425" anchor="ctr" anchorCtr="0">
             <a:noAutofit/>
           </a:bodyPr>
           <a:lstStyle/>
           <a:p>
-            <a:pPr indent="0" lvl="0" marL="0" rtl="0" algn="l">
+            <a:pPr marL="0" lvl="0" indent="0" algn="l" rtl="0">
               <a:spcBef>
                 <a:spcPts val="0"/>
               </a:spcBef>
@@ -9188,9 +9323,6 @@
               </a:spcAft>
               <a:buNone/>
             </a:pPr>
-            <a:r>
-              <a:t/>
-            </a:r>
             <a:endParaRPr/>
           </a:p>
         </p:txBody>
@@ -9310,7 +9442,9 @@
       <p:sp>
         <p:nvSpPr>
           <p:cNvPr id="77" name="Google Shape;77;p15"/>
-          <p:cNvSpPr txBox="1"/>
+          <p:cNvSpPr txBox="1">
+            <a:spLocks noGrp="1"/>
+          </p:cNvSpPr>
           <p:nvPr>
             <p:ph type="title"/>
           </p:nvPr>
@@ -9325,12 +9459,12 @@
           </a:prstGeom>
         </p:spPr>
         <p:txBody>
-          <a:bodyPr anchorCtr="0" anchor="t" bIns="91425" lIns="91425" spcFirstLastPara="1" rIns="91425" wrap="square" tIns="91425">
+          <a:bodyPr spcFirstLastPara="1" wrap="square" lIns="91425" tIns="91425" rIns="91425" bIns="91425" anchor="t" anchorCtr="0">
             <a:normAutofit fontScale="90000"/>
           </a:bodyPr>
           <a:lstStyle/>
           <a:p>
-            <a:pPr indent="0" lvl="0" marL="0" rtl="0" algn="ctr">
+            <a:pPr marL="0" lvl="0" indent="0" algn="ctr" rtl="0">
               <a:spcBef>
                 <a:spcPts val="0"/>
               </a:spcBef>
@@ -9340,7 +9474,7 @@
               <a:buNone/>
             </a:pPr>
             <a:r>
-              <a:rPr b="0" lang="en">
+              <a:rPr lang="en" b="0">
                 <a:latin typeface="Arial"/>
                 <a:ea typeface="Arial"/>
                 <a:cs typeface="Arial"/>
@@ -9366,11 +9500,11 @@
 </file>
 
 <file path=ppt/slides/slide4.xml><?xml version="1.0" encoding="utf-8"?>
-<p:sld xmlns:a="http://schemas.openxmlformats.org/drawingml/2006/main" xmlns:r="http://schemas.openxmlformats.org/officeDocument/2006/relationships" xmlns:mc="http://schemas.openxmlformats.org/markup-compatibility/2006" xmlns:mv="urn:schemas-microsoft-com:mac:vml" xmlns:p="http://schemas.openxmlformats.org/presentationml/2006/main" xmlns:c="http://schemas.openxmlformats.org/drawingml/2006/chart" xmlns:dgm="http://schemas.openxmlformats.org/drawingml/2006/diagram" xmlns:o="urn:schemas-microsoft-com:office:office" xmlns:v="urn:schemas-microsoft-com:vml" xmlns:pvml="urn:schemas-microsoft-com:office:powerpoint" xmlns:com="http://schemas.openxmlformats.org/drawingml/2006/compatibility" xmlns:p14="http://schemas.microsoft.com/office/powerpoint/2010/main" xmlns:p15="http://schemas.microsoft.com/office/powerpoint/2012/main" xmlns:ahyp="http://schemas.microsoft.com/office/drawing/2018/hyperlinkcolor">
+<p:sld xmlns:a="http://schemas.openxmlformats.org/drawingml/2006/main" xmlns:r="http://schemas.openxmlformats.org/officeDocument/2006/relationships" xmlns:p="http://schemas.openxmlformats.org/presentationml/2006/main">
   <p:cSld>
     <p:spTree>
       <p:nvGrpSpPr>
-        <p:cNvPr id="81" name="Shape 81"/>
+        <p:cNvPr id="1" name="Shape 81"/>
         <p:cNvGrpSpPr/>
         <p:nvPr/>
       </p:nvGrpSpPr>
@@ -9407,23 +9541,23 @@
             </a:gsLst>
             <a:lin ang="5400012" scaled="0"/>
           </a:gradFill>
-          <a:ln cap="flat" cmpd="sng" w="9525">
+          <a:ln w="9525" cap="flat" cmpd="sng">
             <a:solidFill>
               <a:schemeClr val="dk1"/>
             </a:solidFill>
             <a:prstDash val="solid"/>
             <a:round/>
-            <a:headEnd len="sm" w="sm" type="none"/>
-            <a:tailEnd len="sm" w="sm" type="none"/>
+            <a:headEnd type="none" w="sm" len="sm"/>
+            <a:tailEnd type="none" w="sm" len="sm"/>
           </a:ln>
         </p:spPr>
         <p:txBody>
-          <a:bodyPr anchorCtr="0" anchor="ctr" bIns="91425" lIns="91425" spcFirstLastPara="1" rIns="91425" wrap="square" tIns="91425">
+          <a:bodyPr spcFirstLastPara="1" wrap="square" lIns="91425" tIns="91425" rIns="91425" bIns="91425" anchor="ctr" anchorCtr="0">
             <a:noAutofit/>
           </a:bodyPr>
           <a:lstStyle/>
           <a:p>
-            <a:pPr indent="0" lvl="0" marL="0" rtl="0" algn="l">
+            <a:pPr marL="0" lvl="0" indent="0" algn="l" rtl="0">
               <a:spcBef>
                 <a:spcPts val="0"/>
               </a:spcBef>
@@ -9432,9 +9566,6 @@
               </a:spcAft>
               <a:buNone/>
             </a:pPr>
-            <a:r>
-              <a:t/>
-            </a:r>
             <a:endParaRPr/>
           </a:p>
         </p:txBody>
@@ -9449,7 +9580,7 @@
           <a:blip r:embed="rId3">
             <a:alphaModFix/>
           </a:blip>
-          <a:srcRect b="5988" l="0" r="0" t="11065"/>
+          <a:srcRect t="11065" b="5988"/>
           <a:stretch/>
         </p:blipFill>
         <p:spPr>
@@ -9469,7 +9600,9 @@
       <p:sp>
         <p:nvSpPr>
           <p:cNvPr id="84" name="Google Shape;84;p16"/>
-          <p:cNvSpPr txBox="1"/>
+          <p:cNvSpPr txBox="1">
+            <a:spLocks noGrp="1"/>
+          </p:cNvSpPr>
           <p:nvPr>
             <p:ph type="title"/>
           </p:nvPr>
@@ -9484,12 +9617,12 @@
           </a:prstGeom>
         </p:spPr>
         <p:txBody>
-          <a:bodyPr anchorCtr="0" anchor="t" bIns="91425" lIns="91425" spcFirstLastPara="1" rIns="91425" wrap="square" tIns="91425">
+          <a:bodyPr spcFirstLastPara="1" wrap="square" lIns="91425" tIns="91425" rIns="91425" bIns="91425" anchor="t" anchorCtr="0">
             <a:normAutofit fontScale="90000"/>
           </a:bodyPr>
           <a:lstStyle/>
           <a:p>
-            <a:pPr indent="0" lvl="0" marL="0" rtl="0" algn="ctr">
+            <a:pPr marL="0" lvl="0" indent="0" algn="ctr" rtl="0">
               <a:spcBef>
                 <a:spcPts val="0"/>
               </a:spcBef>
@@ -9499,7 +9632,7 @@
               <a:buNone/>
             </a:pPr>
             <a:r>
-              <a:rPr b="0" lang="en">
+              <a:rPr lang="en" b="0">
                 <a:solidFill>
                   <a:schemeClr val="lt1"/>
                 </a:solidFill>
@@ -9531,11 +9664,11 @@
 </file>
 
 <file path=ppt/slides/slide5.xml><?xml version="1.0" encoding="utf-8"?>
-<p:sld xmlns:a="http://schemas.openxmlformats.org/drawingml/2006/main" xmlns:r="http://schemas.openxmlformats.org/officeDocument/2006/relationships" xmlns:mc="http://schemas.openxmlformats.org/markup-compatibility/2006" xmlns:mv="urn:schemas-microsoft-com:mac:vml" xmlns:p="http://schemas.openxmlformats.org/presentationml/2006/main" xmlns:c="http://schemas.openxmlformats.org/drawingml/2006/chart" xmlns:dgm="http://schemas.openxmlformats.org/drawingml/2006/diagram" xmlns:o="urn:schemas-microsoft-com:office:office" xmlns:v="urn:schemas-microsoft-com:vml" xmlns:pvml="urn:schemas-microsoft-com:office:powerpoint" xmlns:com="http://schemas.openxmlformats.org/drawingml/2006/compatibility" xmlns:p14="http://schemas.microsoft.com/office/powerpoint/2010/main" xmlns:p15="http://schemas.microsoft.com/office/powerpoint/2012/main" xmlns:ahyp="http://schemas.microsoft.com/office/drawing/2018/hyperlinkcolor">
+<p:sld xmlns:a="http://schemas.openxmlformats.org/drawingml/2006/main" xmlns:r="http://schemas.openxmlformats.org/officeDocument/2006/relationships" xmlns:p="http://schemas.openxmlformats.org/presentationml/2006/main">
   <p:cSld>
     <p:spTree>
       <p:nvGrpSpPr>
-        <p:cNvPr id="88" name="Shape 88"/>
+        <p:cNvPr id="1" name="Shape 88"/>
         <p:cNvGrpSpPr/>
         <p:nvPr/>
       </p:nvGrpSpPr>
@@ -9572,23 +9705,23 @@
             </a:gsLst>
             <a:lin ang="5400012" scaled="0"/>
           </a:gradFill>
-          <a:ln cap="flat" cmpd="sng" w="9525">
+          <a:ln w="9525" cap="flat" cmpd="sng">
             <a:solidFill>
               <a:schemeClr val="dk1"/>
             </a:solidFill>
             <a:prstDash val="solid"/>
             <a:round/>
-            <a:headEnd len="sm" w="sm" type="none"/>
-            <a:tailEnd len="sm" w="sm" type="none"/>
+            <a:headEnd type="none" w="sm" len="sm"/>
+            <a:tailEnd type="none" w="sm" len="sm"/>
           </a:ln>
         </p:spPr>
         <p:txBody>
-          <a:bodyPr anchorCtr="0" anchor="ctr" bIns="91425" lIns="91425" spcFirstLastPara="1" rIns="91425" wrap="square" tIns="91425">
+          <a:bodyPr spcFirstLastPara="1" wrap="square" lIns="91425" tIns="91425" rIns="91425" bIns="91425" anchor="ctr" anchorCtr="0">
             <a:noAutofit/>
           </a:bodyPr>
           <a:lstStyle/>
           <a:p>
-            <a:pPr indent="0" lvl="0" marL="0" rtl="0" algn="l">
+            <a:pPr marL="0" lvl="0" indent="0" algn="l" rtl="0">
               <a:spcBef>
                 <a:spcPts val="0"/>
               </a:spcBef>
@@ -9597,9 +9730,6 @@
               </a:spcAft>
               <a:buNone/>
             </a:pPr>
-            <a:r>
-              <a:t/>
-            </a:r>
             <a:endParaRPr/>
           </a:p>
         </p:txBody>
@@ -9614,7 +9744,7 @@
           <a:blip r:embed="rId3">
             <a:alphaModFix/>
           </a:blip>
-          <a:srcRect b="0" l="68033" r="0" t="15590"/>
+          <a:srcRect l="68033" t="15590"/>
           <a:stretch/>
         </p:blipFill>
         <p:spPr>
@@ -9634,7 +9764,9 @@
       <p:sp>
         <p:nvSpPr>
           <p:cNvPr id="91" name="Google Shape;91;p17"/>
-          <p:cNvSpPr txBox="1"/>
+          <p:cNvSpPr txBox="1">
+            <a:spLocks noGrp="1"/>
+          </p:cNvSpPr>
           <p:nvPr>
             <p:ph type="title"/>
           </p:nvPr>
@@ -9649,12 +9781,12 @@
           </a:prstGeom>
         </p:spPr>
         <p:txBody>
-          <a:bodyPr anchorCtr="0" anchor="t" bIns="91425" lIns="91425" spcFirstLastPara="1" rIns="91425" wrap="square" tIns="91425">
+          <a:bodyPr spcFirstLastPara="1" wrap="square" lIns="91425" tIns="91425" rIns="91425" bIns="91425" anchor="t" anchorCtr="0">
             <a:normAutofit fontScale="90000"/>
           </a:bodyPr>
           <a:lstStyle/>
           <a:p>
-            <a:pPr indent="0" lvl="0" marL="0" rtl="0" algn="ctr">
+            <a:pPr marL="0" lvl="0" indent="0" algn="ctr" rtl="0">
               <a:spcBef>
                 <a:spcPts val="0"/>
               </a:spcBef>
@@ -9664,7 +9796,7 @@
               <a:buNone/>
             </a:pPr>
             <a:r>
-              <a:rPr b="0" lang="en">
+              <a:rPr lang="en" b="0">
                 <a:solidFill>
                   <a:schemeClr val="lt1"/>
                 </a:solidFill>
@@ -9697,7 +9829,7 @@
           <a:blip r:embed="rId4">
             <a:alphaModFix/>
           </a:blip>
-          <a:srcRect b="0" l="7464" r="31346" t="14118"/>
+          <a:srcRect l="7464" t="14118" r="31346"/>
           <a:stretch/>
         </p:blipFill>
         <p:spPr>
@@ -9717,7 +9849,9 @@
       <p:sp>
         <p:nvSpPr>
           <p:cNvPr id="93" name="Google Shape;93;p17"/>
-          <p:cNvSpPr txBox="1"/>
+          <p:cNvSpPr txBox="1">
+            <a:spLocks noGrp="1"/>
+          </p:cNvSpPr>
           <p:nvPr>
             <p:ph type="title"/>
           </p:nvPr>
@@ -9732,12 +9866,12 @@
           </a:prstGeom>
         </p:spPr>
         <p:txBody>
-          <a:bodyPr anchorCtr="0" anchor="ctr" bIns="91425" lIns="91425" spcFirstLastPara="1" rIns="91425" wrap="square" tIns="91425">
+          <a:bodyPr spcFirstLastPara="1" wrap="square" lIns="91425" tIns="91425" rIns="91425" bIns="91425" anchor="ctr" anchorCtr="0">
             <a:noAutofit/>
           </a:bodyPr>
           <a:lstStyle/>
           <a:p>
-            <a:pPr indent="0" lvl="0" marL="0" rtl="0" algn="ctr">
+            <a:pPr marL="0" lvl="0" indent="0" algn="ctr" rtl="0">
               <a:spcBef>
                 <a:spcPts val="0"/>
               </a:spcBef>
@@ -9748,7 +9882,7 @@
               <a:buNone/>
             </a:pPr>
             <a:r>
-              <a:rPr b="0" lang="en" sz="2280">
+              <a:rPr lang="en" sz="2280" b="0">
                 <a:solidFill>
                   <a:schemeClr val="lt1"/>
                 </a:solidFill>
@@ -9759,7 +9893,7 @@
               </a:rPr>
               <a:t>Manhattan</a:t>
             </a:r>
-            <a:endParaRPr b="0" sz="2280">
+            <a:endParaRPr sz="2280" b="0">
               <a:solidFill>
                 <a:schemeClr val="lt1"/>
               </a:solidFill>
@@ -9784,30 +9918,30 @@
           </a:xfrm>
           <a:prstGeom prst="leftArrow">
             <a:avLst>
-              <a:gd fmla="val 50000" name="adj1"/>
-              <a:gd fmla="val 50000" name="adj2"/>
+              <a:gd name="adj1" fmla="val 50000"/>
+              <a:gd name="adj2" fmla="val 50000"/>
             </a:avLst>
           </a:prstGeom>
           <a:solidFill>
             <a:schemeClr val="lt2"/>
           </a:solidFill>
-          <a:ln cap="flat" cmpd="sng" w="9525">
+          <a:ln w="9525" cap="flat" cmpd="sng">
             <a:solidFill>
               <a:schemeClr val="dk2"/>
             </a:solidFill>
             <a:prstDash val="solid"/>
             <a:round/>
-            <a:headEnd len="sm" w="sm" type="none"/>
-            <a:tailEnd len="sm" w="sm" type="none"/>
+            <a:headEnd type="none" w="sm" len="sm"/>
+            <a:tailEnd type="none" w="sm" len="sm"/>
           </a:ln>
         </p:spPr>
         <p:txBody>
-          <a:bodyPr anchorCtr="0" anchor="ctr" bIns="91425" lIns="91425" spcFirstLastPara="1" rIns="91425" wrap="square" tIns="91425">
+          <a:bodyPr spcFirstLastPara="1" wrap="square" lIns="91425" tIns="91425" rIns="91425" bIns="91425" anchor="ctr" anchorCtr="0">
             <a:noAutofit/>
           </a:bodyPr>
           <a:lstStyle/>
           <a:p>
-            <a:pPr indent="0" lvl="0" marL="0" rtl="0" algn="l">
+            <a:pPr marL="0" lvl="0" indent="0" algn="l" rtl="0">
               <a:spcBef>
                 <a:spcPts val="0"/>
               </a:spcBef>
@@ -9816,9 +9950,6 @@
               </a:spcAft>
               <a:buNone/>
             </a:pPr>
-            <a:r>
-              <a:t/>
-            </a:r>
             <a:endParaRPr/>
           </a:p>
         </p:txBody>
@@ -9832,11 +9963,11 @@
 </file>
 
 <file path=ppt/slides/slide6.xml><?xml version="1.0" encoding="utf-8"?>
-<p:sld xmlns:a="http://schemas.openxmlformats.org/drawingml/2006/main" xmlns:r="http://schemas.openxmlformats.org/officeDocument/2006/relationships" xmlns:mc="http://schemas.openxmlformats.org/markup-compatibility/2006" xmlns:mv="urn:schemas-microsoft-com:mac:vml" xmlns:p="http://schemas.openxmlformats.org/presentationml/2006/main" xmlns:c="http://schemas.openxmlformats.org/drawingml/2006/chart" xmlns:dgm="http://schemas.openxmlformats.org/drawingml/2006/diagram" xmlns:o="urn:schemas-microsoft-com:office:office" xmlns:v="urn:schemas-microsoft-com:vml" xmlns:pvml="urn:schemas-microsoft-com:office:powerpoint" xmlns:com="http://schemas.openxmlformats.org/drawingml/2006/compatibility" xmlns:p14="http://schemas.microsoft.com/office/powerpoint/2010/main" xmlns:p15="http://schemas.microsoft.com/office/powerpoint/2012/main" xmlns:ahyp="http://schemas.microsoft.com/office/drawing/2018/hyperlinkcolor">
+<p:sld xmlns:a="http://schemas.openxmlformats.org/drawingml/2006/main" xmlns:r="http://schemas.openxmlformats.org/officeDocument/2006/relationships" xmlns:p="http://schemas.openxmlformats.org/presentationml/2006/main">
   <p:cSld>
     <p:spTree>
       <p:nvGrpSpPr>
-        <p:cNvPr id="98" name="Shape 98"/>
+        <p:cNvPr id="1" name="Shape 98"/>
         <p:cNvGrpSpPr/>
         <p:nvPr/>
       </p:nvGrpSpPr>
@@ -9872,27 +10003,27 @@
               </a:gs>
             </a:gsLst>
             <a:path path="circle">
-              <a:fillToRect b="50%" l="50%" r="50%" t="50%"/>
+              <a:fillToRect l="50000" t="50000" r="50000" b="50000"/>
             </a:path>
             <a:tileRect/>
           </a:gradFill>
-          <a:ln cap="flat" cmpd="sng" w="9525">
+          <a:ln w="9525" cap="flat" cmpd="sng">
             <a:solidFill>
               <a:schemeClr val="dk1"/>
             </a:solidFill>
             <a:prstDash val="solid"/>
             <a:round/>
-            <a:headEnd len="sm" w="sm" type="none"/>
-            <a:tailEnd len="sm" w="sm" type="none"/>
+            <a:headEnd type="none" w="sm" len="sm"/>
+            <a:tailEnd type="none" w="sm" len="sm"/>
           </a:ln>
         </p:spPr>
         <p:txBody>
-          <a:bodyPr anchorCtr="0" anchor="ctr" bIns="91425" lIns="91425" spcFirstLastPara="1" rIns="91425" wrap="square" tIns="91425">
+          <a:bodyPr spcFirstLastPara="1" wrap="square" lIns="91425" tIns="91425" rIns="91425" bIns="91425" anchor="ctr" anchorCtr="0">
             <a:noAutofit/>
           </a:bodyPr>
           <a:lstStyle/>
           <a:p>
-            <a:pPr indent="0" lvl="0" marL="0" rtl="0" algn="l">
+            <a:pPr marL="0" lvl="0" indent="0" algn="l" rtl="0">
               <a:spcBef>
                 <a:spcPts val="0"/>
               </a:spcBef>
@@ -9901,9 +10032,6 @@
               </a:spcAft>
               <a:buNone/>
             </a:pPr>
-            <a:r>
-              <a:t/>
-            </a:r>
             <a:endParaRPr/>
           </a:p>
         </p:txBody>
@@ -9911,27 +10039,29 @@
       <p:sp>
         <p:nvSpPr>
           <p:cNvPr id="100" name="Google Shape;100;p18"/>
-          <p:cNvSpPr txBox="1"/>
+          <p:cNvSpPr txBox="1">
+            <a:spLocks noGrp="1"/>
+          </p:cNvSpPr>
           <p:nvPr>
             <p:ph type="title"/>
           </p:nvPr>
         </p:nvSpPr>
         <p:spPr>
           <a:xfrm>
-            <a:off x="149550" y="126225"/>
-            <a:ext cx="8844900" cy="803700"/>
+            <a:off x="1503525" y="-71465"/>
+            <a:ext cx="6136950" cy="803700"/>
           </a:xfrm>
           <a:prstGeom prst="rect">
             <a:avLst/>
           </a:prstGeom>
         </p:spPr>
         <p:txBody>
-          <a:bodyPr anchorCtr="0" anchor="t" bIns="91425" lIns="91425" spcFirstLastPara="1" rIns="91425" wrap="square" tIns="91425">
+          <a:bodyPr spcFirstLastPara="1" wrap="square" lIns="91425" tIns="91425" rIns="91425" bIns="91425" anchor="t" anchorCtr="0">
             <a:normAutofit fontScale="90000"/>
           </a:bodyPr>
           <a:lstStyle/>
           <a:p>
-            <a:pPr indent="0" lvl="0" marL="0" rtl="0" algn="ctr">
+            <a:pPr marL="0" lvl="0" indent="0" algn="ctr" rtl="0">
               <a:spcBef>
                 <a:spcPts val="0"/>
               </a:spcBef>
@@ -9941,7 +10071,7 @@
               <a:buNone/>
             </a:pPr>
             <a:r>
-              <a:rPr b="0" lang="en">
+              <a:rPr lang="en" b="0" dirty="0">
                 <a:solidFill>
                   <a:schemeClr val="lt1"/>
                 </a:solidFill>
@@ -9952,7 +10082,7 @@
               </a:rPr>
               <a:t>Top Hosts having bookings in Manhattan</a:t>
             </a:r>
-            <a:endParaRPr b="0">
+            <a:endParaRPr b="0" dirty="0">
               <a:solidFill>
                 <a:schemeClr val="lt1"/>
               </a:solidFill>
@@ -9974,13 +10104,13 @@
           <a:blip r:embed="rId3">
             <a:alphaModFix/>
           </a:blip>
-          <a:srcRect b="3166" l="0" r="0" t="0"/>
+          <a:srcRect b="3166"/>
           <a:stretch/>
         </p:blipFill>
         <p:spPr>
           <a:xfrm>
-            <a:off x="2632225" y="929925"/>
-            <a:ext cx="3879550" cy="4058850"/>
+            <a:off x="2632225" y="1464469"/>
+            <a:ext cx="3654275" cy="3524306"/>
           </a:xfrm>
           <a:prstGeom prst="rect">
             <a:avLst/>
@@ -9990,7 +10120,7 @@
             <a:noFill/>
           </a:ln>
           <a:effectLst>
-            <a:outerShdw blurRad="57150" rotWithShape="0" algn="bl" dir="5400000" dist="19050">
+            <a:outerShdw blurRad="57150" dist="19050" dir="5400000" algn="bl" rotWithShape="0">
               <a:srgbClr val="000000">
                 <a:alpha val="50000"/>
               </a:srgbClr>
@@ -10001,7 +10131,9 @@
       <p:sp>
         <p:nvSpPr>
           <p:cNvPr id="102" name="Google Shape;102;p18"/>
-          <p:cNvSpPr txBox="1"/>
+          <p:cNvSpPr txBox="1">
+            <a:spLocks noGrp="1"/>
+          </p:cNvSpPr>
           <p:nvPr>
             <p:ph type="title"/>
           </p:nvPr>
@@ -10016,12 +10148,12 @@
           </a:prstGeom>
         </p:spPr>
         <p:txBody>
-          <a:bodyPr anchorCtr="0" anchor="ctr" bIns="91425" lIns="91425" spcFirstLastPara="1" rIns="91425" wrap="square" tIns="91425">
+          <a:bodyPr spcFirstLastPara="1" wrap="square" lIns="91425" tIns="91425" rIns="91425" bIns="91425" anchor="ctr" anchorCtr="0">
             <a:noAutofit/>
           </a:bodyPr>
           <a:lstStyle/>
           <a:p>
-            <a:pPr indent="0" lvl="0" marL="0" rtl="0" algn="ctr">
+            <a:pPr marL="0" lvl="0" indent="0" algn="ctr" rtl="0">
               <a:spcBef>
                 <a:spcPts val="0"/>
               </a:spcBef>
@@ -10032,7 +10164,7 @@
               <a:buNone/>
             </a:pPr>
             <a:r>
-              <a:rPr b="0" lang="en" sz="1600">
+              <a:rPr lang="en" sz="1600" b="0">
                 <a:solidFill>
                   <a:schemeClr val="lt1"/>
                 </a:solidFill>
@@ -10041,21 +10173,9 @@
                 <a:cs typeface="Arial"/>
                 <a:sym typeface="Arial"/>
               </a:rPr>
-              <a:t>All the top earning hosts are also the ones </a:t>
+              <a:t>All the top earning hosts are also the ones having maximum bookings in Manhattan</a:t>
             </a:r>
-            <a:r>
-              <a:rPr b="0" lang="en" sz="1600">
-                <a:solidFill>
-                  <a:schemeClr val="lt1"/>
-                </a:solidFill>
-                <a:latin typeface="Arial"/>
-                <a:ea typeface="Arial"/>
-                <a:cs typeface="Arial"/>
-                <a:sym typeface="Arial"/>
-              </a:rPr>
-              <a:t>having maximum bookings in Manhattan</a:t>
-            </a:r>
-            <a:endParaRPr b="0" sz="1600">
+            <a:endParaRPr sz="1600" b="0">
               <a:solidFill>
                 <a:schemeClr val="lt1"/>
               </a:solidFill>
@@ -10080,30 +10200,30 @@
           </a:xfrm>
           <a:prstGeom prst="leftArrow">
             <a:avLst>
-              <a:gd fmla="val 50000" name="adj1"/>
-              <a:gd fmla="val 50000" name="adj2"/>
+              <a:gd name="adj1" fmla="val 50000"/>
+              <a:gd name="adj2" fmla="val 50000"/>
             </a:avLst>
           </a:prstGeom>
           <a:solidFill>
             <a:schemeClr val="lt2"/>
           </a:solidFill>
-          <a:ln cap="flat" cmpd="sng" w="9525">
+          <a:ln w="9525" cap="flat" cmpd="sng">
             <a:solidFill>
               <a:schemeClr val="dk2"/>
             </a:solidFill>
             <a:prstDash val="solid"/>
             <a:round/>
-            <a:headEnd len="sm" w="sm" type="none"/>
-            <a:tailEnd len="sm" w="sm" type="none"/>
+            <a:headEnd type="none" w="sm" len="sm"/>
+            <a:tailEnd type="none" w="sm" len="sm"/>
           </a:ln>
         </p:spPr>
         <p:txBody>
-          <a:bodyPr anchorCtr="0" anchor="ctr" bIns="91425" lIns="91425" spcFirstLastPara="1" rIns="91425" wrap="square" tIns="91425">
+          <a:bodyPr spcFirstLastPara="1" wrap="square" lIns="91425" tIns="91425" rIns="91425" bIns="91425" anchor="ctr" anchorCtr="0">
             <a:noAutofit/>
           </a:bodyPr>
           <a:lstStyle/>
           <a:p>
-            <a:pPr indent="0" lvl="0" marL="0" rtl="0" algn="l">
+            <a:pPr marL="0" lvl="0" indent="0" algn="l" rtl="0">
               <a:spcBef>
                 <a:spcPts val="0"/>
               </a:spcBef>
@@ -10112,9 +10232,6 @@
               </a:spcAft>
               <a:buNone/>
             </a:pPr>
-            <a:r>
-              <a:t/>
-            </a:r>
             <a:endParaRPr/>
           </a:p>
         </p:txBody>
@@ -10128,11 +10245,11 @@
 </file>
 
 <file path=ppt/slides/slide7.xml><?xml version="1.0" encoding="utf-8"?>
-<p:sld xmlns:a="http://schemas.openxmlformats.org/drawingml/2006/main" xmlns:r="http://schemas.openxmlformats.org/officeDocument/2006/relationships" xmlns:mc="http://schemas.openxmlformats.org/markup-compatibility/2006" xmlns:mv="urn:schemas-microsoft-com:mac:vml" xmlns:p="http://schemas.openxmlformats.org/presentationml/2006/main" xmlns:c="http://schemas.openxmlformats.org/drawingml/2006/chart" xmlns:dgm="http://schemas.openxmlformats.org/drawingml/2006/diagram" xmlns:o="urn:schemas-microsoft-com:office:office" xmlns:v="urn:schemas-microsoft-com:vml" xmlns:pvml="urn:schemas-microsoft-com:office:powerpoint" xmlns:com="http://schemas.openxmlformats.org/drawingml/2006/compatibility" xmlns:p14="http://schemas.microsoft.com/office/powerpoint/2010/main" xmlns:p15="http://schemas.microsoft.com/office/powerpoint/2012/main" xmlns:ahyp="http://schemas.microsoft.com/office/drawing/2018/hyperlinkcolor">
+<p:sld xmlns:a="http://schemas.openxmlformats.org/drawingml/2006/main" xmlns:r="http://schemas.openxmlformats.org/officeDocument/2006/relationships" xmlns:p="http://schemas.openxmlformats.org/presentationml/2006/main">
   <p:cSld>
     <p:spTree>
       <p:nvGrpSpPr>
-        <p:cNvPr id="107" name="Shape 107"/>
+        <p:cNvPr id="1" name="Shape 107"/>
         <p:cNvGrpSpPr/>
         <p:nvPr/>
       </p:nvGrpSpPr>
@@ -10168,27 +10285,27 @@
               </a:gs>
             </a:gsLst>
             <a:path path="circle">
-              <a:fillToRect b="50%" l="50%" r="50%" t="50%"/>
+              <a:fillToRect l="50000" t="50000" r="50000" b="50000"/>
             </a:path>
             <a:tileRect/>
           </a:gradFill>
-          <a:ln cap="flat" cmpd="sng" w="9525">
+          <a:ln w="9525" cap="flat" cmpd="sng">
             <a:solidFill>
               <a:schemeClr val="dk1"/>
             </a:solidFill>
             <a:prstDash val="solid"/>
             <a:round/>
-            <a:headEnd len="sm" w="sm" type="none"/>
-            <a:tailEnd len="sm" w="sm" type="none"/>
+            <a:headEnd type="none" w="sm" len="sm"/>
+            <a:tailEnd type="none" w="sm" len="sm"/>
           </a:ln>
         </p:spPr>
         <p:txBody>
-          <a:bodyPr anchorCtr="0" anchor="ctr" bIns="91425" lIns="91425" spcFirstLastPara="1" rIns="91425" wrap="square" tIns="91425">
+          <a:bodyPr spcFirstLastPara="1" wrap="square" lIns="91425" tIns="91425" rIns="91425" bIns="91425" anchor="ctr" anchorCtr="0">
             <a:noAutofit/>
           </a:bodyPr>
           <a:lstStyle/>
           <a:p>
-            <a:pPr indent="0" lvl="0" marL="0" rtl="0" algn="l">
+            <a:pPr marL="0" lvl="0" indent="0" algn="l" rtl="0">
               <a:spcBef>
                 <a:spcPts val="0"/>
               </a:spcBef>
@@ -10197,9 +10314,6 @@
               </a:spcAft>
               <a:buNone/>
             </a:pPr>
-            <a:r>
-              <a:t/>
-            </a:r>
             <a:endParaRPr/>
           </a:p>
         </p:txBody>
@@ -10207,7 +10321,9 @@
       <p:sp>
         <p:nvSpPr>
           <p:cNvPr id="109" name="Google Shape;109;p19"/>
-          <p:cNvSpPr txBox="1"/>
+          <p:cNvSpPr txBox="1">
+            <a:spLocks noGrp="1"/>
+          </p:cNvSpPr>
           <p:nvPr>
             <p:ph type="title"/>
           </p:nvPr>
@@ -10222,12 +10338,12 @@
           </a:prstGeom>
         </p:spPr>
         <p:txBody>
-          <a:bodyPr anchorCtr="0" anchor="t" bIns="91425" lIns="91425" spcFirstLastPara="1" rIns="91425" wrap="square" tIns="91425">
+          <a:bodyPr spcFirstLastPara="1" wrap="square" lIns="91425" tIns="91425" rIns="91425" bIns="91425" anchor="t" anchorCtr="0">
             <a:normAutofit fontScale="90000"/>
           </a:bodyPr>
           <a:lstStyle/>
           <a:p>
-            <a:pPr indent="0" lvl="0" marL="0" rtl="0" algn="ctr">
+            <a:pPr marL="0" lvl="0" indent="0" algn="ctr" rtl="0">
               <a:spcBef>
                 <a:spcPts val="0"/>
               </a:spcBef>
@@ -10237,7 +10353,7 @@
               <a:buNone/>
             </a:pPr>
             <a:r>
-              <a:rPr b="0" lang="en">
+              <a:rPr lang="en" b="0">
                 <a:solidFill>
                   <a:schemeClr val="lt1"/>
                 </a:solidFill>
@@ -10301,30 +10417,30 @@
           </a:xfrm>
           <a:prstGeom prst="leftArrow">
             <a:avLst>
-              <a:gd fmla="val 50000" name="adj1"/>
-              <a:gd fmla="val 50000" name="adj2"/>
+              <a:gd name="adj1" fmla="val 50000"/>
+              <a:gd name="adj2" fmla="val 50000"/>
             </a:avLst>
           </a:prstGeom>
           <a:solidFill>
             <a:schemeClr val="lt2"/>
           </a:solidFill>
-          <a:ln cap="flat" cmpd="sng" w="9525">
+          <a:ln w="9525" cap="flat" cmpd="sng">
             <a:solidFill>
               <a:schemeClr val="dk2"/>
             </a:solidFill>
             <a:prstDash val="solid"/>
             <a:round/>
-            <a:headEnd len="sm" w="sm" type="none"/>
-            <a:tailEnd len="sm" w="sm" type="none"/>
+            <a:headEnd type="none" w="sm" len="sm"/>
+            <a:tailEnd type="none" w="sm" len="sm"/>
           </a:ln>
         </p:spPr>
         <p:txBody>
-          <a:bodyPr anchorCtr="0" anchor="ctr" bIns="91425" lIns="91425" spcFirstLastPara="1" rIns="91425" wrap="square" tIns="91425">
+          <a:bodyPr spcFirstLastPara="1" wrap="square" lIns="91425" tIns="91425" rIns="91425" bIns="91425" anchor="ctr" anchorCtr="0">
             <a:noAutofit/>
           </a:bodyPr>
           <a:lstStyle/>
           <a:p>
-            <a:pPr indent="0" lvl="0" marL="0" rtl="0" algn="l">
+            <a:pPr marL="0" lvl="0" indent="0" algn="l" rtl="0">
               <a:spcBef>
                 <a:spcPts val="0"/>
               </a:spcBef>
@@ -10333,9 +10449,6 @@
               </a:spcAft>
               <a:buNone/>
             </a:pPr>
-            <a:r>
-              <a:t/>
-            </a:r>
             <a:endParaRPr/>
           </a:p>
         </p:txBody>
@@ -10343,7 +10456,9 @@
       <p:sp>
         <p:nvSpPr>
           <p:cNvPr id="112" name="Google Shape;112;p19"/>
-          <p:cNvSpPr txBox="1"/>
+          <p:cNvSpPr txBox="1">
+            <a:spLocks noGrp="1"/>
+          </p:cNvSpPr>
           <p:nvPr>
             <p:ph type="title"/>
           </p:nvPr>
@@ -10358,12 +10473,12 @@
           </a:prstGeom>
         </p:spPr>
         <p:txBody>
-          <a:bodyPr anchorCtr="0" anchor="ctr" bIns="91425" lIns="91425" spcFirstLastPara="1" rIns="91425" wrap="square" tIns="91425">
+          <a:bodyPr spcFirstLastPara="1" wrap="square" lIns="91425" tIns="91425" rIns="91425" bIns="91425" anchor="ctr" anchorCtr="0">
             <a:noAutofit/>
           </a:bodyPr>
           <a:lstStyle/>
           <a:p>
-            <a:pPr indent="0" lvl="0" marL="0" rtl="0" algn="ctr">
+            <a:pPr marL="0" lvl="0" indent="0" algn="ctr" rtl="0">
               <a:spcBef>
                 <a:spcPts val="0"/>
               </a:spcBef>
@@ -10374,7 +10489,7 @@
               <a:buNone/>
             </a:pPr>
             <a:r>
-              <a:rPr b="0" lang="en" sz="1600">
+              <a:rPr lang="en" sz="1600" b="0">
                 <a:solidFill>
                   <a:schemeClr val="lt1"/>
                 </a:solidFill>
@@ -10385,7 +10500,7 @@
               </a:rPr>
               <a:t>All the neighbourhoods in Manhattan have the maximum bookings overall</a:t>
             </a:r>
-            <a:endParaRPr b="0" sz="1600">
+            <a:endParaRPr sz="1600" b="0">
               <a:solidFill>
                 <a:schemeClr val="lt1"/>
               </a:solidFill>
@@ -10434,11 +10549,11 @@
 </file>
 
 <file path=ppt/slides/slide8.xml><?xml version="1.0" encoding="utf-8"?>
-<p:sld xmlns:a="http://schemas.openxmlformats.org/drawingml/2006/main" xmlns:r="http://schemas.openxmlformats.org/officeDocument/2006/relationships" xmlns:mc="http://schemas.openxmlformats.org/markup-compatibility/2006" xmlns:mv="urn:schemas-microsoft-com:mac:vml" xmlns:p="http://schemas.openxmlformats.org/presentationml/2006/main" xmlns:c="http://schemas.openxmlformats.org/drawingml/2006/chart" xmlns:dgm="http://schemas.openxmlformats.org/drawingml/2006/diagram" xmlns:o="urn:schemas-microsoft-com:office:office" xmlns:v="urn:schemas-microsoft-com:vml" xmlns:pvml="urn:schemas-microsoft-com:office:powerpoint" xmlns:com="http://schemas.openxmlformats.org/drawingml/2006/compatibility" xmlns:p14="http://schemas.microsoft.com/office/powerpoint/2010/main" xmlns:p15="http://schemas.microsoft.com/office/powerpoint/2012/main" xmlns:ahyp="http://schemas.microsoft.com/office/drawing/2018/hyperlinkcolor">
+<p:sld xmlns:a="http://schemas.openxmlformats.org/drawingml/2006/main" xmlns:r="http://schemas.openxmlformats.org/officeDocument/2006/relationships" xmlns:p="http://schemas.openxmlformats.org/presentationml/2006/main">
   <p:cSld>
     <p:spTree>
       <p:nvGrpSpPr>
-        <p:cNvPr id="117" name="Shape 117"/>
+        <p:cNvPr id="1" name="Shape 117"/>
         <p:cNvGrpSpPr/>
         <p:nvPr/>
       </p:nvGrpSpPr>
@@ -10474,27 +10589,27 @@
               </a:gs>
             </a:gsLst>
             <a:path path="circle">
-              <a:fillToRect b="50%" l="50%" r="50%" t="50%"/>
+              <a:fillToRect l="50000" t="50000" r="50000" b="50000"/>
             </a:path>
             <a:tileRect/>
           </a:gradFill>
-          <a:ln cap="flat" cmpd="sng" w="9525">
+          <a:ln w="9525" cap="flat" cmpd="sng">
             <a:solidFill>
               <a:schemeClr val="dk1"/>
             </a:solidFill>
             <a:prstDash val="solid"/>
             <a:round/>
-            <a:headEnd len="sm" w="sm" type="none"/>
-            <a:tailEnd len="sm" w="sm" type="none"/>
+            <a:headEnd type="none" w="sm" len="sm"/>
+            <a:tailEnd type="none" w="sm" len="sm"/>
           </a:ln>
         </p:spPr>
         <p:txBody>
-          <a:bodyPr anchorCtr="0" anchor="ctr" bIns="91425" lIns="91425" spcFirstLastPara="1" rIns="91425" wrap="square" tIns="91425">
+          <a:bodyPr spcFirstLastPara="1" wrap="square" lIns="91425" tIns="91425" rIns="91425" bIns="91425" anchor="ctr" anchorCtr="0">
             <a:noAutofit/>
           </a:bodyPr>
           <a:lstStyle/>
           <a:p>
-            <a:pPr indent="0" lvl="0" marL="0" rtl="0" algn="l">
+            <a:pPr marL="0" lvl="0" indent="0" algn="l" rtl="0">
               <a:spcBef>
                 <a:spcPts val="0"/>
               </a:spcBef>
@@ -10503,9 +10618,6 @@
               </a:spcAft>
               <a:buNone/>
             </a:pPr>
-            <a:r>
-              <a:t/>
-            </a:r>
             <a:endParaRPr/>
           </a:p>
         </p:txBody>
@@ -10513,7 +10625,9 @@
       <p:sp>
         <p:nvSpPr>
           <p:cNvPr id="119" name="Google Shape;119;p20"/>
-          <p:cNvSpPr txBox="1"/>
+          <p:cNvSpPr txBox="1">
+            <a:spLocks noGrp="1"/>
+          </p:cNvSpPr>
           <p:nvPr>
             <p:ph type="title"/>
           </p:nvPr>
@@ -10528,12 +10642,12 @@
           </a:prstGeom>
         </p:spPr>
         <p:txBody>
-          <a:bodyPr anchorCtr="0" anchor="t" bIns="91425" lIns="91425" spcFirstLastPara="1" rIns="91425" wrap="square" tIns="91425">
+          <a:bodyPr spcFirstLastPara="1" wrap="square" lIns="91425" tIns="91425" rIns="91425" bIns="91425" anchor="t" anchorCtr="0">
             <a:normAutofit fontScale="90000"/>
           </a:bodyPr>
           <a:lstStyle/>
           <a:p>
-            <a:pPr indent="0" lvl="0" marL="0" rtl="0" algn="ctr">
+            <a:pPr marL="0" lvl="0" indent="0" algn="ctr" rtl="0">
               <a:spcBef>
                 <a:spcPts val="0"/>
               </a:spcBef>
@@ -10543,7 +10657,7 @@
               <a:buNone/>
             </a:pPr>
             <a:r>
-              <a:rPr b="0" lang="en">
+              <a:rPr lang="en" b="0">
                 <a:solidFill>
                   <a:schemeClr val="dk2"/>
                 </a:solidFill>
@@ -10635,30 +10749,30 @@
           </a:xfrm>
           <a:prstGeom prst="leftArrow">
             <a:avLst>
-              <a:gd fmla="val 50000" name="adj1"/>
-              <a:gd fmla="val 50000" name="adj2"/>
+              <a:gd name="adj1" fmla="val 50000"/>
+              <a:gd name="adj2" fmla="val 50000"/>
             </a:avLst>
           </a:prstGeom>
           <a:solidFill>
             <a:schemeClr val="lt1"/>
           </a:solidFill>
-          <a:ln cap="flat" cmpd="sng" w="9525">
+          <a:ln w="9525" cap="flat" cmpd="sng">
             <a:solidFill>
               <a:schemeClr val="dk2"/>
             </a:solidFill>
             <a:prstDash val="solid"/>
             <a:round/>
-            <a:headEnd len="sm" w="sm" type="none"/>
-            <a:tailEnd len="sm" w="sm" type="none"/>
+            <a:headEnd type="none" w="sm" len="sm"/>
+            <a:tailEnd type="none" w="sm" len="sm"/>
           </a:ln>
         </p:spPr>
         <p:txBody>
-          <a:bodyPr anchorCtr="0" anchor="ctr" bIns="91425" lIns="91425" spcFirstLastPara="1" rIns="91425" wrap="square" tIns="91425">
+          <a:bodyPr spcFirstLastPara="1" wrap="square" lIns="91425" tIns="91425" rIns="91425" bIns="91425" anchor="ctr" anchorCtr="0">
             <a:noAutofit/>
           </a:bodyPr>
           <a:lstStyle/>
           <a:p>
-            <a:pPr indent="0" lvl="0" marL="0" rtl="0" algn="l">
+            <a:pPr marL="0" lvl="0" indent="0" algn="l" rtl="0">
               <a:spcBef>
                 <a:spcPts val="0"/>
               </a:spcBef>
@@ -10667,9 +10781,6 @@
               </a:spcAft>
               <a:buNone/>
             </a:pPr>
-            <a:r>
-              <a:t/>
-            </a:r>
             <a:endParaRPr/>
           </a:p>
         </p:txBody>
@@ -10677,7 +10788,9 @@
       <p:sp>
         <p:nvSpPr>
           <p:cNvPr id="123" name="Google Shape;123;p20"/>
-          <p:cNvSpPr txBox="1"/>
+          <p:cNvSpPr txBox="1">
+            <a:spLocks noGrp="1"/>
+          </p:cNvSpPr>
           <p:nvPr>
             <p:ph type="title"/>
           </p:nvPr>
@@ -10692,12 +10805,12 @@
           </a:prstGeom>
         </p:spPr>
         <p:txBody>
-          <a:bodyPr anchorCtr="0" anchor="ctr" bIns="91425" lIns="91425" spcFirstLastPara="1" rIns="91425" wrap="square" tIns="91425">
+          <a:bodyPr spcFirstLastPara="1" wrap="square" lIns="91425" tIns="91425" rIns="91425" bIns="91425" anchor="ctr" anchorCtr="0">
             <a:noAutofit/>
           </a:bodyPr>
           <a:lstStyle/>
           <a:p>
-            <a:pPr indent="0" lvl="0" marL="0" rtl="0" algn="ctr">
+            <a:pPr marL="0" lvl="0" indent="0" algn="ctr" rtl="0">
               <a:lnSpc>
                 <a:spcPct val="100000"/>
               </a:lnSpc>
@@ -10711,7 +10824,7 @@
               <a:buNone/>
             </a:pPr>
             <a:r>
-              <a:rPr b="0" lang="en" sz="1600">
+              <a:rPr lang="en" sz="1600" b="0">
                 <a:solidFill>
                   <a:schemeClr val="dk2"/>
                 </a:solidFill>
@@ -10722,7 +10835,7 @@
               </a:rPr>
               <a:t>Average Pricing</a:t>
             </a:r>
-            <a:endParaRPr b="0" sz="1600">
+            <a:endParaRPr sz="1600" b="0">
               <a:solidFill>
                 <a:schemeClr val="dk2"/>
               </a:solidFill>
@@ -10747,30 +10860,30 @@
           </a:xfrm>
           <a:prstGeom prst="leftArrow">
             <a:avLst>
-              <a:gd fmla="val 50000" name="adj1"/>
-              <a:gd fmla="val 50000" name="adj2"/>
+              <a:gd name="adj1" fmla="val 50000"/>
+              <a:gd name="adj2" fmla="val 50000"/>
             </a:avLst>
           </a:prstGeom>
           <a:solidFill>
             <a:schemeClr val="lt2"/>
           </a:solidFill>
-          <a:ln cap="flat" cmpd="sng" w="9525">
+          <a:ln w="9525" cap="flat" cmpd="sng">
             <a:solidFill>
               <a:schemeClr val="dk2"/>
             </a:solidFill>
             <a:prstDash val="solid"/>
             <a:round/>
-            <a:headEnd len="sm" w="sm" type="none"/>
-            <a:tailEnd len="sm" w="sm" type="none"/>
+            <a:headEnd type="none" w="sm" len="sm"/>
+            <a:tailEnd type="none" w="sm" len="sm"/>
           </a:ln>
         </p:spPr>
         <p:txBody>
-          <a:bodyPr anchorCtr="0" anchor="ctr" bIns="91425" lIns="91425" spcFirstLastPara="1" rIns="91425" wrap="square" tIns="91425">
+          <a:bodyPr spcFirstLastPara="1" wrap="square" lIns="91425" tIns="91425" rIns="91425" bIns="91425" anchor="ctr" anchorCtr="0">
             <a:noAutofit/>
           </a:bodyPr>
           <a:lstStyle/>
           <a:p>
-            <a:pPr indent="0" lvl="0" marL="0" rtl="0" algn="l">
+            <a:pPr marL="0" lvl="0" indent="0" algn="l" rtl="0">
               <a:spcBef>
                 <a:spcPts val="0"/>
               </a:spcBef>
@@ -10779,9 +10892,6 @@
               </a:spcAft>
               <a:buNone/>
             </a:pPr>
-            <a:r>
-              <a:t/>
-            </a:r>
             <a:endParaRPr/>
           </a:p>
         </p:txBody>
@@ -10789,7 +10899,9 @@
       <p:sp>
         <p:nvSpPr>
           <p:cNvPr id="125" name="Google Shape;125;p20"/>
-          <p:cNvSpPr txBox="1"/>
+          <p:cNvSpPr txBox="1">
+            <a:spLocks noGrp="1"/>
+          </p:cNvSpPr>
           <p:nvPr>
             <p:ph type="title"/>
           </p:nvPr>
@@ -10804,12 +10916,12 @@
           </a:prstGeom>
         </p:spPr>
         <p:txBody>
-          <a:bodyPr anchorCtr="0" anchor="ctr" bIns="91425" lIns="91425" spcFirstLastPara="1" rIns="91425" wrap="square" tIns="91425">
+          <a:bodyPr spcFirstLastPara="1" wrap="square" lIns="91425" tIns="91425" rIns="91425" bIns="91425" anchor="ctr" anchorCtr="0">
             <a:normAutofit fontScale="90000"/>
           </a:bodyPr>
           <a:lstStyle/>
           <a:p>
-            <a:pPr indent="0" lvl="0" marL="0" rtl="0" algn="ctr">
+            <a:pPr marL="0" lvl="0" indent="0" algn="ctr" rtl="0">
               <a:spcBef>
                 <a:spcPts val="0"/>
               </a:spcBef>
@@ -10820,7 +10932,7 @@
               <a:buNone/>
             </a:pPr>
             <a:r>
-              <a:rPr b="0" lang="en" sz="1600">
+              <a:rPr lang="en" sz="1600" b="0">
                 <a:solidFill>
                   <a:schemeClr val="lt1"/>
                 </a:solidFill>
@@ -10831,7 +10943,7 @@
               </a:rPr>
               <a:t>Neighbourhoods with the highest average pricing have less number of bookings </a:t>
             </a:r>
-            <a:endParaRPr b="0" sz="1600">
+            <a:endParaRPr sz="1600" b="0">
               <a:solidFill>
                 <a:schemeClr val="lt1"/>
               </a:solidFill>
@@ -10852,11 +10964,11 @@
 </file>
 
 <file path=ppt/slides/slide9.xml><?xml version="1.0" encoding="utf-8"?>
-<p:sld xmlns:a="http://schemas.openxmlformats.org/drawingml/2006/main" xmlns:r="http://schemas.openxmlformats.org/officeDocument/2006/relationships" xmlns:mc="http://schemas.openxmlformats.org/markup-compatibility/2006" xmlns:mv="urn:schemas-microsoft-com:mac:vml" xmlns:p="http://schemas.openxmlformats.org/presentationml/2006/main" xmlns:c="http://schemas.openxmlformats.org/drawingml/2006/chart" xmlns:dgm="http://schemas.openxmlformats.org/drawingml/2006/diagram" xmlns:o="urn:schemas-microsoft-com:office:office" xmlns:v="urn:schemas-microsoft-com:vml" xmlns:pvml="urn:schemas-microsoft-com:office:powerpoint" xmlns:com="http://schemas.openxmlformats.org/drawingml/2006/compatibility" xmlns:p14="http://schemas.microsoft.com/office/powerpoint/2010/main" xmlns:p15="http://schemas.microsoft.com/office/powerpoint/2012/main" xmlns:ahyp="http://schemas.microsoft.com/office/drawing/2018/hyperlinkcolor">
+<p:sld xmlns:a="http://schemas.openxmlformats.org/drawingml/2006/main" xmlns:r="http://schemas.openxmlformats.org/officeDocument/2006/relationships" xmlns:p="http://schemas.openxmlformats.org/presentationml/2006/main">
   <p:cSld>
     <p:spTree>
       <p:nvGrpSpPr>
-        <p:cNvPr id="129" name="Shape 129"/>
+        <p:cNvPr id="1" name="Shape 129"/>
         <p:cNvGrpSpPr/>
         <p:nvPr/>
       </p:nvGrpSpPr>
@@ -10893,23 +11005,23 @@
             </a:gsLst>
             <a:lin ang="5400012" scaled="0"/>
           </a:gradFill>
-          <a:ln cap="flat" cmpd="sng" w="9525">
+          <a:ln w="9525" cap="flat" cmpd="sng">
             <a:solidFill>
               <a:schemeClr val="dk1"/>
             </a:solidFill>
             <a:prstDash val="solid"/>
             <a:round/>
-            <a:headEnd len="sm" w="sm" type="none"/>
-            <a:tailEnd len="sm" w="sm" type="none"/>
+            <a:headEnd type="none" w="sm" len="sm"/>
+            <a:tailEnd type="none" w="sm" len="sm"/>
           </a:ln>
         </p:spPr>
         <p:txBody>
-          <a:bodyPr anchorCtr="0" anchor="ctr" bIns="91425" lIns="91425" spcFirstLastPara="1" rIns="91425" wrap="square" tIns="91425">
+          <a:bodyPr spcFirstLastPara="1" wrap="square" lIns="91425" tIns="91425" rIns="91425" bIns="91425" anchor="ctr" anchorCtr="0">
             <a:noAutofit/>
           </a:bodyPr>
           <a:lstStyle/>
           <a:p>
-            <a:pPr indent="0" lvl="0" marL="0" rtl="0" algn="l">
+            <a:pPr marL="0" lvl="0" indent="0" algn="l" rtl="0">
               <a:spcBef>
                 <a:spcPts val="0"/>
               </a:spcBef>
@@ -10918,9 +11030,6 @@
               </a:spcAft>
               <a:buNone/>
             </a:pPr>
-            <a:r>
-              <a:t/>
-            </a:r>
             <a:endParaRPr/>
           </a:p>
         </p:txBody>
@@ -10928,7 +11037,9 @@
       <p:sp>
         <p:nvSpPr>
           <p:cNvPr id="131" name="Google Shape;131;p21"/>
-          <p:cNvSpPr txBox="1"/>
+          <p:cNvSpPr txBox="1">
+            <a:spLocks noGrp="1"/>
+          </p:cNvSpPr>
           <p:nvPr>
             <p:ph type="title"/>
           </p:nvPr>
@@ -10943,12 +11054,12 @@
           </a:prstGeom>
         </p:spPr>
         <p:txBody>
-          <a:bodyPr anchorCtr="0" anchor="t" bIns="91425" lIns="91425" spcFirstLastPara="1" rIns="91425" wrap="square" tIns="91425">
+          <a:bodyPr spcFirstLastPara="1" wrap="square" lIns="91425" tIns="91425" rIns="91425" bIns="91425" anchor="t" anchorCtr="0">
             <a:normAutofit fontScale="90000"/>
           </a:bodyPr>
           <a:lstStyle/>
           <a:p>
-            <a:pPr indent="0" lvl="0" marL="0" rtl="0" algn="ctr">
+            <a:pPr marL="0" lvl="0" indent="0" algn="ctr" rtl="0">
               <a:spcBef>
                 <a:spcPts val="0"/>
               </a:spcBef>
@@ -10958,7 +11069,7 @@
               <a:buNone/>
             </a:pPr>
             <a:r>
-              <a:rPr b="0" lang="en">
+              <a:rPr lang="en" b="0">
                 <a:solidFill>
                   <a:schemeClr val="dk2"/>
                 </a:solidFill>
@@ -10991,7 +11102,7 @@
           <a:blip r:embed="rId3">
             <a:alphaModFix/>
           </a:blip>
-          <a:srcRect b="0" l="1180" r="-1179" t="12265"/>
+          <a:srcRect l="1180" t="12265" r="-1179"/>
           <a:stretch/>
         </p:blipFill>
         <p:spPr>
@@ -11021,30 +11132,30 @@
           </a:xfrm>
           <a:prstGeom prst="leftArrow">
             <a:avLst>
-              <a:gd fmla="val 50000" name="adj1"/>
-              <a:gd fmla="val 50000" name="adj2"/>
+              <a:gd name="adj1" fmla="val 50000"/>
+              <a:gd name="adj2" fmla="val 50000"/>
             </a:avLst>
           </a:prstGeom>
           <a:solidFill>
             <a:schemeClr val="dk2"/>
           </a:solidFill>
-          <a:ln cap="flat" cmpd="sng" w="9525">
+          <a:ln w="9525" cap="flat" cmpd="sng">
             <a:solidFill>
               <a:schemeClr val="dk2"/>
             </a:solidFill>
             <a:prstDash val="solid"/>
             <a:round/>
-            <a:headEnd len="sm" w="sm" type="none"/>
-            <a:tailEnd len="sm" w="sm" type="none"/>
+            <a:headEnd type="none" w="sm" len="sm"/>
+            <a:tailEnd type="none" w="sm" len="sm"/>
           </a:ln>
         </p:spPr>
         <p:txBody>
-          <a:bodyPr anchorCtr="0" anchor="ctr" bIns="91425" lIns="91425" spcFirstLastPara="1" rIns="91425" wrap="square" tIns="91425">
+          <a:bodyPr spcFirstLastPara="1" wrap="square" lIns="91425" tIns="91425" rIns="91425" bIns="91425" anchor="ctr" anchorCtr="0">
             <a:noAutofit/>
           </a:bodyPr>
           <a:lstStyle/>
           <a:p>
-            <a:pPr indent="0" lvl="0" marL="0" rtl="0" algn="l">
+            <a:pPr marL="0" lvl="0" indent="0" algn="l" rtl="0">
               <a:spcBef>
                 <a:spcPts val="0"/>
               </a:spcBef>
@@ -11053,9 +11164,6 @@
               </a:spcAft>
               <a:buNone/>
             </a:pPr>
-            <a:r>
-              <a:t/>
-            </a:r>
             <a:endParaRPr/>
           </a:p>
         </p:txBody>
@@ -11063,7 +11171,9 @@
       <p:sp>
         <p:nvSpPr>
           <p:cNvPr id="134" name="Google Shape;134;p21"/>
-          <p:cNvSpPr txBox="1"/>
+          <p:cNvSpPr txBox="1">
+            <a:spLocks noGrp="1"/>
+          </p:cNvSpPr>
           <p:nvPr>
             <p:ph type="title"/>
           </p:nvPr>
@@ -11078,12 +11188,12 @@
           </a:prstGeom>
         </p:spPr>
         <p:txBody>
-          <a:bodyPr anchorCtr="0" anchor="ctr" bIns="91425" lIns="91425" spcFirstLastPara="1" rIns="91425" wrap="square" tIns="91425">
+          <a:bodyPr spcFirstLastPara="1" wrap="square" lIns="91425" tIns="91425" rIns="91425" bIns="91425" anchor="ctr" anchorCtr="0">
             <a:noAutofit/>
           </a:bodyPr>
           <a:lstStyle/>
           <a:p>
-            <a:pPr indent="0" lvl="0" marL="0" rtl="0" algn="ctr">
+            <a:pPr marL="0" lvl="0" indent="0" algn="ctr" rtl="0">
               <a:spcBef>
                 <a:spcPts val="0"/>
               </a:spcBef>
@@ -11094,7 +11204,7 @@
               <a:buNone/>
             </a:pPr>
             <a:r>
-              <a:rPr b="0" lang="en" sz="1600">
+              <a:rPr lang="en" sz="1600" b="0">
                 <a:solidFill>
                   <a:schemeClr val="dk2"/>
                 </a:solidFill>
@@ -11105,7 +11215,7 @@
               </a:rPr>
               <a:t>Average pricing is mostly unwavering for every rating</a:t>
             </a:r>
-            <a:endParaRPr b="0" sz="1600">
+            <a:endParaRPr sz="1600" b="0">
               <a:solidFill>
                 <a:schemeClr val="dk2"/>
               </a:solidFill>
@@ -11126,7 +11236,7 @@
 </file>
 
 <file path=ppt/theme/theme1.xml><?xml version="1.0" encoding="utf-8"?>
-<a:theme xmlns:a="http://schemas.openxmlformats.org/drawingml/2006/main" xmlns:r="http://schemas.openxmlformats.org/officeDocument/2006/relationships" name="Beach Day">
+<a:theme xmlns:a="http://schemas.openxmlformats.org/drawingml/2006/main" name="Beach Day">
   <a:themeElements>
     <a:clrScheme name="Beach Day">
       <a:dk1>
@@ -11401,11 +11511,13 @@
       </a:bgFillStyleLst>
     </a:fmtScheme>
   </a:themeElements>
+  <a:objectDefaults/>
+  <a:extraClrSchemeLst/>
 </a:theme>
 </file>
 
 <file path=ppt/theme/theme2.xml><?xml version="1.0" encoding="utf-8"?>
-<a:theme xmlns:a="http://schemas.openxmlformats.org/drawingml/2006/main" xmlns:r="http://schemas.openxmlformats.org/officeDocument/2006/relationships">
+<a:theme xmlns:a="http://schemas.openxmlformats.org/drawingml/2006/main">
   <a:themeElements>
     <a:clrScheme name="Default">
       <a:dk1>
@@ -11680,5 +11792,7 @@
       </a:bgFillStyleLst>
     </a:fmtScheme>
   </a:themeElements>
+  <a:objectDefaults/>
+  <a:extraClrSchemeLst/>
 </a:theme>
 </file>